--- a/lectures/07-directional-sprites.pptx
+++ b/lectures/07-directional-sprites.pptx
@@ -225,7 +225,7 @@
           <a:p>
             <a:fld id="{A52373F4-E0B6-AB43-80EF-246983C958D0}" type="datetimeFigureOut">
               <a:rPr lang="en-US" smtClean="0"/>
-              <a:t>2/19/20</a:t>
+              <a:t>3/13/2020</a:t>
             </a:fld>
             <a:endParaRPr lang="en-US"/>
           </a:p>
@@ -289,38 +289,37 @@
           <a:p>
             <a:pPr lvl="0"/>
             <a:r>
-              <a:rPr lang="en-US" smtClean="0"/>
+              <a:rPr lang="en-US"/>
               <a:t>Click to edit Master text styles</a:t>
             </a:r>
           </a:p>
           <a:p>
             <a:pPr lvl="1"/>
             <a:r>
-              <a:rPr lang="en-US" smtClean="0"/>
+              <a:rPr lang="en-US"/>
               <a:t>Second level</a:t>
             </a:r>
           </a:p>
           <a:p>
             <a:pPr lvl="2"/>
             <a:r>
-              <a:rPr lang="en-US" smtClean="0"/>
+              <a:rPr lang="en-US"/>
               <a:t>Third level</a:t>
             </a:r>
           </a:p>
           <a:p>
             <a:pPr lvl="3"/>
             <a:r>
-              <a:rPr lang="en-US" smtClean="0"/>
+              <a:rPr lang="en-US"/>
               <a:t>Fourth level</a:t>
             </a:r>
           </a:p>
           <a:p>
             <a:pPr lvl="4"/>
             <a:r>
-              <a:rPr lang="en-US" smtClean="0"/>
+              <a:rPr lang="en-US"/>
               <a:t>Fifth level</a:t>
             </a:r>
-            <a:endParaRPr lang="en-US"/>
           </a:p>
         </p:txBody>
       </p:sp>
@@ -541,7 +540,7 @@
               <a:buFont typeface="Arial" charset="0"/>
               <a:buChar char="•"/>
             </a:pPr>
-            <a:endParaRPr lang="en-US" dirty="0" smtClean="0"/>
+            <a:endParaRPr lang="en-US" dirty="0"/>
           </a:p>
         </p:txBody>
       </p:sp>
@@ -633,11 +632,11 @@
               <a:buChar char="•"/>
             </a:pPr>
             <a:r>
-              <a:rPr lang="en-AU" dirty="0" smtClean="0"/>
+              <a:rPr lang="en-AU" dirty="0"/>
               <a:t>You can easily do NE, SE,</a:t>
             </a:r>
             <a:r>
-              <a:rPr lang="en-AU" baseline="0" dirty="0" smtClean="0"/>
+              <a:rPr lang="en-AU" baseline="0" dirty="0"/>
               <a:t> SW ad NW</a:t>
             </a:r>
           </a:p>
@@ -649,7 +648,7 @@
               <a:buFont typeface="Arial" panose="020B0604020202020204" pitchFamily="34" charset="0"/>
               <a:buChar char="•"/>
             </a:pPr>
-            <a:endParaRPr lang="en-AU" baseline="0" dirty="0" smtClean="0"/>
+            <a:endParaRPr lang="en-AU" baseline="0" dirty="0"/>
           </a:p>
           <a:p>
             <a:pPr marL="171450" indent="-171450">
@@ -660,7 +659,7 @@
               <a:buChar char="•"/>
             </a:pPr>
             <a:r>
-              <a:rPr lang="en-AU" baseline="0" dirty="0" smtClean="0"/>
+              <a:rPr lang="en-AU" baseline="0" dirty="0"/>
               <a:t>You will need to come up with an elegant way of handling user input</a:t>
             </a:r>
           </a:p>
@@ -672,7 +671,7 @@
               <a:buFont typeface="Arial" panose="020B0604020202020204" pitchFamily="34" charset="0"/>
               <a:buChar char="•"/>
             </a:pPr>
-            <a:endParaRPr lang="en-AU" baseline="0" dirty="0" smtClean="0"/>
+            <a:endParaRPr lang="en-AU" baseline="0" dirty="0"/>
           </a:p>
           <a:p>
             <a:pPr marL="171450" indent="-171450">
@@ -680,7 +679,7 @@
               <a:buChar char="•"/>
             </a:pPr>
             <a:r>
-              <a:rPr lang="en-NZ" baseline="0" dirty="0" smtClean="0"/>
+              <a:rPr lang="en-NZ" baseline="0" dirty="0"/>
               <a:t>When we perform the computation, the sprite moves in the desired direction</a:t>
             </a:r>
           </a:p>
@@ -689,7 +688,7 @@
               <a:buFont typeface="Arial" panose="020B0604020202020204" pitchFamily="34" charset="0"/>
               <a:buChar char="•"/>
             </a:pPr>
-            <a:endParaRPr lang="en-NZ" baseline="0" dirty="0" smtClean="0"/>
+            <a:endParaRPr lang="en-NZ" baseline="0" dirty="0"/>
           </a:p>
           <a:p>
             <a:pPr marL="171450" indent="-171450">
@@ -697,7 +696,7 @@
               <a:buChar char="•"/>
             </a:pPr>
             <a:r>
-              <a:rPr lang="en-NZ" baseline="0" dirty="0" smtClean="0"/>
+              <a:rPr lang="en-NZ" baseline="0" dirty="0"/>
               <a:t>If his image shows him facing that way, we have convincing directional movement</a:t>
             </a:r>
           </a:p>
@@ -709,7 +708,7 @@
               <a:buFont typeface="Arial" panose="020B0604020202020204" pitchFamily="34" charset="0"/>
               <a:buChar char="•"/>
             </a:pPr>
-            <a:endParaRPr lang="en-AU" baseline="0" dirty="0" smtClean="0"/>
+            <a:endParaRPr lang="en-AU" baseline="0" dirty="0"/>
           </a:p>
           <a:p>
             <a:pPr marL="171450" indent="-171450">
@@ -719,7 +718,7 @@
               <a:buFont typeface="Arial" panose="020B0604020202020204" pitchFamily="34" charset="0"/>
               <a:buChar char="•"/>
             </a:pPr>
-            <a:endParaRPr lang="en-AU" dirty="0" smtClean="0"/>
+            <a:endParaRPr lang="en-AU" dirty="0"/>
           </a:p>
         </p:txBody>
       </p:sp>
@@ -811,11 +810,11 @@
               <a:buChar char="•"/>
             </a:pPr>
             <a:r>
-              <a:rPr lang="en-NZ" dirty="0" smtClean="0"/>
+              <a:rPr lang="en-NZ" dirty="0"/>
               <a:t>You</a:t>
             </a:r>
             <a:r>
-              <a:rPr lang="en-NZ" baseline="0" dirty="0" smtClean="0"/>
+              <a:rPr lang="en-NZ" baseline="0" dirty="0"/>
               <a:t> could organise your intuitions there into this little table</a:t>
             </a:r>
           </a:p>
@@ -827,7 +826,7 @@
               <a:buFont typeface="Arial" panose="020B0604020202020204" pitchFamily="34" charset="0"/>
               <a:buChar char="•"/>
             </a:pPr>
-            <a:endParaRPr lang="en-NZ" baseline="0" dirty="0" smtClean="0"/>
+            <a:endParaRPr lang="en-NZ" baseline="0" dirty="0"/>
           </a:p>
           <a:p>
             <a:pPr marL="171450" indent="-171450">
@@ -838,43 +837,43 @@
               <a:buChar char="•"/>
             </a:pPr>
             <a:r>
-              <a:rPr lang="en-NZ" dirty="0" smtClean="0"/>
+              <a:rPr lang="en-NZ" dirty="0"/>
               <a:t>How then do you store and use these values? Do you need 8 new data properties for your Sprite: </a:t>
             </a:r>
             <a:r>
-              <a:rPr lang="en-NZ" dirty="0" err="1" smtClean="0"/>
+              <a:rPr lang="en-NZ" dirty="0" err="1"/>
               <a:t>xDirEast</a:t>
             </a:r>
             <a:r>
-              <a:rPr lang="en-NZ" dirty="0" smtClean="0"/>
+              <a:rPr lang="en-NZ" dirty="0"/>
               <a:t>,</a:t>
             </a:r>
             <a:r>
-              <a:rPr lang="en-NZ" baseline="0" dirty="0" smtClean="0"/>
+              <a:rPr lang="en-NZ" baseline="0" dirty="0"/>
               <a:t> </a:t>
             </a:r>
             <a:r>
-              <a:rPr lang="en-NZ" baseline="0" dirty="0" err="1" smtClean="0"/>
+              <a:rPr lang="en-NZ" baseline="0" dirty="0" err="1"/>
               <a:t>yDirEast</a:t>
             </a:r>
             <a:r>
-              <a:rPr lang="en-NZ" baseline="0" dirty="0" smtClean="0"/>
+              <a:rPr lang="en-NZ" baseline="0" dirty="0"/>
               <a:t>, </a:t>
             </a:r>
             <a:r>
-              <a:rPr lang="en-NZ" baseline="0" dirty="0" err="1" smtClean="0"/>
+              <a:rPr lang="en-NZ" baseline="0" dirty="0" err="1"/>
               <a:t>xDirSouth</a:t>
             </a:r>
             <a:r>
-              <a:rPr lang="en-NZ" baseline="0" dirty="0" smtClean="0"/>
+              <a:rPr lang="en-NZ" baseline="0" dirty="0"/>
               <a:t>, </a:t>
             </a:r>
             <a:r>
-              <a:rPr lang="en-NZ" baseline="0" dirty="0" err="1" smtClean="0"/>
+              <a:rPr lang="en-NZ" baseline="0" dirty="0" err="1"/>
               <a:t>yDirSouth</a:t>
             </a:r>
             <a:r>
-              <a:rPr lang="en-NZ" baseline="0" dirty="0" smtClean="0"/>
+              <a:rPr lang="en-NZ" baseline="0" dirty="0"/>
               <a:t>, etc.? No</a:t>
             </a:r>
           </a:p>
@@ -886,7 +885,7 @@
               <a:buFontTx/>
               <a:buNone/>
             </a:pPr>
-            <a:endParaRPr lang="en-NZ" baseline="0" dirty="0" smtClean="0"/>
+            <a:endParaRPr lang="en-NZ" baseline="0" dirty="0"/>
           </a:p>
           <a:p>
             <a:pPr marL="171450" indent="-171450">
@@ -897,11 +896,11 @@
               <a:buChar char="•"/>
             </a:pPr>
             <a:r>
-              <a:rPr lang="en-NZ" dirty="0" smtClean="0"/>
+              <a:rPr lang="en-NZ" dirty="0"/>
               <a:t>See this nice table? Whenever you find yourself expressing logic by putting things</a:t>
             </a:r>
             <a:r>
-              <a:rPr lang="en-NZ" baseline="0" dirty="0" smtClean="0"/>
+              <a:rPr lang="en-NZ" baseline="0" dirty="0"/>
               <a:t> into a table, you should consider whether an array would help</a:t>
             </a:r>
           </a:p>
@@ -913,7 +912,7 @@
               <a:buFontTx/>
               <a:buNone/>
             </a:pPr>
-            <a:endParaRPr lang="en-NZ" baseline="0" dirty="0" smtClean="0"/>
+            <a:endParaRPr lang="en-NZ" baseline="0" dirty="0"/>
           </a:p>
           <a:p>
             <a:pPr marL="171450" indent="-171450">
@@ -924,7 +923,7 @@
               <a:buChar char="•"/>
             </a:pPr>
             <a:r>
-              <a:rPr lang="en-NZ" baseline="0" dirty="0" smtClean="0"/>
+              <a:rPr lang="en-NZ" baseline="0" dirty="0"/>
               <a:t>We don’t want to have to store 8 individual direction variables. In addition to being simply cumbersome, it would be very awkward to switch between them when we changed directions. It would require some large switch statement or if-else</a:t>
             </a:r>
           </a:p>
@@ -936,7 +935,7 @@
               <a:buFontTx/>
               <a:buNone/>
             </a:pPr>
-            <a:endParaRPr lang="en-NZ" baseline="0" dirty="0" smtClean="0"/>
+            <a:endParaRPr lang="en-NZ" baseline="0" dirty="0"/>
           </a:p>
           <a:p>
             <a:pPr marL="171450" indent="-171450">
@@ -947,23 +946,23 @@
               <a:buChar char="•"/>
             </a:pPr>
             <a:r>
-              <a:rPr lang="en-NZ" b="0" baseline="0" dirty="0" smtClean="0"/>
+              <a:rPr lang="en-NZ" b="0" baseline="0" dirty="0"/>
               <a:t>If instead we store the direction variables in a nice array, we can use </a:t>
             </a:r>
             <a:r>
-              <a:rPr lang="en-NZ" b="0" baseline="0" dirty="0" err="1" smtClean="0"/>
+              <a:rPr lang="en-NZ" b="0" baseline="0" dirty="0" err="1"/>
               <a:t>spriteDirections</a:t>
             </a:r>
             <a:r>
-              <a:rPr lang="en-NZ" b="0" baseline="0" dirty="0" smtClean="0"/>
+              <a:rPr lang="en-NZ" b="0" baseline="0" dirty="0"/>
               <a:t> to index into it exactly as we use </a:t>
             </a:r>
             <a:r>
-              <a:rPr lang="en-NZ" b="0" baseline="0" dirty="0" err="1" smtClean="0"/>
+              <a:rPr lang="en-NZ" b="0" baseline="0" dirty="0" err="1"/>
               <a:t>spriteDirections</a:t>
             </a:r>
             <a:r>
-              <a:rPr lang="en-NZ" b="0" baseline="0" dirty="0" smtClean="0"/>
+              <a:rPr lang="en-NZ" b="0" baseline="0" dirty="0"/>
               <a:t> to index into the bitmap array. Just put the directions for EAST in location 0, for SOUTH in location 1, etc.</a:t>
             </a:r>
           </a:p>
@@ -1057,7 +1056,7 @@
               <a:buChar char="•"/>
             </a:pPr>
             <a:r>
-              <a:rPr lang="en-NZ" b="0" baseline="0" dirty="0" smtClean="0"/>
+              <a:rPr lang="en-NZ" b="0" baseline="0" dirty="0"/>
               <a:t>This code will go in your Move()</a:t>
             </a:r>
           </a:p>
@@ -1151,7 +1150,7 @@
               <a:buChar char="•"/>
             </a:pPr>
             <a:r>
-              <a:rPr lang="en-US" sz="1200" dirty="0" smtClean="0"/>
+              <a:rPr lang="en-US" sz="1200" dirty="0"/>
               <a:t>Instantiate in the Sprite constructors</a:t>
             </a:r>
           </a:p>
@@ -1163,7 +1162,7 @@
               <a:buFont typeface="Arial" panose="020B0604020202020204" pitchFamily="34" charset="0"/>
               <a:buChar char="•"/>
             </a:pPr>
-            <a:endParaRPr lang="en-US" sz="1200" b="0" baseline="0" dirty="0" smtClean="0"/>
+            <a:endParaRPr lang="en-US" sz="1200" b="0" baseline="0" dirty="0"/>
           </a:p>
           <a:p>
             <a:pPr marL="171450" indent="-171450">
@@ -1174,10 +1173,10 @@
               <a:buChar char="•"/>
             </a:pPr>
             <a:r>
-              <a:rPr lang="en-US" sz="1200" b="0" baseline="0" dirty="0" smtClean="0"/>
+              <a:rPr lang="en-US" sz="1200" b="0" baseline="0" dirty="0"/>
               <a:t>MAX_DIRECTIONS = 4</a:t>
             </a:r>
-            <a:endParaRPr lang="en-NZ" b="0" baseline="0" dirty="0" smtClean="0"/>
+            <a:endParaRPr lang="en-NZ" b="0" baseline="0" dirty="0"/>
           </a:p>
         </p:txBody>
       </p:sp>
@@ -1268,7 +1267,7 @@
               <a:buFont typeface="Arial" panose="020B0604020202020204" pitchFamily="34" charset="0"/>
               <a:buNone/>
             </a:pPr>
-            <a:endParaRPr lang="en-NZ" b="0" baseline="0" dirty="0" smtClean="0"/>
+            <a:endParaRPr lang="en-NZ" b="0" baseline="0" dirty="0"/>
           </a:p>
         </p:txBody>
       </p:sp>
@@ -1359,7 +1358,7 @@
               <a:buFont typeface="Arial" panose="020B0604020202020204" pitchFamily="34" charset="0"/>
               <a:buNone/>
             </a:pPr>
-            <a:endParaRPr lang="en-NZ" b="0" baseline="0" dirty="0" smtClean="0"/>
+            <a:endParaRPr lang="en-NZ" b="0" baseline="0" dirty="0"/>
           </a:p>
         </p:txBody>
       </p:sp>
@@ -1450,7 +1449,7 @@
               <a:buFont typeface="Arial" panose="020B0604020202020204" pitchFamily="34" charset="0"/>
               <a:buNone/>
             </a:pPr>
-            <a:endParaRPr lang="en-NZ" b="0" baseline="0" dirty="0" smtClean="0"/>
+            <a:endParaRPr lang="en-NZ" b="0" baseline="0" dirty="0"/>
           </a:p>
         </p:txBody>
       </p:sp>
@@ -1541,7 +1540,7 @@
               <a:buFont typeface="Arial" panose="020B0604020202020204" pitchFamily="34" charset="0"/>
               <a:buNone/>
             </a:pPr>
-            <a:endParaRPr lang="en-NZ" b="0" baseline="0" dirty="0" smtClean="0"/>
+            <a:endParaRPr lang="en-NZ" b="0" baseline="0" dirty="0"/>
           </a:p>
         </p:txBody>
       </p:sp>
@@ -1643,7 +1642,7 @@
               <a:defRPr/>
             </a:pPr>
             <a:r>
-              <a:rPr lang="en-US" sz="1200" dirty="0" smtClean="0"/>
+              <a:rPr lang="en-US" sz="1200" dirty="0"/>
               <a:t>www.reinerstilesets.de/2d-grafiken/</a:t>
             </a:r>
           </a:p>
@@ -1734,15 +1733,15 @@
               <a:buChar char="•"/>
             </a:pPr>
             <a:r>
-              <a:rPr lang="en-US" dirty="0" smtClean="0"/>
+              <a:rPr lang="en-US" dirty="0"/>
               <a:t>Let’s assume that you have figured out which of these </a:t>
             </a:r>
             <a:r>
-              <a:rPr lang="en-US" dirty="0" err="1" smtClean="0"/>
+              <a:rPr lang="en-US" dirty="0" err="1"/>
               <a:t>spriteSheets</a:t>
             </a:r>
             <a:r>
-              <a:rPr lang="en-US" baseline="0" dirty="0" smtClean="0"/>
+              <a:rPr lang="en-US" baseline="0" dirty="0"/>
               <a:t> to use</a:t>
             </a:r>
           </a:p>
@@ -1751,7 +1750,7 @@
               <a:buFont typeface="Arial" charset="0"/>
               <a:buChar char="•"/>
             </a:pPr>
-            <a:endParaRPr lang="en-US" baseline="0" dirty="0" smtClean="0"/>
+            <a:endParaRPr lang="en-US" baseline="0" dirty="0"/>
           </a:p>
           <a:p>
             <a:pPr marL="171450" indent="-171450">
@@ -1759,15 +1758,15 @@
               <a:buChar char="•"/>
             </a:pPr>
             <a:r>
-              <a:rPr lang="en-US" baseline="0" dirty="0" smtClean="0"/>
+              <a:rPr lang="en-US" baseline="0" dirty="0"/>
               <a:t>The </a:t>
             </a:r>
             <a:r>
-              <a:rPr lang="en-US" baseline="0" dirty="0" err="1" smtClean="0"/>
+              <a:rPr lang="en-US" baseline="0" dirty="0" err="1"/>
               <a:t>UpdateFarme</a:t>
             </a:r>
             <a:r>
-              <a:rPr lang="en-US" baseline="0" dirty="0" smtClean="0"/>
+              <a:rPr lang="en-US" baseline="0" dirty="0"/>
               <a:t>() is identical</a:t>
             </a:r>
           </a:p>
@@ -1776,7 +1775,7 @@
               <a:buFont typeface="Arial" charset="0"/>
               <a:buChar char="•"/>
             </a:pPr>
-            <a:endParaRPr lang="en-US" baseline="0" dirty="0" smtClean="0"/>
+            <a:endParaRPr lang="en-US" baseline="0" dirty="0"/>
           </a:p>
           <a:p>
             <a:pPr marL="171450" indent="-171450">
@@ -1784,23 +1783,23 @@
               <a:buChar char="•"/>
             </a:pPr>
             <a:r>
-              <a:rPr lang="en-US" baseline="0" dirty="0" smtClean="0"/>
+              <a:rPr lang="en-US" baseline="0" dirty="0"/>
               <a:t>Move() and Draw() need to change. He needs the correct bitmap/sprite sheet for Draw() and needs the correct values to modify </a:t>
             </a:r>
             <a:r>
-              <a:rPr lang="en-US" baseline="0" dirty="0" err="1" smtClean="0"/>
+              <a:rPr lang="en-US" baseline="0" dirty="0" err="1"/>
               <a:t>xPos</a:t>
             </a:r>
             <a:r>
-              <a:rPr lang="en-US" baseline="0" dirty="0" smtClean="0"/>
+              <a:rPr lang="en-US" baseline="0" dirty="0"/>
               <a:t> and </a:t>
             </a:r>
             <a:r>
-              <a:rPr lang="en-US" baseline="0" dirty="0" err="1" smtClean="0"/>
+              <a:rPr lang="en-US" baseline="0" dirty="0" err="1"/>
               <a:t>yPos</a:t>
             </a:r>
             <a:r>
-              <a:rPr lang="en-US" baseline="0" dirty="0" smtClean="0"/>
+              <a:rPr lang="en-US" baseline="0" dirty="0"/>
               <a:t> for Move() so that he moves in the correct compass direction</a:t>
             </a:r>
           </a:p>
@@ -1809,7 +1808,7 @@
               <a:buFont typeface="Arial" charset="0"/>
               <a:buChar char="•"/>
             </a:pPr>
-            <a:endParaRPr lang="en-US" baseline="0" dirty="0" smtClean="0"/>
+            <a:endParaRPr lang="en-US" baseline="0" dirty="0"/>
           </a:p>
           <a:p>
             <a:pPr marL="171450" indent="-171450">
@@ -1817,7 +1816,7 @@
               <a:buChar char="•"/>
             </a:pPr>
             <a:r>
-              <a:rPr lang="en-US" baseline="0" dirty="0" smtClean="0"/>
+              <a:rPr lang="en-US" baseline="0" dirty="0"/>
               <a:t>Draw() </a:t>
             </a:r>
           </a:p>
@@ -1827,11 +1826,11 @@
               <a:buChar char="•"/>
             </a:pPr>
             <a:r>
-              <a:rPr lang="en-US" baseline="0" dirty="0" smtClean="0"/>
+              <a:rPr lang="en-US" baseline="0" dirty="0"/>
               <a:t>Drawing to the canvas is identical – using a </a:t>
             </a:r>
             <a:r>
-              <a:rPr lang="en-NZ" sz="1200" b="0" i="0" kern="1200" dirty="0" smtClean="0">
+              <a:rPr lang="en-NZ" sz="1200" b="0" i="0" kern="1200" dirty="0">
                 <a:solidFill>
                   <a:schemeClr val="tx1"/>
                 </a:solidFill>
@@ -1843,7 +1842,7 @@
               <a:t>Rectangle(</a:t>
             </a:r>
             <a:r>
-              <a:rPr lang="en-NZ" sz="1200" b="0" i="0" kern="1200" dirty="0" err="1" smtClean="0">
+              <a:rPr lang="en-NZ" sz="1200" b="0" i="0" kern="1200" dirty="0" err="1">
                 <a:solidFill>
                   <a:schemeClr val="tx1"/>
                 </a:solidFill>
@@ -1855,7 +1854,7 @@
               <a:t>currentFrame</a:t>
             </a:r>
             <a:r>
-              <a:rPr lang="en-NZ" sz="1200" b="0" i="0" kern="1200" dirty="0" smtClean="0">
+              <a:rPr lang="en-NZ" sz="1200" b="0" i="0" kern="1200" dirty="0">
                 <a:solidFill>
                   <a:schemeClr val="tx1"/>
                 </a:solidFill>
@@ -1867,7 +1866,7 @@
               <a:t> * </a:t>
             </a:r>
             <a:r>
-              <a:rPr lang="en-NZ" sz="1200" b="0" i="0" kern="1200" dirty="0" err="1" smtClean="0">
+              <a:rPr lang="en-NZ" sz="1200" b="0" i="0" kern="1200" dirty="0" err="1">
                 <a:solidFill>
                   <a:schemeClr val="tx1"/>
                 </a:solidFill>
@@ -1879,7 +1878,7 @@
               <a:t>frameWidth</a:t>
             </a:r>
             <a:r>
-              <a:rPr lang="en-NZ" sz="1200" b="0" i="0" kern="1200" dirty="0" smtClean="0">
+              <a:rPr lang="en-NZ" sz="1200" b="0" i="0" kern="1200" dirty="0">
                 <a:solidFill>
                   <a:schemeClr val="tx1"/>
                 </a:solidFill>
@@ -1891,7 +1890,7 @@
               <a:t>, 0, </a:t>
             </a:r>
             <a:r>
-              <a:rPr lang="en-NZ" sz="1200" b="0" i="0" kern="1200" dirty="0" err="1" smtClean="0">
+              <a:rPr lang="en-NZ" sz="1200" b="0" i="0" kern="1200" dirty="0" err="1">
                 <a:solidFill>
                   <a:schemeClr val="tx1"/>
                 </a:solidFill>
@@ -1903,7 +1902,7 @@
               <a:t>frameWidth</a:t>
             </a:r>
             <a:r>
-              <a:rPr lang="en-NZ" sz="1200" b="0" i="0" kern="1200" dirty="0" smtClean="0">
+              <a:rPr lang="en-NZ" sz="1200" b="0" i="0" kern="1200" dirty="0">
                 <a:solidFill>
                   <a:schemeClr val="tx1"/>
                 </a:solidFill>
@@ -1915,7 +1914,7 @@
               <a:t>, </a:t>
             </a:r>
             <a:r>
-              <a:rPr lang="en-NZ" sz="1200" b="0" i="0" kern="1200" dirty="0" err="1" smtClean="0">
+              <a:rPr lang="en-NZ" sz="1200" b="0" i="0" kern="1200" dirty="0" err="1">
                 <a:solidFill>
                   <a:schemeClr val="tx1"/>
                 </a:solidFill>
@@ -1927,7 +1926,7 @@
               <a:t>frameHeight</a:t>
             </a:r>
             <a:r>
-              <a:rPr lang="en-NZ" sz="1200" b="0" i="0" kern="1200" dirty="0" smtClean="0">
+              <a:rPr lang="en-NZ" sz="1200" b="0" i="0" kern="1200" dirty="0">
                 <a:solidFill>
                   <a:schemeClr val="tx1"/>
                 </a:solidFill>
@@ -1939,7 +1938,7 @@
               <a:t>) and </a:t>
             </a:r>
             <a:r>
-              <a:rPr lang="en-NZ" sz="1200" b="0" i="0" kern="1200" dirty="0" err="1" smtClean="0">
+              <a:rPr lang="en-NZ" sz="1200" b="0" i="0" kern="1200" dirty="0" err="1">
                 <a:solidFill>
                   <a:schemeClr val="tx1"/>
                 </a:solidFill>
@@ -1951,7 +1950,7 @@
               <a:t>DrawImage</a:t>
             </a:r>
             <a:r>
-              <a:rPr lang="en-NZ" sz="1200" b="0" i="0" kern="1200" dirty="0" smtClean="0">
+              <a:rPr lang="en-NZ" sz="1200" b="0" i="0" kern="1200" dirty="0">
                 <a:solidFill>
                   <a:schemeClr val="tx1"/>
                 </a:solidFill>
@@ -1963,7 +1962,7 @@
               <a:t>(), </a:t>
             </a:r>
             <a:r>
-              <a:rPr lang="en-NZ" sz="1200" b="0" i="0" kern="1200" dirty="0" err="1" smtClean="0">
+              <a:rPr lang="en-NZ" sz="1200" b="0" i="0" kern="1200" dirty="0" err="1">
                 <a:solidFill>
                   <a:schemeClr val="tx1"/>
                 </a:solidFill>
@@ -1974,7 +1973,7 @@
               </a:rPr>
               <a:t>etc</a:t>
             </a:r>
-            <a:endParaRPr lang="en-NZ" sz="1200" b="0" i="0" kern="1200" dirty="0" smtClean="0">
+            <a:endParaRPr lang="en-NZ" sz="1200" b="0" i="0" kern="1200" dirty="0">
               <a:solidFill>
                 <a:schemeClr val="tx1"/>
               </a:solidFill>
@@ -1989,7 +1988,7 @@
               <a:buFont typeface="Arial" charset="0"/>
               <a:buChar char="•"/>
             </a:pPr>
-            <a:endParaRPr lang="en-NZ" sz="1200" b="0" i="0" kern="1200" dirty="0" smtClean="0">
+            <a:endParaRPr lang="en-NZ" sz="1200" b="0" i="0" kern="1200" dirty="0">
               <a:solidFill>
                 <a:schemeClr val="tx1"/>
               </a:solidFill>
@@ -2005,7 +2004,7 @@
               <a:buChar char="•"/>
             </a:pPr>
             <a:r>
-              <a:rPr lang="en-NZ" sz="1200" b="0" i="0" kern="1200" baseline="0" dirty="0" smtClean="0">
+              <a:rPr lang="en-NZ" sz="1200" b="0" i="0" kern="1200" baseline="0" dirty="0">
                 <a:solidFill>
                   <a:schemeClr val="tx1"/>
                 </a:solidFill>
@@ -2017,23 +2016,23 @@
               <a:t>But, instead of having a single </a:t>
             </a:r>
             <a:r>
-              <a:rPr lang="en-NZ" baseline="0" dirty="0" smtClean="0"/>
+              <a:rPr lang="en-NZ" baseline="0" dirty="0"/>
               <a:t>sprite sheet variable that you always pass to canvas-&gt;</a:t>
             </a:r>
             <a:r>
-              <a:rPr lang="en-NZ" baseline="0" dirty="0" err="1" smtClean="0"/>
+              <a:rPr lang="en-NZ" baseline="0" dirty="0" err="1"/>
               <a:t>DrawImage</a:t>
             </a:r>
             <a:r>
-              <a:rPr lang="en-NZ" baseline="0" dirty="0" smtClean="0"/>
+              <a:rPr lang="en-NZ" baseline="0" dirty="0"/>
               <a:t>(), you have an array of sprite sheets, and at each draw, you select the correct one to pass to canvas-&gt;</a:t>
             </a:r>
             <a:r>
-              <a:rPr lang="en-NZ" baseline="0" dirty="0" err="1" smtClean="0"/>
+              <a:rPr lang="en-NZ" baseline="0" dirty="0" err="1"/>
               <a:t>DrawImage</a:t>
             </a:r>
             <a:r>
-              <a:rPr lang="en-NZ" baseline="0" dirty="0" smtClean="0"/>
+              <a:rPr lang="en-NZ" baseline="0" dirty="0"/>
               <a:t>()</a:t>
             </a:r>
           </a:p>
@@ -2042,7 +2041,7 @@
               <a:buFont typeface="Arial" charset="0"/>
               <a:buChar char="•"/>
             </a:pPr>
-            <a:endParaRPr lang="en-NZ" baseline="0" dirty="0" smtClean="0"/>
+            <a:endParaRPr lang="en-NZ" baseline="0" dirty="0"/>
           </a:p>
           <a:p>
             <a:pPr marL="628650" lvl="1" indent="-171450">
@@ -2050,15 +2049,15 @@
               <a:buChar char="•"/>
             </a:pPr>
             <a:r>
-              <a:rPr lang="en-NZ" baseline="0" dirty="0" smtClean="0"/>
+              <a:rPr lang="en-NZ" baseline="0" dirty="0"/>
               <a:t>You can use your new class property to index into the Bitmap array and select the correct Bitmap to give to canvas-&gt;</a:t>
             </a:r>
             <a:r>
-              <a:rPr lang="en-NZ" baseline="0" dirty="0" err="1" smtClean="0"/>
+              <a:rPr lang="en-NZ" baseline="0" dirty="0" err="1"/>
               <a:t>DrawImage</a:t>
             </a:r>
             <a:r>
-              <a:rPr lang="en-NZ" baseline="0" dirty="0" smtClean="0"/>
+              <a:rPr lang="en-NZ" baseline="0" dirty="0"/>
               <a:t>()</a:t>
             </a:r>
           </a:p>
@@ -2067,7 +2066,7 @@
               <a:buFont typeface="Arial" charset="0"/>
               <a:buChar char="•"/>
             </a:pPr>
-            <a:endParaRPr lang="en-NZ" baseline="0" dirty="0" smtClean="0"/>
+            <a:endParaRPr lang="en-NZ" baseline="0" dirty="0"/>
           </a:p>
           <a:p>
             <a:pPr marL="628650" lvl="1" indent="-171450">
@@ -2075,31 +2074,31 @@
               <a:buChar char="•"/>
             </a:pPr>
             <a:r>
-              <a:rPr lang="en-NZ" baseline="0" dirty="0" smtClean="0"/>
+              <a:rPr lang="en-NZ" baseline="0" dirty="0"/>
               <a:t>Something like Bitmap^ </a:t>
             </a:r>
             <a:r>
-              <a:rPr lang="en-NZ" baseline="0" dirty="0" err="1" smtClean="0"/>
+              <a:rPr lang="en-NZ" baseline="0" dirty="0" err="1"/>
               <a:t>currentBitmap</a:t>
             </a:r>
             <a:r>
-              <a:rPr lang="en-NZ" baseline="0" dirty="0" smtClean="0"/>
+              <a:rPr lang="en-NZ" baseline="0" dirty="0"/>
               <a:t> = </a:t>
             </a:r>
             <a:r>
-              <a:rPr lang="en-NZ" baseline="0" dirty="0" err="1" smtClean="0"/>
+              <a:rPr lang="en-NZ" baseline="0" dirty="0" err="1"/>
               <a:t>spriteSheet</a:t>
             </a:r>
             <a:r>
-              <a:rPr lang="en-NZ" baseline="0" dirty="0" smtClean="0"/>
+              <a:rPr lang="en-NZ" baseline="0" dirty="0"/>
               <a:t>[</a:t>
             </a:r>
             <a:r>
-              <a:rPr lang="en-NZ" baseline="0" dirty="0" err="1" smtClean="0"/>
+              <a:rPr lang="en-NZ" baseline="0" dirty="0" err="1"/>
               <a:t>spriteDirections</a:t>
             </a:r>
             <a:r>
-              <a:rPr lang="en-NZ" baseline="0" dirty="0" smtClean="0"/>
+              <a:rPr lang="en-NZ" baseline="0" dirty="0"/>
               <a:t>]</a:t>
             </a:r>
           </a:p>
@@ -2108,7 +2107,7 @@
               <a:buFont typeface="Arial" charset="0"/>
               <a:buChar char="•"/>
             </a:pPr>
-            <a:endParaRPr lang="en-NZ" baseline="0" dirty="0" smtClean="0"/>
+            <a:endParaRPr lang="en-NZ" baseline="0" dirty="0"/>
           </a:p>
           <a:p>
             <a:pPr marL="628650" marR="0" lvl="1" indent="-171450" algn="l" defTabSz="914400" rtl="0" eaLnBrk="1" fontAlgn="auto" latinLnBrk="0" hangingPunct="1">
@@ -2129,14 +2128,14 @@
               <a:defRPr/>
             </a:pPr>
             <a:r>
-              <a:rPr lang="en-NZ" baseline="0" dirty="0" smtClean="0"/>
+              <a:rPr lang="en-NZ" baseline="0" dirty="0"/>
               <a:t>If you’ve put your bitmaps in the array as shown above, if he’s moving east, you want 0; if he’s moving south you want 1, </a:t>
             </a:r>
             <a:r>
-              <a:rPr lang="en-NZ" baseline="0" dirty="0" err="1" smtClean="0"/>
+              <a:rPr lang="en-NZ" baseline="0" dirty="0" err="1"/>
               <a:t>etc</a:t>
             </a:r>
-            <a:endParaRPr lang="en-NZ" baseline="0" dirty="0" smtClean="0"/>
+            <a:endParaRPr lang="en-NZ" baseline="0" dirty="0"/>
           </a:p>
           <a:p>
             <a:pPr marL="628650" marR="0" lvl="1" indent="-171450" algn="l" defTabSz="914400" rtl="0" eaLnBrk="1" fontAlgn="auto" latinLnBrk="0" hangingPunct="1">
@@ -2156,7 +2155,7 @@
               <a:tabLst/>
               <a:defRPr/>
             </a:pPr>
-            <a:endParaRPr lang="en-NZ" baseline="0" dirty="0" smtClean="0"/>
+            <a:endParaRPr lang="en-NZ" baseline="0" dirty="0"/>
           </a:p>
           <a:p>
             <a:pPr marL="628650" marR="0" lvl="1" indent="-171450" algn="l" defTabSz="914400" rtl="0" eaLnBrk="1" fontAlgn="auto" latinLnBrk="0" hangingPunct="1">
@@ -2177,15 +2176,15 @@
               <a:defRPr/>
             </a:pPr>
             <a:r>
-              <a:rPr lang="en-NZ" baseline="0" dirty="0" smtClean="0"/>
+              <a:rPr lang="en-NZ" baseline="0" dirty="0"/>
               <a:t>So you will somewhere (think about where….) need to put those numbers into your </a:t>
             </a:r>
             <a:r>
-              <a:rPr lang="en-NZ" baseline="0" dirty="0" err="1" smtClean="0"/>
+              <a:rPr lang="en-NZ" baseline="0" dirty="0" err="1"/>
               <a:t>spriteDirections</a:t>
             </a:r>
             <a:r>
-              <a:rPr lang="en-NZ" baseline="0" dirty="0" smtClean="0"/>
+              <a:rPr lang="en-NZ" baseline="0" dirty="0"/>
               <a:t> state variable</a:t>
             </a:r>
           </a:p>
@@ -2207,7 +2206,7 @@
               <a:tabLst/>
               <a:defRPr/>
             </a:pPr>
-            <a:endParaRPr lang="en-NZ" baseline="0" dirty="0" smtClean="0"/>
+            <a:endParaRPr lang="en-NZ" baseline="0" dirty="0"/>
           </a:p>
           <a:p>
             <a:pPr marL="628650" marR="0" lvl="1" indent="-171450" algn="l" defTabSz="914400" rtl="0" eaLnBrk="1" fontAlgn="auto" latinLnBrk="0" hangingPunct="1">
@@ -2228,26 +2227,26 @@
               <a:defRPr/>
             </a:pPr>
             <a:r>
-              <a:rPr lang="en-NZ" baseline="0" dirty="0" smtClean="0"/>
+              <a:rPr lang="en-NZ" baseline="0" dirty="0"/>
               <a:t>You could imagine code like “</a:t>
             </a:r>
             <a:r>
-              <a:rPr lang="en-NZ" baseline="0" dirty="0" err="1" smtClean="0"/>
+              <a:rPr lang="en-NZ" baseline="0" dirty="0" err="1"/>
               <a:t>spriteDirections</a:t>
             </a:r>
             <a:r>
-              <a:rPr lang="en-NZ" baseline="0" dirty="0" smtClean="0"/>
+              <a:rPr lang="en-NZ" baseline="0" dirty="0"/>
               <a:t> = 2”, but that’s confusing because, what is 2? It’s better to use sensible string values, but we still need an </a:t>
             </a:r>
             <a:r>
-              <a:rPr lang="en-NZ" baseline="0" dirty="0" err="1" smtClean="0"/>
+              <a:rPr lang="en-NZ" baseline="0" dirty="0" err="1"/>
               <a:t>int</a:t>
             </a:r>
             <a:r>
-              <a:rPr lang="en-NZ" baseline="0" dirty="0" smtClean="0"/>
+              <a:rPr lang="en-NZ" baseline="0" dirty="0"/>
               <a:t> to index into the array. There are two acceptable ways to do this in C++/CLI</a:t>
             </a:r>
-            <a:endParaRPr lang="en-NZ" dirty="0" smtClean="0"/>
+            <a:endParaRPr lang="en-NZ" dirty="0"/>
           </a:p>
           <a:p>
             <a:pPr marL="628650" marR="0" lvl="1" indent="-171450" algn="l" defTabSz="914400" rtl="0" eaLnBrk="1" fontAlgn="auto" latinLnBrk="0" hangingPunct="1">
@@ -2267,28 +2266,28 @@
               <a:tabLst/>
               <a:defRPr/>
             </a:pPr>
-            <a:endParaRPr lang="en-NZ" baseline="0" dirty="0" smtClean="0"/>
+            <a:endParaRPr lang="en-NZ" baseline="0" dirty="0"/>
           </a:p>
           <a:p>
             <a:pPr marL="628650" lvl="1" indent="-171450">
               <a:buFont typeface="Arial" charset="0"/>
               <a:buChar char="•"/>
             </a:pPr>
-            <a:endParaRPr lang="en-NZ" baseline="0" dirty="0" smtClean="0"/>
+            <a:endParaRPr lang="en-NZ" baseline="0" dirty="0"/>
           </a:p>
           <a:p>
             <a:pPr marL="628650" lvl="1" indent="-171450">
               <a:buFont typeface="Arial" charset="0"/>
               <a:buChar char="•"/>
             </a:pPr>
-            <a:endParaRPr lang="en-NZ" baseline="0" dirty="0" smtClean="0"/>
+            <a:endParaRPr lang="en-NZ" baseline="0" dirty="0"/>
           </a:p>
           <a:p>
             <a:pPr marL="628650" lvl="1" indent="-171450">
               <a:buFont typeface="Arial" charset="0"/>
               <a:buChar char="•"/>
             </a:pPr>
-            <a:endParaRPr lang="en-US" baseline="0" dirty="0" smtClean="0"/>
+            <a:endParaRPr lang="en-US" baseline="0" dirty="0"/>
           </a:p>
         </p:txBody>
       </p:sp>
@@ -2380,11 +2379,11 @@
               <a:buChar char="•"/>
             </a:pPr>
             <a:r>
-              <a:rPr lang="en-NZ" dirty="0" smtClean="0"/>
+              <a:rPr lang="en-NZ" dirty="0"/>
               <a:t>#defines – easy and bulletproof, but somewhat limited. You</a:t>
             </a:r>
             <a:r>
-              <a:rPr lang="en-NZ" baseline="0" dirty="0" smtClean="0"/>
+              <a:rPr lang="en-NZ" baseline="0" dirty="0"/>
               <a:t> will see them a lot, especially in older C++ code</a:t>
             </a:r>
           </a:p>
@@ -2396,7 +2395,7 @@
               <a:buFont typeface="Arial" panose="020B0604020202020204" pitchFamily="34" charset="0"/>
               <a:buChar char="•"/>
             </a:pPr>
-            <a:endParaRPr lang="en-NZ" dirty="0" smtClean="0"/>
+            <a:endParaRPr lang="en-NZ" dirty="0"/>
           </a:p>
           <a:p>
             <a:pPr marL="171450" indent="-171450">
@@ -2407,19 +2406,19 @@
               <a:buChar char="•"/>
             </a:pPr>
             <a:r>
-              <a:rPr lang="en-NZ" dirty="0" smtClean="0"/>
+              <a:rPr lang="en-NZ" dirty="0"/>
               <a:t>Put these statements in</a:t>
             </a:r>
             <a:r>
-              <a:rPr lang="en-NZ" baseline="0" dirty="0" smtClean="0"/>
+              <a:rPr lang="en-NZ" baseline="0" dirty="0"/>
               <a:t> </a:t>
             </a:r>
             <a:r>
-              <a:rPr lang="en-NZ" baseline="0" dirty="0" err="1" smtClean="0"/>
+              <a:rPr lang="en-NZ" baseline="0" dirty="0" err="1"/>
               <a:t>Sprite.h</a:t>
             </a:r>
             <a:r>
-              <a:rPr lang="en-NZ" baseline="0" dirty="0" smtClean="0"/>
+              <a:rPr lang="en-NZ" baseline="0" dirty="0"/>
               <a:t>, up at the top, before the class definition (not inside it). </a:t>
             </a:r>
           </a:p>
@@ -2431,7 +2430,7 @@
               <a:buFont typeface="Arial" panose="020B0604020202020204" pitchFamily="34" charset="0"/>
               <a:buChar char="•"/>
             </a:pPr>
-            <a:endParaRPr lang="en-NZ" baseline="0" dirty="0" smtClean="0"/>
+            <a:endParaRPr lang="en-NZ" baseline="0" dirty="0"/>
           </a:p>
           <a:p>
             <a:pPr marL="171450" indent="-171450">
@@ -2442,23 +2441,23 @@
               <a:buChar char="•"/>
             </a:pPr>
             <a:r>
-              <a:rPr lang="en-NZ" baseline="0" dirty="0" smtClean="0"/>
+              <a:rPr lang="en-NZ" baseline="0" dirty="0"/>
               <a:t>Sprite will understand them, and so will</a:t>
             </a:r>
             <a:r>
-              <a:rPr lang="en-NZ" dirty="0" smtClean="0"/>
+              <a:rPr lang="en-NZ" dirty="0"/>
               <a:t> any class that includes Sprite, like, for example, the Form</a:t>
             </a:r>
             <a:r>
-              <a:rPr lang="en-NZ" baseline="0" dirty="0" smtClean="0"/>
+              <a:rPr lang="en-NZ" baseline="0" dirty="0"/>
               <a:t> (still thinking about where we set </a:t>
             </a:r>
             <a:r>
-              <a:rPr lang="en-NZ" baseline="0" dirty="0" err="1" smtClean="0"/>
+              <a:rPr lang="en-NZ" baseline="0" dirty="0" err="1"/>
               <a:t>spriteDirections</a:t>
             </a:r>
             <a:r>
-              <a:rPr lang="en-NZ" baseline="0" dirty="0" smtClean="0"/>
+              <a:rPr lang="en-NZ" baseline="0" dirty="0"/>
               <a:t>?)</a:t>
             </a:r>
           </a:p>
@@ -2470,7 +2469,7 @@
               <a:buFont typeface="Arial" panose="020B0604020202020204" pitchFamily="34" charset="0"/>
               <a:buChar char="•"/>
             </a:pPr>
-            <a:endParaRPr lang="en-NZ" dirty="0" smtClean="0"/>
+            <a:endParaRPr lang="en-NZ" dirty="0"/>
           </a:p>
           <a:p>
             <a:pPr marL="171450" indent="-171450">
@@ -2481,11 +2480,11 @@
               <a:buChar char="•"/>
             </a:pPr>
             <a:r>
-              <a:rPr lang="en-NZ" dirty="0" smtClean="0"/>
+              <a:rPr lang="en-NZ" dirty="0"/>
               <a:t>Remember that #define</a:t>
             </a:r>
             <a:r>
-              <a:rPr lang="en-NZ" baseline="0" dirty="0" smtClean="0"/>
+              <a:rPr lang="en-NZ" baseline="0" dirty="0"/>
               <a:t> is a text-replace, not an expression that gets evaluated</a:t>
             </a:r>
           </a:p>
@@ -2497,7 +2496,7 @@
               <a:buFont typeface="Arial" panose="020B0604020202020204" pitchFamily="34" charset="0"/>
               <a:buChar char="•"/>
             </a:pPr>
-            <a:endParaRPr lang="en-NZ" baseline="0" dirty="0" smtClean="0"/>
+            <a:endParaRPr lang="en-NZ" baseline="0" dirty="0"/>
           </a:p>
           <a:p>
             <a:pPr marL="171450" indent="-171450">
@@ -2508,15 +2507,15 @@
               <a:buChar char="•"/>
             </a:pPr>
             <a:r>
-              <a:rPr lang="en-NZ" baseline="0" dirty="0" smtClean="0"/>
+              <a:rPr lang="en-NZ" baseline="0" dirty="0"/>
               <a:t>If this order isn’t the one that makes sense to you, use any order you want. Just match the location of each </a:t>
             </a:r>
             <a:r>
-              <a:rPr lang="en-NZ" baseline="0" dirty="0" err="1" smtClean="0"/>
+              <a:rPr lang="en-NZ" baseline="0" dirty="0" err="1"/>
               <a:t>spriteSheet</a:t>
             </a:r>
             <a:r>
-              <a:rPr lang="en-NZ" baseline="0" dirty="0" smtClean="0"/>
+              <a:rPr lang="en-NZ" baseline="0" dirty="0"/>
               <a:t> to its defined directional value</a:t>
             </a:r>
           </a:p>
@@ -2528,7 +2527,7 @@
               <a:buFont typeface="Arial" panose="020B0604020202020204" pitchFamily="34" charset="0"/>
               <a:buChar char="•"/>
             </a:pPr>
-            <a:endParaRPr lang="en-NZ" baseline="0" dirty="0" smtClean="0"/>
+            <a:endParaRPr lang="en-NZ" baseline="0" dirty="0"/>
           </a:p>
           <a:p>
             <a:pPr marL="171450" indent="-171450">
@@ -2539,14 +2538,14 @@
               <a:buChar char="•"/>
             </a:pPr>
             <a:r>
-              <a:rPr lang="en-NZ" baseline="0" dirty="0" err="1" smtClean="0"/>
+              <a:rPr lang="en-NZ" baseline="0" dirty="0" err="1"/>
               <a:t>Enum</a:t>
             </a:r>
             <a:r>
-              <a:rPr lang="en-NZ" baseline="0" dirty="0" smtClean="0"/>
+              <a:rPr lang="en-NZ" baseline="0" dirty="0"/>
               <a:t> – more flexible, but there are scoping and access issues</a:t>
             </a:r>
-            <a:endParaRPr lang="en-US" sz="1200" dirty="0" smtClean="0"/>
+            <a:endParaRPr lang="en-US" sz="1200" dirty="0"/>
           </a:p>
         </p:txBody>
       </p:sp>
@@ -2638,7 +2637,7 @@
               <a:buChar char="•"/>
             </a:pPr>
             <a:r>
-              <a:rPr lang="en-US" sz="1200" dirty="0" smtClean="0"/>
+              <a:rPr lang="en-US" sz="1200" dirty="0"/>
               <a:t>Change the current single Bitmap^ to an array of Bitmap^</a:t>
             </a:r>
           </a:p>
@@ -2650,7 +2649,7 @@
               <a:buFont typeface="Arial" panose="020B0604020202020204" pitchFamily="34" charset="0"/>
               <a:buChar char="•"/>
             </a:pPr>
-            <a:endParaRPr lang="en-US" sz="1200" dirty="0" smtClean="0"/>
+            <a:endParaRPr lang="en-US" sz="1200" dirty="0"/>
           </a:p>
           <a:p>
             <a:pPr marL="171450" indent="-171450">
@@ -2661,27 +2660,27 @@
               <a:buChar char="•"/>
             </a:pPr>
             <a:r>
-              <a:rPr lang="en-US" sz="1200" dirty="0" smtClean="0"/>
+              <a:rPr lang="en-US" sz="1200" dirty="0"/>
               <a:t>Add the </a:t>
             </a:r>
             <a:r>
-              <a:rPr lang="en-US" sz="1200" dirty="0" err="1" smtClean="0"/>
+              <a:rPr lang="en-US" sz="1200" dirty="0" err="1"/>
               <a:t>spriteDirections</a:t>
             </a:r>
             <a:r>
-              <a:rPr lang="en-US" sz="1200" dirty="0" smtClean="0"/>
+              <a:rPr lang="en-US" sz="1200" dirty="0"/>
               <a:t>.</a:t>
             </a:r>
             <a:r>
-              <a:rPr lang="en-US" sz="1200" baseline="0" dirty="0" smtClean="0"/>
+              <a:rPr lang="en-US" sz="1200" baseline="0" dirty="0"/>
               <a:t> Use an </a:t>
             </a:r>
             <a:r>
-              <a:rPr lang="en-US" sz="1200" baseline="0" dirty="0" err="1" smtClean="0"/>
+              <a:rPr lang="en-US" sz="1200" baseline="0" dirty="0" err="1"/>
               <a:t>int</a:t>
             </a:r>
             <a:r>
-              <a:rPr lang="en-US" sz="1200" baseline="0" dirty="0" smtClean="0"/>
+              <a:rPr lang="en-US" sz="1200" baseline="0" dirty="0"/>
               <a:t> if you are using constants</a:t>
             </a:r>
           </a:p>
@@ -2693,7 +2692,7 @@
               <a:buFont typeface="Arial" panose="020B0604020202020204" pitchFamily="34" charset="0"/>
               <a:buChar char="•"/>
             </a:pPr>
-            <a:endParaRPr lang="en-US" sz="1200" baseline="0" dirty="0" smtClean="0"/>
+            <a:endParaRPr lang="en-US" sz="1200" baseline="0" dirty="0"/>
           </a:p>
           <a:p>
             <a:pPr marL="171450" indent="-171450">
@@ -2704,15 +2703,15 @@
               <a:buChar char="•"/>
             </a:pPr>
             <a:r>
-              <a:rPr lang="en-US" sz="1200" baseline="0" dirty="0" smtClean="0"/>
+              <a:rPr lang="en-US" sz="1200" baseline="0" dirty="0"/>
               <a:t>Either add a get/set method for the </a:t>
             </a:r>
             <a:r>
-              <a:rPr lang="en-US" sz="1200" baseline="0" dirty="0" err="1" smtClean="0"/>
+              <a:rPr lang="en-US" sz="1200" baseline="0" dirty="0" err="1"/>
               <a:t>spriteDirections</a:t>
             </a:r>
             <a:r>
-              <a:rPr lang="en-US" sz="1200" baseline="0" dirty="0" smtClean="0"/>
+              <a:rPr lang="en-US" sz="1200" baseline="0" dirty="0"/>
               <a:t>, or make it a property</a:t>
             </a:r>
           </a:p>
@@ -2724,7 +2723,7 @@
               <a:buFont typeface="Arial" panose="020B0604020202020204" pitchFamily="34" charset="0"/>
               <a:buChar char="•"/>
             </a:pPr>
-            <a:endParaRPr lang="en-US" sz="1200" baseline="0" dirty="0" smtClean="0"/>
+            <a:endParaRPr lang="en-US" sz="1200" baseline="0" dirty="0"/>
           </a:p>
           <a:p>
             <a:pPr marL="171450" indent="-171450">
@@ -2735,7 +2734,7 @@
               <a:buChar char="•"/>
             </a:pPr>
             <a:r>
-              <a:rPr lang="en-NZ" baseline="0" dirty="0" smtClean="0"/>
+              <a:rPr lang="en-NZ" baseline="0" dirty="0"/>
               <a:t>When we change sprite sheets there will be some work to do, so we will write a set method for that</a:t>
             </a:r>
           </a:p>
@@ -2747,7 +2746,7 @@
               <a:buFont typeface="Arial" panose="020B0604020202020204" pitchFamily="34" charset="0"/>
               <a:buChar char="•"/>
             </a:pPr>
-            <a:endParaRPr lang="en-NZ" baseline="0" dirty="0" smtClean="0"/>
+            <a:endParaRPr lang="en-NZ" baseline="0" dirty="0"/>
           </a:p>
           <a:p>
             <a:pPr marL="171450" indent="-171450">
@@ -2758,7 +2757,7 @@
               <a:buChar char="•"/>
             </a:pPr>
             <a:r>
-              <a:rPr lang="en-NZ" baseline="0" dirty="0" smtClean="0"/>
+              <a:rPr lang="en-NZ" baseline="0" dirty="0"/>
               <a:t>Assume for now you have the same number of frames for each direction</a:t>
             </a:r>
           </a:p>
@@ -2770,7 +2769,7 @@
               <a:buFont typeface="Arial" panose="020B0604020202020204" pitchFamily="34" charset="0"/>
               <a:buChar char="•"/>
             </a:pPr>
-            <a:endParaRPr lang="en-NZ" baseline="0" dirty="0" smtClean="0"/>
+            <a:endParaRPr lang="en-NZ" baseline="0" dirty="0"/>
           </a:p>
           <a:p>
             <a:pPr marL="171450" indent="-171450">
@@ -2781,27 +2780,27 @@
               <a:buChar char="•"/>
             </a:pPr>
             <a:r>
-              <a:rPr lang="en-NZ" baseline="0" dirty="0" smtClean="0"/>
+              <a:rPr lang="en-NZ" baseline="0" dirty="0"/>
               <a:t>How will you set </a:t>
             </a:r>
             <a:r>
-              <a:rPr lang="en-NZ" baseline="0" dirty="0" err="1" smtClean="0"/>
+              <a:rPr lang="en-NZ" baseline="0" dirty="0" err="1"/>
               <a:t>frameWidth</a:t>
             </a:r>
             <a:r>
-              <a:rPr lang="en-NZ" baseline="0" dirty="0" smtClean="0"/>
+              <a:rPr lang="en-NZ" baseline="0" dirty="0"/>
               <a:t>? We were using (</a:t>
             </a:r>
             <a:r>
-              <a:rPr lang="en-NZ" baseline="0" dirty="0" err="1" smtClean="0"/>
+              <a:rPr lang="en-NZ" baseline="0" dirty="0" err="1"/>
               <a:t>int</a:t>
             </a:r>
             <a:r>
-              <a:rPr lang="en-NZ" baseline="0" dirty="0" smtClean="0"/>
+              <a:rPr lang="en-NZ" baseline="0" dirty="0"/>
               <a:t>)</a:t>
             </a:r>
             <a:r>
-              <a:rPr lang="en-NZ" sz="1200" b="0" i="0" kern="1200" dirty="0" err="1" smtClean="0">
+              <a:rPr lang="en-NZ" sz="1200" b="0" i="0" kern="1200" dirty="0" err="1">
                 <a:solidFill>
                   <a:schemeClr val="tx1"/>
                 </a:solidFill>
@@ -2813,7 +2812,7 @@
               <a:t>spriteSheet</a:t>
             </a:r>
             <a:r>
-              <a:rPr lang="en-NZ" sz="1200" b="0" i="0" kern="1200" dirty="0" smtClean="0">
+              <a:rPr lang="en-NZ" sz="1200" b="0" i="0" kern="1200" dirty="0">
                 <a:solidFill>
                   <a:schemeClr val="tx1"/>
                 </a:solidFill>
@@ -2825,7 +2824,7 @@
               <a:t>-&gt;Width / </a:t>
             </a:r>
             <a:r>
-              <a:rPr lang="en-NZ" sz="1200" b="0" i="0" kern="1200" dirty="0" err="1" smtClean="0">
+              <a:rPr lang="en-NZ" sz="1200" b="0" i="0" kern="1200" dirty="0" err="1">
                 <a:solidFill>
                   <a:schemeClr val="tx1"/>
                 </a:solidFill>
@@ -2837,7 +2836,7 @@
               <a:t>nFrames</a:t>
             </a:r>
             <a:r>
-              <a:rPr lang="en-NZ" sz="1200" b="0" i="0" kern="1200" dirty="0" smtClean="0">
+              <a:rPr lang="en-NZ" sz="1200" b="0" i="0" kern="1200" dirty="0">
                 <a:solidFill>
                   <a:schemeClr val="tx1"/>
                 </a:solidFill>
@@ -2849,7 +2848,7 @@
               <a:t>. Now we have multiple sprite</a:t>
             </a:r>
             <a:r>
-              <a:rPr lang="en-NZ" sz="1200" b="0" i="0" kern="1200" baseline="0" dirty="0" smtClean="0">
+              <a:rPr lang="en-NZ" sz="1200" b="0" i="0" kern="1200" baseline="0" dirty="0">
                 <a:solidFill>
                   <a:schemeClr val="tx1"/>
                 </a:solidFill>
@@ -2861,7 +2860,7 @@
               <a:t> sheets, so must use </a:t>
             </a:r>
             <a:r>
-              <a:rPr lang="en-NZ" sz="1200" b="0" i="0" kern="1200" dirty="0" smtClean="0">
+              <a:rPr lang="en-NZ" sz="1200" b="0" i="0" kern="1200" dirty="0">
                 <a:solidFill>
                   <a:schemeClr val="tx1"/>
                 </a:solidFill>
@@ -2873,7 +2872,7 @@
               <a:t>(</a:t>
             </a:r>
             <a:r>
-              <a:rPr lang="en-NZ" sz="1200" b="0" i="0" kern="1200" dirty="0" err="1" smtClean="0">
+              <a:rPr lang="en-NZ" sz="1200" b="0" i="0" kern="1200" dirty="0" err="1">
                 <a:solidFill>
                   <a:schemeClr val="tx1"/>
                 </a:solidFill>
@@ -2885,7 +2884,7 @@
               <a:t>int</a:t>
             </a:r>
             <a:r>
-              <a:rPr lang="en-NZ" sz="1200" b="0" i="0" kern="1200" dirty="0" smtClean="0">
+              <a:rPr lang="en-NZ" sz="1200" b="0" i="0" kern="1200" dirty="0">
                 <a:solidFill>
                   <a:schemeClr val="tx1"/>
                 </a:solidFill>
@@ -2897,7 +2896,7 @@
               <a:t>)</a:t>
             </a:r>
             <a:r>
-              <a:rPr lang="en-NZ" sz="1200" b="0" i="0" kern="1200" dirty="0" err="1" smtClean="0">
+              <a:rPr lang="en-NZ" sz="1200" b="0" i="0" kern="1200" dirty="0" err="1">
                 <a:solidFill>
                   <a:schemeClr val="tx1"/>
                 </a:solidFill>
@@ -2909,7 +2908,7 @@
               <a:t>spriteSheet</a:t>
             </a:r>
             <a:r>
-              <a:rPr lang="en-NZ" sz="1200" b="0" i="0" kern="1200" dirty="0" smtClean="0">
+              <a:rPr lang="en-NZ" sz="1200" b="0" i="0" kern="1200" dirty="0">
                 <a:solidFill>
                   <a:schemeClr val="tx1"/>
                 </a:solidFill>
@@ -2921,7 +2920,7 @@
               <a:t>[i]-&gt;Width / </a:t>
             </a:r>
             <a:r>
-              <a:rPr lang="en-NZ" sz="1200" b="0" i="0" kern="1200" dirty="0" err="1" smtClean="0">
+              <a:rPr lang="en-NZ" sz="1200" b="0" i="0" kern="1200" dirty="0" err="1">
                 <a:solidFill>
                   <a:schemeClr val="tx1"/>
                 </a:solidFill>
@@ -2933,7 +2932,7 @@
               <a:t>nFrames</a:t>
             </a:r>
             <a:r>
-              <a:rPr lang="en-NZ" sz="1200" b="0" i="0" kern="1200" dirty="0" smtClean="0">
+              <a:rPr lang="en-NZ" sz="1200" b="0" i="0" kern="1200" dirty="0">
                 <a:solidFill>
                   <a:schemeClr val="tx1"/>
                 </a:solidFill>
@@ -2944,7 +2943,7 @@
               </a:rPr>
               <a:t> with I starting off at 0</a:t>
             </a:r>
-            <a:endParaRPr lang="en-NZ" baseline="0" dirty="0" smtClean="0"/>
+            <a:endParaRPr lang="en-NZ" baseline="0" dirty="0"/>
           </a:p>
           <a:p>
             <a:pPr marL="171450" indent="-171450">
@@ -2954,7 +2953,7 @@
               <a:buFont typeface="Arial" panose="020B0604020202020204" pitchFamily="34" charset="0"/>
               <a:buChar char="•"/>
             </a:pPr>
-            <a:endParaRPr lang="en-NZ" sz="1200" baseline="0" dirty="0" smtClean="0"/>
+            <a:endParaRPr lang="en-NZ" sz="1200" baseline="0" dirty="0"/>
           </a:p>
           <a:p>
             <a:pPr marL="171450" indent="-171450">
@@ -2964,7 +2963,7 @@
               <a:buFont typeface="Arial" panose="020B0604020202020204" pitchFamily="34" charset="0"/>
               <a:buChar char="•"/>
             </a:pPr>
-            <a:endParaRPr lang="en-US" sz="1200" dirty="0" smtClean="0"/>
+            <a:endParaRPr lang="en-US" sz="1200" dirty="0"/>
           </a:p>
         </p:txBody>
       </p:sp>
@@ -3056,11 +3055,11 @@
               <a:buChar char="•"/>
             </a:pPr>
             <a:r>
-              <a:rPr lang="en-US" sz="1200" dirty="0" smtClean="0"/>
+              <a:rPr lang="en-US" sz="1200" dirty="0"/>
               <a:t>There is two possible</a:t>
             </a:r>
             <a:r>
-              <a:rPr lang="en-US" sz="1200" baseline="0" dirty="0" smtClean="0"/>
+              <a:rPr lang="en-US" sz="1200" baseline="0" dirty="0"/>
               <a:t> approaches:</a:t>
             </a:r>
           </a:p>
@@ -3073,7 +3072,7 @@
               <a:buChar char="•"/>
             </a:pPr>
             <a:r>
-              <a:rPr lang="en-US" sz="1200" baseline="0" dirty="0" smtClean="0"/>
+              <a:rPr lang="en-US" sz="1200" baseline="0" dirty="0"/>
               <a:t>Pass in an array of bitmaps</a:t>
             </a:r>
           </a:p>
@@ -3086,7 +3085,7 @@
               <a:buChar char="•"/>
             </a:pPr>
             <a:r>
-              <a:rPr lang="en-US" sz="1200" baseline="0" dirty="0" smtClean="0"/>
+              <a:rPr lang="en-US" sz="1200" baseline="0" dirty="0"/>
               <a:t>Pass in an array of file name and let the sprite create his bitmaps</a:t>
             </a:r>
           </a:p>
@@ -3098,7 +3097,7 @@
               <a:buFont typeface="Arial" panose="020B0604020202020204" pitchFamily="34" charset="0"/>
               <a:buChar char="•"/>
             </a:pPr>
-            <a:endParaRPr lang="en-US" sz="1200" baseline="0" dirty="0" smtClean="0"/>
+            <a:endParaRPr lang="en-US" sz="1200" baseline="0" dirty="0"/>
           </a:p>
           <a:p>
             <a:pPr marL="171450" indent="-171450">
@@ -3109,7 +3108,7 @@
               <a:buChar char="•"/>
             </a:pPr>
             <a:r>
-              <a:rPr lang="en-US" sz="1200" baseline="0" dirty="0" smtClean="0"/>
+              <a:rPr lang="en-US" sz="1200" baseline="0" dirty="0"/>
               <a:t>Here is the pass the bitmaps way</a:t>
             </a:r>
           </a:p>
@@ -3122,7 +3121,7 @@
               <a:buChar char="•"/>
             </a:pPr>
             <a:r>
-              <a:rPr lang="en-US" sz="1200" baseline="0" dirty="0" smtClean="0"/>
+              <a:rPr lang="en-US" sz="1200" baseline="0" dirty="0"/>
               <a:t>A pointer is sent into a preloaded array, and you just grab the address it holds</a:t>
             </a:r>
           </a:p>
@@ -3216,15 +3215,15 @@
               <a:buChar char="•"/>
             </a:pPr>
             <a:r>
-              <a:rPr lang="en-US" sz="1200" baseline="0" dirty="0" smtClean="0"/>
+              <a:rPr lang="en-US" sz="1200" baseline="0" dirty="0"/>
               <a:t>You will need to give your </a:t>
             </a:r>
             <a:r>
-              <a:rPr lang="en-US" sz="1200" baseline="0" dirty="0" err="1" smtClean="0"/>
+              <a:rPr lang="en-US" sz="1200" baseline="0" dirty="0" err="1"/>
               <a:t>spriteDirections</a:t>
             </a:r>
             <a:r>
-              <a:rPr lang="en-US" sz="1200" baseline="0" dirty="0" smtClean="0"/>
+              <a:rPr lang="en-US" sz="1200" baseline="0" dirty="0"/>
               <a:t> class data member a default value</a:t>
             </a:r>
           </a:p>
@@ -3236,7 +3235,7 @@
               <a:buFont typeface="Arial" panose="020B0604020202020204" pitchFamily="34" charset="0"/>
               <a:buChar char="•"/>
             </a:pPr>
-            <a:endParaRPr lang="en-US" sz="1200" baseline="0" dirty="0" smtClean="0"/>
+            <a:endParaRPr lang="en-US" sz="1200" baseline="0" dirty="0"/>
           </a:p>
           <a:p>
             <a:pPr marL="171450" indent="-171450">
@@ -3247,15 +3246,15 @@
               <a:buChar char="•"/>
             </a:pPr>
             <a:r>
-              <a:rPr lang="en-US" sz="1200" baseline="0" dirty="0" smtClean="0"/>
+              <a:rPr lang="en-US" sz="1200" baseline="0" dirty="0"/>
               <a:t>Here I am giving </a:t>
             </a:r>
             <a:r>
-              <a:rPr lang="en-US" sz="1200" baseline="0" dirty="0" err="1" smtClean="0"/>
+              <a:rPr lang="en-US" sz="1200" baseline="0" dirty="0" err="1"/>
               <a:t>spriteDirections</a:t>
             </a:r>
             <a:r>
-              <a:rPr lang="en-US" sz="1200" baseline="0" dirty="0" smtClean="0"/>
+              <a:rPr lang="en-US" sz="1200" baseline="0" dirty="0"/>
               <a:t> the default value of 0 or EAST</a:t>
             </a:r>
           </a:p>
@@ -3349,15 +3348,15 @@
               <a:buChar char="•"/>
             </a:pPr>
             <a:r>
-              <a:rPr lang="en-US" sz="1200" baseline="0" dirty="0" smtClean="0"/>
+              <a:rPr lang="en-US" sz="1200" baseline="0" dirty="0"/>
               <a:t>It is much the same as before, except we pass the array of bitmaps into canvas-&gt;</a:t>
             </a:r>
             <a:r>
-              <a:rPr lang="en-US" sz="1200" baseline="0" dirty="0" err="1" smtClean="0"/>
+              <a:rPr lang="en-US" sz="1200" baseline="0" dirty="0" err="1"/>
               <a:t>DrawImage</a:t>
             </a:r>
             <a:r>
-              <a:rPr lang="en-US" sz="1200" baseline="0" dirty="0" smtClean="0"/>
+              <a:rPr lang="en-US" sz="1200" baseline="0" dirty="0"/>
               <a:t>() instead of a single bitmap</a:t>
             </a:r>
           </a:p>
@@ -3369,7 +3368,7 @@
               <a:buFont typeface="Arial" panose="020B0604020202020204" pitchFamily="34" charset="0"/>
               <a:buChar char="•"/>
             </a:pPr>
-            <a:endParaRPr lang="en-US" sz="1200" baseline="0" dirty="0" smtClean="0"/>
+            <a:endParaRPr lang="en-US" sz="1200" baseline="0" dirty="0"/>
           </a:p>
           <a:p>
             <a:pPr marL="171450" indent="-171450">
@@ -3380,23 +3379,23 @@
               <a:buChar char="•"/>
             </a:pPr>
             <a:r>
-              <a:rPr lang="en-US" sz="1200" baseline="0" dirty="0" smtClean="0"/>
+              <a:rPr lang="en-US" sz="1200" baseline="0" dirty="0"/>
               <a:t>We will set </a:t>
             </a:r>
             <a:r>
-              <a:rPr lang="en-US" sz="1200" baseline="0" dirty="0" err="1" smtClean="0"/>
+              <a:rPr lang="en-US" sz="1200" baseline="0" dirty="0" err="1"/>
               <a:t>spriteDirections</a:t>
             </a:r>
             <a:r>
-              <a:rPr lang="en-US" sz="1200" baseline="0" dirty="0" smtClean="0"/>
+              <a:rPr lang="en-US" sz="1200" baseline="0" dirty="0"/>
               <a:t> to EAST, SOUTH, </a:t>
             </a:r>
             <a:r>
-              <a:rPr lang="en-US" sz="1200" baseline="0" dirty="0" err="1" smtClean="0"/>
+              <a:rPr lang="en-US" sz="1200" baseline="0" dirty="0" err="1"/>
               <a:t>etc</a:t>
             </a:r>
             <a:r>
-              <a:rPr lang="en-US" sz="1200" baseline="0" dirty="0" smtClean="0"/>
+              <a:rPr lang="en-US" sz="1200" baseline="0" dirty="0"/>
               <a:t> in the key down event handler</a:t>
             </a:r>
           </a:p>
@@ -3408,7 +3407,7 @@
               <a:buFont typeface="Arial" panose="020B0604020202020204" pitchFamily="34" charset="0"/>
               <a:buChar char="•"/>
             </a:pPr>
-            <a:endParaRPr lang="en-US" sz="1200" baseline="0" dirty="0" smtClean="0"/>
+            <a:endParaRPr lang="en-US" sz="1200" baseline="0" dirty="0"/>
           </a:p>
           <a:p>
             <a:pPr marL="171450" indent="-171450">
@@ -3419,7 +3418,7 @@
               <a:buChar char="•"/>
             </a:pPr>
             <a:r>
-              <a:rPr lang="en-US" sz="1200" baseline="0" dirty="0" smtClean="0"/>
+              <a:rPr lang="en-US" sz="1200" baseline="0" dirty="0"/>
               <a:t>If we place our sprite sheets in the array correctly, we can use this to select the correct bitmap</a:t>
             </a:r>
           </a:p>
@@ -3431,7 +3430,7 @@
               <a:buFont typeface="Arial" panose="020B0604020202020204" pitchFamily="34" charset="0"/>
               <a:buChar char="•"/>
             </a:pPr>
-            <a:endParaRPr lang="en-US" sz="1200" baseline="0" dirty="0" smtClean="0"/>
+            <a:endParaRPr lang="en-US" sz="1200" baseline="0" dirty="0"/>
           </a:p>
           <a:p>
             <a:pPr marL="171450" indent="-171450">
@@ -3442,14 +3441,14 @@
               <a:buChar char="•"/>
             </a:pPr>
             <a:r>
-              <a:rPr lang="en-US" sz="1200" baseline="0" dirty="0" smtClean="0"/>
+              <a:rPr lang="en-US" sz="1200" baseline="0" dirty="0"/>
               <a:t>Assuming EAST 0 and around clockwise, how do we then do this? Put the east facing sheet into position 0, the south-facing sheet in position 1, </a:t>
             </a:r>
             <a:r>
-              <a:rPr lang="en-US" sz="1200" baseline="0" dirty="0" err="1" smtClean="0"/>
+              <a:rPr lang="en-US" sz="1200" baseline="0" dirty="0" err="1"/>
               <a:t>etc</a:t>
             </a:r>
-            <a:endParaRPr lang="en-US" sz="1200" baseline="0" dirty="0" smtClean="0"/>
+            <a:endParaRPr lang="en-US" sz="1200" baseline="0" dirty="0"/>
           </a:p>
         </p:txBody>
       </p:sp>
@@ -3541,30 +3540,30 @@
               <a:buChar char="•"/>
             </a:pPr>
             <a:r>
-              <a:rPr lang="en-AU" dirty="0" smtClean="0"/>
+              <a:rPr lang="en-AU" dirty="0"/>
               <a:t>This</a:t>
             </a:r>
             <a:r>
-              <a:rPr lang="en-AU" baseline="0" dirty="0" smtClean="0"/>
+              <a:rPr lang="en-AU" baseline="0" dirty="0"/>
               <a:t> is the tricky one. We need to move the sprite (i.e. change its </a:t>
             </a:r>
             <a:r>
-              <a:rPr lang="en-AU" baseline="0" dirty="0" err="1" smtClean="0"/>
+              <a:rPr lang="en-AU" baseline="0" dirty="0" err="1"/>
               <a:t>xPos</a:t>
             </a:r>
             <a:r>
-              <a:rPr lang="en-AU" baseline="0" dirty="0" smtClean="0"/>
+              <a:rPr lang="en-AU" baseline="0" dirty="0"/>
               <a:t> and </a:t>
             </a:r>
             <a:r>
-              <a:rPr lang="en-AU" baseline="0" dirty="0" err="1" smtClean="0"/>
+              <a:rPr lang="en-AU" baseline="0" dirty="0" err="1"/>
               <a:t>yPos</a:t>
             </a:r>
             <a:r>
-              <a:rPr lang="en-AU" baseline="0" dirty="0" smtClean="0"/>
+              <a:rPr lang="en-AU" baseline="0" dirty="0"/>
               <a:t>) in the correct direction</a:t>
             </a:r>
-            <a:endParaRPr lang="en-AU" dirty="0" smtClean="0"/>
+            <a:endParaRPr lang="en-AU" dirty="0"/>
           </a:p>
           <a:p>
             <a:pPr>
@@ -3574,7 +3573,7 @@
               <a:buFontTx/>
               <a:buNone/>
             </a:pPr>
-            <a:endParaRPr lang="en-AU" dirty="0" smtClean="0"/>
+            <a:endParaRPr lang="en-AU" dirty="0"/>
           </a:p>
           <a:p>
             <a:pPr marL="171450" indent="-171450">
@@ -3585,67 +3584,67 @@
               <a:buChar char="•"/>
             </a:pPr>
             <a:r>
-              <a:rPr lang="en-AU" dirty="0" smtClean="0"/>
+              <a:rPr lang="en-AU" dirty="0"/>
               <a:t>We want to continue with </a:t>
             </a:r>
             <a:r>
-              <a:rPr lang="en-AU" dirty="0" err="1" smtClean="0"/>
+              <a:rPr lang="en-AU" dirty="0" err="1"/>
               <a:t>xPos</a:t>
             </a:r>
             <a:r>
-              <a:rPr lang="en-AU" dirty="0" smtClean="0"/>
+              <a:rPr lang="en-AU" dirty="0"/>
               <a:t> += </a:t>
             </a:r>
             <a:r>
-              <a:rPr lang="en-AU" dirty="0" err="1" smtClean="0"/>
+              <a:rPr lang="en-AU" dirty="0" err="1"/>
               <a:t>xVel</a:t>
             </a:r>
             <a:r>
-              <a:rPr lang="en-AU" dirty="0" smtClean="0"/>
+              <a:rPr lang="en-AU" dirty="0"/>
               <a:t> and </a:t>
             </a:r>
             <a:r>
-              <a:rPr lang="en-AU" dirty="0" err="1" smtClean="0"/>
+              <a:rPr lang="en-AU" dirty="0" err="1"/>
               <a:t>yPos</a:t>
             </a:r>
             <a:r>
-              <a:rPr lang="en-AU" dirty="0" smtClean="0"/>
+              <a:rPr lang="en-AU" dirty="0"/>
               <a:t> +=</a:t>
             </a:r>
             <a:r>
-              <a:rPr lang="en-AU" baseline="0" dirty="0" smtClean="0"/>
+              <a:rPr lang="en-AU" baseline="0" dirty="0"/>
               <a:t> </a:t>
             </a:r>
             <a:r>
-              <a:rPr lang="en-AU" baseline="0" dirty="0" err="1" smtClean="0"/>
+              <a:rPr lang="en-AU" baseline="0" dirty="0" err="1"/>
               <a:t>yVel</a:t>
             </a:r>
             <a:r>
-              <a:rPr lang="en-AU" baseline="0" dirty="0" smtClean="0"/>
+              <a:rPr lang="en-AU" baseline="0" dirty="0"/>
               <a:t>, we now</a:t>
             </a:r>
             <a:r>
-              <a:rPr lang="en-AU" dirty="0" smtClean="0"/>
+              <a:rPr lang="en-AU" dirty="0"/>
               <a:t> need to have</a:t>
             </a:r>
             <a:r>
-              <a:rPr lang="en-AU" baseline="0" dirty="0" smtClean="0"/>
+              <a:rPr lang="en-AU" baseline="0" dirty="0"/>
               <a:t> the correct values to add to </a:t>
             </a:r>
             <a:r>
-              <a:rPr lang="en-AU" baseline="0" dirty="0" err="1" smtClean="0"/>
+              <a:rPr lang="en-AU" baseline="0" dirty="0" err="1"/>
               <a:t>xPos</a:t>
             </a:r>
             <a:r>
-              <a:rPr lang="en-AU" baseline="0" dirty="0" smtClean="0"/>
+              <a:rPr lang="en-AU" baseline="0" dirty="0"/>
               <a:t> and </a:t>
             </a:r>
             <a:r>
-              <a:rPr lang="en-AU" baseline="0" dirty="0" err="1" smtClean="0"/>
+              <a:rPr lang="en-AU" baseline="0" dirty="0" err="1"/>
               <a:t>yPos</a:t>
             </a:r>
             <a:r>
-              <a:rPr lang="en-AU" baseline="0" dirty="0" smtClean="0"/>
+              <a:rPr lang="en-AU" baseline="0" dirty="0"/>
               <a:t> in our Move()</a:t>
             </a:r>
           </a:p>
@@ -3657,7 +3656,7 @@
               <a:buFontTx/>
               <a:buNone/>
             </a:pPr>
-            <a:endParaRPr lang="en-AU" dirty="0" smtClean="0"/>
+            <a:endParaRPr lang="en-AU" dirty="0"/>
           </a:p>
           <a:p>
             <a:pPr marL="171450" indent="-171450">
@@ -3668,19 +3667,19 @@
               <a:buChar char="•"/>
             </a:pPr>
             <a:r>
-              <a:rPr lang="en-AU" dirty="0" smtClean="0"/>
+              <a:rPr lang="en-AU" dirty="0"/>
               <a:t>Let’s start first thinking only about East/West movement</a:t>
             </a:r>
             <a:r>
-              <a:rPr lang="en-AU" baseline="0" dirty="0" smtClean="0"/>
+              <a:rPr lang="en-AU" baseline="0" dirty="0"/>
               <a:t> (so </a:t>
             </a:r>
             <a:r>
-              <a:rPr lang="en-AU" baseline="0" dirty="0" err="1" smtClean="0"/>
+              <a:rPr lang="en-AU" baseline="0" dirty="0" err="1"/>
               <a:t>yVel</a:t>
             </a:r>
             <a:r>
-              <a:rPr lang="en-AU" baseline="0" dirty="0" smtClean="0"/>
+              <a:rPr lang="en-AU" baseline="0" dirty="0"/>
               <a:t>= 0 and doesn’t matter). You will easily be able to expand the logic to include North/South</a:t>
             </a:r>
           </a:p>
@@ -3692,7 +3691,7 @@
               <a:buFontTx/>
               <a:buNone/>
             </a:pPr>
-            <a:endParaRPr lang="en-AU" baseline="0" dirty="0" smtClean="0"/>
+            <a:endParaRPr lang="en-AU" baseline="0" dirty="0"/>
           </a:p>
           <a:p>
             <a:pPr marL="171450" indent="-171450">
@@ -3703,39 +3702,39 @@
               <a:buChar char="•"/>
             </a:pPr>
             <a:r>
-              <a:rPr lang="en-AU" baseline="0" dirty="0" smtClean="0"/>
+              <a:rPr lang="en-AU" baseline="0" dirty="0"/>
               <a:t>So far, since our move was </a:t>
             </a:r>
             <a:r>
-              <a:rPr lang="en-AU" baseline="0" dirty="0" err="1" smtClean="0"/>
+              <a:rPr lang="en-AU" baseline="0" dirty="0" err="1"/>
               <a:t>xPos</a:t>
             </a:r>
             <a:r>
-              <a:rPr lang="en-AU" baseline="0" dirty="0" smtClean="0"/>
+              <a:rPr lang="en-AU" baseline="0" dirty="0"/>
               <a:t> += </a:t>
             </a:r>
             <a:r>
-              <a:rPr lang="en-AU" baseline="0" dirty="0" err="1" smtClean="0"/>
+              <a:rPr lang="en-AU" baseline="0" dirty="0" err="1"/>
               <a:t>xVel</a:t>
             </a:r>
             <a:r>
-              <a:rPr lang="en-AU" baseline="0" dirty="0" smtClean="0"/>
+              <a:rPr lang="en-AU" baseline="0" dirty="0"/>
               <a:t>, if we wanted to move East we made </a:t>
             </a:r>
             <a:r>
-              <a:rPr lang="en-AU" baseline="0" dirty="0" err="1" smtClean="0"/>
+              <a:rPr lang="en-AU" baseline="0" dirty="0" err="1"/>
               <a:t>xVel</a:t>
             </a:r>
             <a:r>
-              <a:rPr lang="en-AU" baseline="0" dirty="0" smtClean="0"/>
+              <a:rPr lang="en-AU" baseline="0" dirty="0"/>
               <a:t> positive, say 5. If we wanted to move West, we multiplied </a:t>
             </a:r>
             <a:r>
-              <a:rPr lang="en-AU" baseline="0" dirty="0" err="1" smtClean="0"/>
+              <a:rPr lang="en-AU" baseline="0" dirty="0" err="1"/>
               <a:t>xVel</a:t>
             </a:r>
             <a:r>
-              <a:rPr lang="en-AU" baseline="0" dirty="0" smtClean="0"/>
+              <a:rPr lang="en-AU" baseline="0" dirty="0"/>
               <a:t> by -1, changing it to -5. That way, we could use the same code in the Move (better than trying to sometimes add and sometimes subtract)</a:t>
             </a:r>
           </a:p>
@@ -3747,7 +3746,7 @@
               <a:buFontTx/>
               <a:buNone/>
             </a:pPr>
-            <a:endParaRPr lang="en-AU" baseline="0" dirty="0" smtClean="0"/>
+            <a:endParaRPr lang="en-AU" baseline="0" dirty="0"/>
           </a:p>
           <a:p>
             <a:pPr marL="171450" indent="-171450">
@@ -3758,15 +3757,15 @@
               <a:buChar char="•"/>
             </a:pPr>
             <a:r>
-              <a:rPr lang="en-AU" baseline="0" dirty="0" smtClean="0"/>
+              <a:rPr lang="en-AU" baseline="0" dirty="0"/>
               <a:t>If you try to do directional movement by changing </a:t>
             </a:r>
             <a:r>
-              <a:rPr lang="en-AU" baseline="0" dirty="0" err="1" smtClean="0"/>
+              <a:rPr lang="en-AU" baseline="0" dirty="0" err="1"/>
               <a:t>xVel</a:t>
             </a:r>
             <a:r>
-              <a:rPr lang="en-AU" baseline="0" dirty="0" smtClean="0"/>
+              <a:rPr lang="en-AU" baseline="0" dirty="0"/>
               <a:t>, you will spend a lot of time toggling and your code will get messy</a:t>
             </a:r>
           </a:p>
@@ -3778,7 +3777,7 @@
               <a:buFontTx/>
               <a:buNone/>
             </a:pPr>
-            <a:endParaRPr lang="en-AU" baseline="0" dirty="0" smtClean="0"/>
+            <a:endParaRPr lang="en-AU" baseline="0" dirty="0"/>
           </a:p>
           <a:p>
             <a:pPr marL="171450" indent="-171450">
@@ -3789,7 +3788,7 @@
               <a:buChar char="•"/>
             </a:pPr>
             <a:r>
-              <a:rPr lang="en-AU" baseline="0" dirty="0" smtClean="0"/>
+              <a:rPr lang="en-AU" baseline="0" dirty="0"/>
               <a:t>A more elegant solution can be achieved by recognising that there are really two components to the Sprite’s velocity: the size (magnitude) of the step, and the positive or negative direction of the step</a:t>
             </a:r>
           </a:p>
@@ -3801,7 +3800,7 @@
               <a:buFont typeface="Arial" panose="020B0604020202020204" pitchFamily="34" charset="0"/>
               <a:buChar char="•"/>
             </a:pPr>
-            <a:endParaRPr lang="en-AU" baseline="0" dirty="0" smtClean="0"/>
+            <a:endParaRPr lang="en-AU" baseline="0" dirty="0"/>
           </a:p>
           <a:p>
             <a:pPr marL="171450" indent="-171450">
@@ -3812,7 +3811,7 @@
               <a:buChar char="•"/>
             </a:pPr>
             <a:r>
-              <a:rPr lang="en-AU" baseline="0" dirty="0" smtClean="0"/>
+              <a:rPr lang="en-AU" baseline="0" dirty="0"/>
               <a:t>In our above example, the size was always 5, the direction for East was positive and the direction for West was negative</a:t>
             </a:r>
           </a:p>
@@ -3824,7 +3823,7 @@
               <a:buFontTx/>
               <a:buNone/>
             </a:pPr>
-            <a:endParaRPr lang="en-AU" baseline="0" dirty="0" smtClean="0"/>
+            <a:endParaRPr lang="en-AU" baseline="0" dirty="0"/>
           </a:p>
           <a:p>
             <a:pPr marL="171450" indent="-171450">
@@ -3835,15 +3834,15 @@
               <a:buChar char="•"/>
             </a:pPr>
             <a:r>
-              <a:rPr lang="en-AU" baseline="0" dirty="0" smtClean="0"/>
+              <a:rPr lang="en-AU" baseline="0" dirty="0"/>
               <a:t>The total movement is achieved by taking magnitude times direction and incrementing </a:t>
             </a:r>
             <a:r>
-              <a:rPr lang="en-AU" baseline="0" dirty="0" err="1" smtClean="0"/>
+              <a:rPr lang="en-AU" baseline="0" dirty="0" err="1"/>
               <a:t>xVel</a:t>
             </a:r>
             <a:r>
-              <a:rPr lang="en-AU" baseline="0" dirty="0" smtClean="0"/>
+              <a:rPr lang="en-AU" baseline="0" dirty="0"/>
               <a:t> by that amount. (5 * -1) or (5 * +1)</a:t>
             </a:r>
           </a:p>
@@ -3855,7 +3854,7 @@
               <a:buFontTx/>
               <a:buNone/>
             </a:pPr>
-            <a:endParaRPr lang="en-AU" baseline="0" dirty="0" smtClean="0"/>
+            <a:endParaRPr lang="en-AU" baseline="0" dirty="0"/>
           </a:p>
           <a:p>
             <a:pPr marL="171450" indent="-171450">
@@ -3866,15 +3865,15 @@
               <a:buChar char="•"/>
             </a:pPr>
             <a:r>
-              <a:rPr lang="en-AU" baseline="0" dirty="0" smtClean="0"/>
+              <a:rPr lang="en-AU" baseline="0" dirty="0"/>
               <a:t>You can extend this logic to </a:t>
             </a:r>
             <a:r>
-              <a:rPr lang="en-AU" baseline="0" dirty="0" err="1" smtClean="0"/>
+              <a:rPr lang="en-AU" baseline="0" dirty="0" err="1"/>
               <a:t>yVel</a:t>
             </a:r>
             <a:r>
-              <a:rPr lang="en-AU" baseline="0" dirty="0" smtClean="0"/>
+              <a:rPr lang="en-AU" baseline="0" dirty="0"/>
               <a:t> by assuming that you can have a direction of 0. This simplifies your move equation (as we will see in a minute)</a:t>
             </a:r>
           </a:p>
@@ -3886,7 +3885,7 @@
               <a:buFontTx/>
               <a:buNone/>
             </a:pPr>
-            <a:endParaRPr lang="en-AU" baseline="0" dirty="0" smtClean="0"/>
+            <a:endParaRPr lang="en-AU" baseline="0" dirty="0"/>
           </a:p>
           <a:p>
             <a:pPr marL="171450" indent="-171450">
@@ -3897,7 +3896,7 @@
               <a:buChar char="•"/>
             </a:pPr>
             <a:r>
-              <a:rPr lang="en-AU" baseline="0" dirty="0" smtClean="0"/>
+              <a:rPr lang="en-AU" baseline="0" dirty="0"/>
               <a:t>Starting now, we are going to break up our velocities into these two components. We will see the implementation advantage of this as we proceed</a:t>
             </a:r>
           </a:p>
@@ -3909,7 +3908,7 @@
               <a:buFontTx/>
               <a:buNone/>
             </a:pPr>
-            <a:endParaRPr lang="en-AU" baseline="0" dirty="0" smtClean="0"/>
+            <a:endParaRPr lang="en-AU" baseline="0" dirty="0"/>
           </a:p>
           <a:p>
             <a:pPr marL="171450" indent="-171450">
@@ -3920,11 +3919,11 @@
               <a:buChar char="•"/>
             </a:pPr>
             <a:r>
-              <a:rPr lang="en-AU" dirty="0" smtClean="0"/>
+              <a:rPr lang="en-AU" dirty="0"/>
               <a:t>Magnitude is how much</a:t>
             </a:r>
             <a:r>
-              <a:rPr lang="en-AU" baseline="0" dirty="0" smtClean="0"/>
+              <a:rPr lang="en-AU" baseline="0" dirty="0"/>
               <a:t> the sprite moves at each timer tick (i.e. how fast he is going)</a:t>
             </a:r>
           </a:p>
@@ -3936,7 +3935,7 @@
               <a:buFontTx/>
               <a:buNone/>
             </a:pPr>
-            <a:endParaRPr lang="en-AU" baseline="0" dirty="0" smtClean="0"/>
+            <a:endParaRPr lang="en-AU" baseline="0" dirty="0"/>
           </a:p>
           <a:p>
             <a:pPr marL="171450" indent="-171450">
@@ -3947,7 +3946,7 @@
               <a:buChar char="•"/>
             </a:pPr>
             <a:r>
-              <a:rPr lang="en-AU" baseline="0" dirty="0" smtClean="0"/>
+              <a:rPr lang="en-AU" baseline="0" dirty="0"/>
               <a:t>Direction is positive/negative on the x-axis and positive/negative on the y-axis</a:t>
             </a:r>
           </a:p>
@@ -3959,7 +3958,7 @@
               <a:buFontTx/>
               <a:buNone/>
             </a:pPr>
-            <a:endParaRPr lang="en-AU" dirty="0" smtClean="0"/>
+            <a:endParaRPr lang="en-AU" dirty="0"/>
           </a:p>
           <a:p>
             <a:pPr marL="171450" indent="-171450">
@@ -3970,30 +3969,30 @@
               <a:buChar char="•"/>
             </a:pPr>
             <a:r>
-              <a:rPr lang="en-AU" dirty="0" err="1" smtClean="0"/>
+              <a:rPr lang="en-AU" dirty="0" err="1"/>
               <a:t>xVel</a:t>
             </a:r>
             <a:r>
-              <a:rPr lang="en-AU" dirty="0" smtClean="0"/>
+              <a:rPr lang="en-AU" dirty="0"/>
               <a:t> and </a:t>
             </a:r>
             <a:r>
-              <a:rPr lang="en-AU" dirty="0" err="1" smtClean="0"/>
+              <a:rPr lang="en-AU" dirty="0" err="1"/>
               <a:t>yVel</a:t>
             </a:r>
             <a:r>
-              <a:rPr lang="en-AU" dirty="0" smtClean="0"/>
+              <a:rPr lang="en-AU" dirty="0"/>
               <a:t> represent the </a:t>
             </a:r>
             <a:r>
-              <a:rPr lang="en-AU" b="1" i="1" dirty="0" smtClean="0"/>
+              <a:rPr lang="en-AU" b="1" i="1" dirty="0"/>
               <a:t>magnitude</a:t>
             </a:r>
             <a:r>
-              <a:rPr lang="en-AU" dirty="0" smtClean="0"/>
+              <a:rPr lang="en-AU" dirty="0"/>
               <a:t> of a single “step” when the sprite moves</a:t>
             </a:r>
-            <a:endParaRPr lang="en-AU" b="1" dirty="0" smtClean="0"/>
+            <a:endParaRPr lang="en-AU" b="1" dirty="0"/>
           </a:p>
           <a:p>
             <a:pPr>
@@ -4003,7 +4002,7 @@
               <a:buFontTx/>
               <a:buNone/>
             </a:pPr>
-            <a:endParaRPr lang="en-AU" dirty="0" smtClean="0"/>
+            <a:endParaRPr lang="en-AU" dirty="0"/>
           </a:p>
           <a:p>
             <a:pPr marL="171450" indent="-171450">
@@ -4014,15 +4013,15 @@
               <a:buChar char="•"/>
             </a:pPr>
             <a:r>
-              <a:rPr lang="en-AU" dirty="0" smtClean="0"/>
+              <a:rPr lang="en-AU" dirty="0"/>
               <a:t>So you must adjust their </a:t>
             </a:r>
             <a:r>
-              <a:rPr lang="en-AU" b="1" i="1" dirty="0" smtClean="0"/>
+              <a:rPr lang="en-AU" b="1" i="1" dirty="0"/>
               <a:t>sign</a:t>
             </a:r>
             <a:r>
-              <a:rPr lang="en-AU" dirty="0" smtClean="0"/>
+              <a:rPr lang="en-AU" dirty="0"/>
               <a:t> (positive or negative) to produce movement in the correct direction along the x and y axes</a:t>
             </a:r>
           </a:p>
@@ -4102,10 +4101,9 @@
           <a:lstStyle/>
           <a:p>
             <a:r>
-              <a:rPr lang="en-US" smtClean="0"/>
+              <a:rPr lang="en-US"/>
               <a:t>Click to edit Master title style</a:t>
             </a:r>
-            <a:endParaRPr lang="en-US"/>
           </a:p>
         </p:txBody>
       </p:sp>
@@ -4221,10 +4219,9 @@
           </a:lstStyle>
           <a:p>
             <a:r>
-              <a:rPr lang="en-US" smtClean="0"/>
+              <a:rPr lang="en-US"/>
               <a:t>Click to edit Master subtitle style</a:t>
             </a:r>
-            <a:endParaRPr lang="en-US"/>
           </a:p>
         </p:txBody>
       </p:sp>
@@ -4245,7 +4242,7 @@
           <a:p>
             <a:fld id="{F8166F1F-CE9B-4651-A6AA-CD717754106B}" type="datetimeFigureOut">
               <a:rPr lang="en-US" smtClean="0"/>
-              <a:t>2/19/20</a:t>
+              <a:t>3/13/2020</a:t>
             </a:fld>
             <a:endParaRPr lang="en-US"/>
           </a:p>
@@ -4334,10 +4331,9 @@
           <a:lstStyle/>
           <a:p>
             <a:r>
-              <a:rPr lang="en-US" smtClean="0"/>
+              <a:rPr lang="en-US"/>
               <a:t>Click to edit Master title style</a:t>
             </a:r>
-            <a:endParaRPr lang="en-US"/>
           </a:p>
         </p:txBody>
       </p:sp>
@@ -4358,38 +4354,37 @@
           <a:p>
             <a:pPr lvl="0"/>
             <a:r>
-              <a:rPr lang="en-US" smtClean="0"/>
+              <a:rPr lang="en-US"/>
               <a:t>Click to edit Master text styles</a:t>
             </a:r>
           </a:p>
           <a:p>
             <a:pPr lvl="1"/>
             <a:r>
-              <a:rPr lang="en-US" smtClean="0"/>
+              <a:rPr lang="en-US"/>
               <a:t>Second level</a:t>
             </a:r>
           </a:p>
           <a:p>
             <a:pPr lvl="2"/>
             <a:r>
-              <a:rPr lang="en-US" smtClean="0"/>
+              <a:rPr lang="en-US"/>
               <a:t>Third level</a:t>
             </a:r>
           </a:p>
           <a:p>
             <a:pPr lvl="3"/>
             <a:r>
-              <a:rPr lang="en-US" smtClean="0"/>
+              <a:rPr lang="en-US"/>
               <a:t>Fourth level</a:t>
             </a:r>
           </a:p>
           <a:p>
             <a:pPr lvl="4"/>
             <a:r>
-              <a:rPr lang="en-US" smtClean="0"/>
+              <a:rPr lang="en-US"/>
               <a:t>Fifth level</a:t>
             </a:r>
-            <a:endParaRPr lang="en-US"/>
           </a:p>
         </p:txBody>
       </p:sp>
@@ -4410,7 +4405,7 @@
           <a:p>
             <a:fld id="{A76116CE-C4A3-4A05-B2D7-7C2E9A889C0F}" type="datetimeFigureOut">
               <a:rPr lang="en-US" smtClean="0"/>
-              <a:t>2/19/20</a:t>
+              <a:t>3/13/2020</a:t>
             </a:fld>
             <a:endParaRPr lang="en-US"/>
           </a:p>
@@ -4504,10 +4499,9 @@
           <a:lstStyle/>
           <a:p>
             <a:r>
-              <a:rPr lang="en-US" smtClean="0"/>
+              <a:rPr lang="en-US"/>
               <a:t>Click to edit Master title style</a:t>
             </a:r>
-            <a:endParaRPr lang="en-US"/>
           </a:p>
         </p:txBody>
       </p:sp>
@@ -4533,38 +4527,37 @@
           <a:p>
             <a:pPr lvl="0"/>
             <a:r>
-              <a:rPr lang="en-US" smtClean="0"/>
+              <a:rPr lang="en-US"/>
               <a:t>Click to edit Master text styles</a:t>
             </a:r>
           </a:p>
           <a:p>
             <a:pPr lvl="1"/>
             <a:r>
-              <a:rPr lang="en-US" smtClean="0"/>
+              <a:rPr lang="en-US"/>
               <a:t>Second level</a:t>
             </a:r>
           </a:p>
           <a:p>
             <a:pPr lvl="2"/>
             <a:r>
-              <a:rPr lang="en-US" smtClean="0"/>
+              <a:rPr lang="en-US"/>
               <a:t>Third level</a:t>
             </a:r>
           </a:p>
           <a:p>
             <a:pPr lvl="3"/>
             <a:r>
-              <a:rPr lang="en-US" smtClean="0"/>
+              <a:rPr lang="en-US"/>
               <a:t>Fourth level</a:t>
             </a:r>
           </a:p>
           <a:p>
             <a:pPr lvl="4"/>
             <a:r>
-              <a:rPr lang="en-US" smtClean="0"/>
+              <a:rPr lang="en-US"/>
               <a:t>Fifth level</a:t>
             </a:r>
-            <a:endParaRPr lang="en-US"/>
           </a:p>
         </p:txBody>
       </p:sp>
@@ -4585,7 +4578,7 @@
           <a:p>
             <a:fld id="{A76116CE-C4A3-4A05-B2D7-7C2E9A889C0F}" type="datetimeFigureOut">
               <a:rPr lang="en-US" smtClean="0"/>
-              <a:t>2/19/20</a:t>
+              <a:t>3/13/2020</a:t>
             </a:fld>
             <a:endParaRPr lang="en-US"/>
           </a:p>
@@ -4674,10 +4667,9 @@
           <a:lstStyle/>
           <a:p>
             <a:r>
-              <a:rPr lang="en-US" smtClean="0"/>
+              <a:rPr lang="en-US"/>
               <a:t>Click to edit Master title style</a:t>
             </a:r>
-            <a:endParaRPr lang="en-US"/>
           </a:p>
         </p:txBody>
       </p:sp>
@@ -4700,38 +4692,37 @@
               <a:buChar char="•"/>
             </a:pPr>
             <a:r>
-              <a:rPr lang="en-US" smtClean="0"/>
+              <a:rPr lang="en-US"/>
               <a:t>Click to edit Master text styles</a:t>
             </a:r>
           </a:p>
           <a:p>
             <a:pPr lvl="1"/>
             <a:r>
-              <a:rPr lang="en-US" smtClean="0"/>
+              <a:rPr lang="en-US"/>
               <a:t>Second level</a:t>
             </a:r>
           </a:p>
           <a:p>
             <a:pPr lvl="2"/>
             <a:r>
-              <a:rPr lang="en-US" smtClean="0"/>
+              <a:rPr lang="en-US"/>
               <a:t>Third level</a:t>
             </a:r>
           </a:p>
           <a:p>
             <a:pPr lvl="3"/>
             <a:r>
-              <a:rPr lang="en-US" smtClean="0"/>
+              <a:rPr lang="en-US"/>
               <a:t>Fourth level</a:t>
             </a:r>
           </a:p>
           <a:p>
             <a:pPr lvl="4"/>
             <a:r>
-              <a:rPr lang="en-US" smtClean="0"/>
+              <a:rPr lang="en-US"/>
               <a:t>Fifth level</a:t>
             </a:r>
-            <a:endParaRPr lang="en-US"/>
           </a:p>
         </p:txBody>
       </p:sp>
@@ -4752,7 +4743,7 @@
           <a:p>
             <a:fld id="{A76116CE-C4A3-4A05-B2D7-7C2E9A889C0F}" type="datetimeFigureOut">
               <a:rPr lang="en-US" smtClean="0"/>
-              <a:t>2/19/20</a:t>
+              <a:t>3/13/2020</a:t>
             </a:fld>
             <a:endParaRPr lang="en-US"/>
           </a:p>
@@ -4850,10 +4841,9 @@
           </a:lstStyle>
           <a:p>
             <a:r>
-              <a:rPr lang="en-US" smtClean="0"/>
+              <a:rPr lang="en-US"/>
               <a:t>Click to edit Master title style</a:t>
             </a:r>
-            <a:endParaRPr lang="en-US"/>
           </a:p>
         </p:txBody>
       </p:sp>
@@ -4970,7 +4960,7 @@
           <a:p>
             <a:pPr lvl="0"/>
             <a:r>
-              <a:rPr lang="en-US" smtClean="0"/>
+              <a:rPr lang="en-US"/>
               <a:t>Click to edit Master text styles</a:t>
             </a:r>
           </a:p>
@@ -4993,7 +4983,7 @@
           <a:p>
             <a:fld id="{A76116CE-C4A3-4A05-B2D7-7C2E9A889C0F}" type="datetimeFigureOut">
               <a:rPr lang="en-US" smtClean="0"/>
-              <a:t>2/19/20</a:t>
+              <a:t>3/13/2020</a:t>
             </a:fld>
             <a:endParaRPr lang="en-US"/>
           </a:p>
@@ -5082,10 +5072,9 @@
           <a:lstStyle/>
           <a:p>
             <a:r>
-              <a:rPr lang="en-US" smtClean="0"/>
+              <a:rPr lang="en-US"/>
               <a:t>Click to edit Master title style</a:t>
             </a:r>
-            <a:endParaRPr lang="en-US"/>
           </a:p>
         </p:txBody>
       </p:sp>
@@ -5139,38 +5128,37 @@
           <a:p>
             <a:pPr lvl="0"/>
             <a:r>
-              <a:rPr lang="en-US" smtClean="0"/>
+              <a:rPr lang="en-US"/>
               <a:t>Click to edit Master text styles</a:t>
             </a:r>
           </a:p>
           <a:p>
             <a:pPr lvl="1"/>
             <a:r>
-              <a:rPr lang="en-US" smtClean="0"/>
+              <a:rPr lang="en-US"/>
               <a:t>Second level</a:t>
             </a:r>
           </a:p>
           <a:p>
             <a:pPr lvl="2"/>
             <a:r>
-              <a:rPr lang="en-US" smtClean="0"/>
+              <a:rPr lang="en-US"/>
               <a:t>Third level</a:t>
             </a:r>
           </a:p>
           <a:p>
             <a:pPr lvl="3"/>
             <a:r>
-              <a:rPr lang="en-US" smtClean="0"/>
+              <a:rPr lang="en-US"/>
               <a:t>Fourth level</a:t>
             </a:r>
           </a:p>
           <a:p>
             <a:pPr lvl="4"/>
             <a:r>
-              <a:rPr lang="en-US" smtClean="0"/>
+              <a:rPr lang="en-US"/>
               <a:t>Fifth level</a:t>
             </a:r>
-            <a:endParaRPr lang="en-US"/>
           </a:p>
         </p:txBody>
       </p:sp>
@@ -5224,38 +5212,37 @@
           <a:p>
             <a:pPr lvl="0"/>
             <a:r>
-              <a:rPr lang="en-US" smtClean="0"/>
+              <a:rPr lang="en-US"/>
               <a:t>Click to edit Master text styles</a:t>
             </a:r>
           </a:p>
           <a:p>
             <a:pPr lvl="1"/>
             <a:r>
-              <a:rPr lang="en-US" smtClean="0"/>
+              <a:rPr lang="en-US"/>
               <a:t>Second level</a:t>
             </a:r>
           </a:p>
           <a:p>
             <a:pPr lvl="2"/>
             <a:r>
-              <a:rPr lang="en-US" smtClean="0"/>
+              <a:rPr lang="en-US"/>
               <a:t>Third level</a:t>
             </a:r>
           </a:p>
           <a:p>
             <a:pPr lvl="3"/>
             <a:r>
-              <a:rPr lang="en-US" smtClean="0"/>
+              <a:rPr lang="en-US"/>
               <a:t>Fourth level</a:t>
             </a:r>
           </a:p>
           <a:p>
             <a:pPr lvl="4"/>
             <a:r>
-              <a:rPr lang="en-US" smtClean="0"/>
+              <a:rPr lang="en-US"/>
               <a:t>Fifth level</a:t>
             </a:r>
-            <a:endParaRPr lang="en-US"/>
           </a:p>
         </p:txBody>
       </p:sp>
@@ -5276,7 +5263,7 @@
           <a:p>
             <a:fld id="{A76116CE-C4A3-4A05-B2D7-7C2E9A889C0F}" type="datetimeFigureOut">
               <a:rPr lang="en-US" smtClean="0"/>
-              <a:t>2/19/20</a:t>
+              <a:t>3/13/2020</a:t>
             </a:fld>
             <a:endParaRPr lang="en-US"/>
           </a:p>
@@ -5369,10 +5356,9 @@
           </a:lstStyle>
           <a:p>
             <a:r>
-              <a:rPr lang="en-US" smtClean="0"/>
+              <a:rPr lang="en-US"/>
               <a:t>Click to edit Master title style</a:t>
             </a:r>
-            <a:endParaRPr lang="en-US"/>
           </a:p>
         </p:txBody>
       </p:sp>
@@ -5435,7 +5421,7 @@
           <a:p>
             <a:pPr lvl="0"/>
             <a:r>
-              <a:rPr lang="en-US" smtClean="0"/>
+              <a:rPr lang="en-US"/>
               <a:t>Click to edit Master text styles</a:t>
             </a:r>
           </a:p>
@@ -5491,38 +5477,37 @@
           <a:p>
             <a:pPr lvl="0"/>
             <a:r>
-              <a:rPr lang="en-US" smtClean="0"/>
+              <a:rPr lang="en-US"/>
               <a:t>Click to edit Master text styles</a:t>
             </a:r>
           </a:p>
           <a:p>
             <a:pPr lvl="1"/>
             <a:r>
-              <a:rPr lang="en-US" smtClean="0"/>
+              <a:rPr lang="en-US"/>
               <a:t>Second level</a:t>
             </a:r>
           </a:p>
           <a:p>
             <a:pPr lvl="2"/>
             <a:r>
-              <a:rPr lang="en-US" smtClean="0"/>
+              <a:rPr lang="en-US"/>
               <a:t>Third level</a:t>
             </a:r>
           </a:p>
           <a:p>
             <a:pPr lvl="3"/>
             <a:r>
-              <a:rPr lang="en-US" smtClean="0"/>
+              <a:rPr lang="en-US"/>
               <a:t>Fourth level</a:t>
             </a:r>
           </a:p>
           <a:p>
             <a:pPr lvl="4"/>
             <a:r>
-              <a:rPr lang="en-US" smtClean="0"/>
+              <a:rPr lang="en-US"/>
               <a:t>Fifth level</a:t>
             </a:r>
-            <a:endParaRPr lang="en-US"/>
           </a:p>
         </p:txBody>
       </p:sp>
@@ -5585,7 +5570,7 @@
           <a:p>
             <a:pPr lvl="0"/>
             <a:r>
-              <a:rPr lang="en-US" smtClean="0"/>
+              <a:rPr lang="en-US"/>
               <a:t>Click to edit Master text styles</a:t>
             </a:r>
           </a:p>
@@ -5641,38 +5626,37 @@
           <a:p>
             <a:pPr lvl="0"/>
             <a:r>
-              <a:rPr lang="en-US" smtClean="0"/>
+              <a:rPr lang="en-US"/>
               <a:t>Click to edit Master text styles</a:t>
             </a:r>
           </a:p>
           <a:p>
             <a:pPr lvl="1"/>
             <a:r>
-              <a:rPr lang="en-US" smtClean="0"/>
+              <a:rPr lang="en-US"/>
               <a:t>Second level</a:t>
             </a:r>
           </a:p>
           <a:p>
             <a:pPr lvl="2"/>
             <a:r>
-              <a:rPr lang="en-US" smtClean="0"/>
+              <a:rPr lang="en-US"/>
               <a:t>Third level</a:t>
             </a:r>
           </a:p>
           <a:p>
             <a:pPr lvl="3"/>
             <a:r>
-              <a:rPr lang="en-US" smtClean="0"/>
+              <a:rPr lang="en-US"/>
               <a:t>Fourth level</a:t>
             </a:r>
           </a:p>
           <a:p>
             <a:pPr lvl="4"/>
             <a:r>
-              <a:rPr lang="en-US" smtClean="0"/>
+              <a:rPr lang="en-US"/>
               <a:t>Fifth level</a:t>
             </a:r>
-            <a:endParaRPr lang="en-US"/>
           </a:p>
         </p:txBody>
       </p:sp>
@@ -5693,7 +5677,7 @@
           <a:p>
             <a:fld id="{A76116CE-C4A3-4A05-B2D7-7C2E9A889C0F}" type="datetimeFigureOut">
               <a:rPr lang="en-US" smtClean="0"/>
-              <a:t>2/19/20</a:t>
+              <a:t>3/13/2020</a:t>
             </a:fld>
             <a:endParaRPr lang="en-US"/>
           </a:p>
@@ -5782,10 +5766,9 @@
           <a:lstStyle/>
           <a:p>
             <a:r>
-              <a:rPr lang="en-US" smtClean="0"/>
+              <a:rPr lang="en-US"/>
               <a:t>Click to edit Master title style</a:t>
             </a:r>
-            <a:endParaRPr lang="en-US"/>
           </a:p>
         </p:txBody>
       </p:sp>
@@ -5806,7 +5789,7 @@
           <a:p>
             <a:fld id="{A76116CE-C4A3-4A05-B2D7-7C2E9A889C0F}" type="datetimeFigureOut">
               <a:rPr lang="en-US" smtClean="0"/>
-              <a:t>2/19/20</a:t>
+              <a:t>3/13/2020</a:t>
             </a:fld>
             <a:endParaRPr lang="en-US"/>
           </a:p>
@@ -5896,7 +5879,7 @@
           <a:p>
             <a:fld id="{A76116CE-C4A3-4A05-B2D7-7C2E9A889C0F}" type="datetimeFigureOut">
               <a:rPr lang="en-US" smtClean="0"/>
-              <a:t>2/19/20</a:t>
+              <a:t>3/13/2020</a:t>
             </a:fld>
             <a:endParaRPr lang="en-US"/>
           </a:p>
@@ -5994,10 +5977,9 @@
           </a:lstStyle>
           <a:p>
             <a:r>
-              <a:rPr lang="en-US" smtClean="0"/>
+              <a:rPr lang="en-US"/>
               <a:t>Click to edit Master title style</a:t>
             </a:r>
-            <a:endParaRPr lang="en-US"/>
           </a:p>
         </p:txBody>
       </p:sp>
@@ -6051,38 +6033,37 @@
           <a:p>
             <a:pPr lvl="0"/>
             <a:r>
-              <a:rPr lang="en-US" smtClean="0"/>
+              <a:rPr lang="en-US"/>
               <a:t>Click to edit Master text styles</a:t>
             </a:r>
           </a:p>
           <a:p>
             <a:pPr lvl="1"/>
             <a:r>
-              <a:rPr lang="en-US" smtClean="0"/>
+              <a:rPr lang="en-US"/>
               <a:t>Second level</a:t>
             </a:r>
           </a:p>
           <a:p>
             <a:pPr lvl="2"/>
             <a:r>
-              <a:rPr lang="en-US" smtClean="0"/>
+              <a:rPr lang="en-US"/>
               <a:t>Third level</a:t>
             </a:r>
           </a:p>
           <a:p>
             <a:pPr lvl="3"/>
             <a:r>
-              <a:rPr lang="en-US" smtClean="0"/>
+              <a:rPr lang="en-US"/>
               <a:t>Fourth level</a:t>
             </a:r>
           </a:p>
           <a:p>
             <a:pPr lvl="4"/>
             <a:r>
-              <a:rPr lang="en-US" smtClean="0"/>
+              <a:rPr lang="en-US"/>
               <a:t>Fifth level</a:t>
             </a:r>
-            <a:endParaRPr lang="en-US"/>
           </a:p>
         </p:txBody>
       </p:sp>
@@ -6145,7 +6126,7 @@
           <a:p>
             <a:pPr lvl="0"/>
             <a:r>
-              <a:rPr lang="en-US" smtClean="0"/>
+              <a:rPr lang="en-US"/>
               <a:t>Click to edit Master text styles</a:t>
             </a:r>
           </a:p>
@@ -6168,7 +6149,7 @@
           <a:p>
             <a:fld id="{A76116CE-C4A3-4A05-B2D7-7C2E9A889C0F}" type="datetimeFigureOut">
               <a:rPr lang="en-US" smtClean="0"/>
-              <a:t>2/19/20</a:t>
+              <a:t>3/13/2020</a:t>
             </a:fld>
             <a:endParaRPr lang="en-US"/>
           </a:p>
@@ -6266,10 +6247,9 @@
           </a:lstStyle>
           <a:p>
             <a:r>
-              <a:rPr lang="en-US" smtClean="0"/>
+              <a:rPr lang="en-US"/>
               <a:t>Click to edit Master title style</a:t>
             </a:r>
-            <a:endParaRPr lang="en-US"/>
           </a:p>
         </p:txBody>
       </p:sp>
@@ -6393,7 +6373,7 @@
           <a:p>
             <a:pPr lvl="0"/>
             <a:r>
-              <a:rPr lang="en-US" smtClean="0"/>
+              <a:rPr lang="en-US"/>
               <a:t>Click to edit Master text styles</a:t>
             </a:r>
           </a:p>
@@ -6416,7 +6396,7 @@
           <a:p>
             <a:fld id="{A76116CE-C4A3-4A05-B2D7-7C2E9A889C0F}" type="datetimeFigureOut">
               <a:rPr lang="en-US" smtClean="0"/>
-              <a:t>2/19/20</a:t>
+              <a:t>3/13/2020</a:t>
             </a:fld>
             <a:endParaRPr lang="en-US"/>
           </a:p>
@@ -6520,10 +6500,9 @@
           <a:lstStyle/>
           <a:p>
             <a:r>
-              <a:rPr lang="en-US" smtClean="0"/>
+              <a:rPr lang="en-US"/>
               <a:t>Click to edit Master title style</a:t>
             </a:r>
-            <a:endParaRPr lang="en-US"/>
           </a:p>
         </p:txBody>
       </p:sp>
@@ -6554,38 +6533,37 @@
           <a:p>
             <a:pPr lvl="0"/>
             <a:r>
-              <a:rPr lang="en-US" smtClean="0"/>
+              <a:rPr lang="en-US"/>
               <a:t>Click to edit Master text styles</a:t>
             </a:r>
           </a:p>
           <a:p>
             <a:pPr lvl="1"/>
             <a:r>
-              <a:rPr lang="en-US" smtClean="0"/>
+              <a:rPr lang="en-US"/>
               <a:t>Second level</a:t>
             </a:r>
           </a:p>
           <a:p>
             <a:pPr lvl="2"/>
             <a:r>
-              <a:rPr lang="en-US" smtClean="0"/>
+              <a:rPr lang="en-US"/>
               <a:t>Third level</a:t>
             </a:r>
           </a:p>
           <a:p>
             <a:pPr lvl="3"/>
             <a:r>
-              <a:rPr lang="en-US" smtClean="0"/>
+              <a:rPr lang="en-US"/>
               <a:t>Fourth level</a:t>
             </a:r>
           </a:p>
           <a:p>
             <a:pPr lvl="4"/>
             <a:r>
-              <a:rPr lang="en-US" smtClean="0"/>
+              <a:rPr lang="en-US"/>
               <a:t>Fifth level</a:t>
             </a:r>
-            <a:endParaRPr lang="en-US"/>
           </a:p>
         </p:txBody>
       </p:sp>
@@ -6624,7 +6602,7 @@
           <a:p>
             <a:fld id="{F8166F1F-CE9B-4651-A6AA-CD717754106B}" type="datetimeFigureOut">
               <a:rPr lang="en-US" smtClean="0"/>
-              <a:t>2/19/20</a:t>
+              <a:t>3/13/2020</a:t>
             </a:fld>
             <a:endParaRPr lang="en-US"/>
           </a:p>
@@ -7014,7 +6992,7 @@
         <p:spPr>
           <a:xfrm>
             <a:off x="0" y="1600200"/>
-            <a:ext cx="9144000" cy="4070345"/>
+            <a:ext cx="9144000" cy="3608680"/>
           </a:xfrm>
           <a:prstGeom prst="rect">
             <a:avLst/>
@@ -7030,46 +7008,26 @@
             <a:pPr algn="ctr"/>
             <a:r>
               <a:rPr lang="en-US" sz="3000" b="1" dirty="0"/>
-              <a:t>Programming </a:t>
-            </a:r>
-            <a:r>
-              <a:rPr lang="en-US" sz="3000" b="1" dirty="0" smtClean="0"/>
-              <a:t>4</a:t>
+              <a:t>Programming 4</a:t>
+            </a:r>
+          </a:p>
+          <a:p>
+            <a:pPr algn="ctr"/>
+            <a:r>
+              <a:rPr lang="en-US" sz="3000" b="1" dirty="0"/>
+              <a:t>Lecture 06: </a:t>
+            </a:r>
+            <a:r>
+              <a:rPr lang="en-US" sz="3000" b="1"/>
+              <a:t>Directional Sprites</a:t>
             </a:r>
             <a:endParaRPr lang="en-US" sz="3000" b="1" dirty="0"/>
           </a:p>
           <a:p>
             <a:pPr algn="ctr"/>
             <a:r>
-              <a:rPr lang="en-US" sz="3000" b="1" dirty="0" smtClean="0"/>
-              <a:t>Lecture 06: 2D Animation </a:t>
-            </a:r>
-          </a:p>
-          <a:p>
-            <a:pPr algn="ctr"/>
-            <a:r>
-              <a:rPr lang="en-US" sz="3000" b="1" dirty="0" smtClean="0"/>
-              <a:t>Algorithms &amp; </a:t>
-            </a:r>
-            <a:r>
               <a:rPr lang="en-US" sz="3000" b="1" dirty="0"/>
-              <a:t>D</a:t>
-            </a:r>
-            <a:r>
-              <a:rPr lang="en-US" sz="3000" b="1" dirty="0" smtClean="0"/>
-              <a:t>ouble Buffering</a:t>
-            </a:r>
-            <a:endParaRPr lang="en-US" sz="3000" b="1" dirty="0"/>
-          </a:p>
-          <a:p>
-            <a:pPr algn="ctr"/>
-            <a:r>
-              <a:rPr lang="en-US" sz="3000" b="1" dirty="0"/>
-              <a:t>Semester </a:t>
-            </a:r>
-            <a:r>
-              <a:rPr lang="en-US" sz="3000" b="1" dirty="0" smtClean="0"/>
-              <a:t>1, 2020</a:t>
+              <a:t>Semester 1, 2020</a:t>
             </a:r>
           </a:p>
           <a:p>
@@ -7079,14 +7037,13 @@
           <a:p>
             <a:pPr algn="ctr"/>
             <a:r>
-              <a:rPr lang="en-US" sz="3000" b="1" dirty="0" err="1" smtClean="0"/>
+              <a:rPr lang="en-US" sz="3000" b="1" dirty="0" err="1"/>
               <a:t>Kaiako</a:t>
             </a:r>
             <a:r>
               <a:rPr lang="en-US" sz="3000" b="1" dirty="0"/>
               <a:t>: Grayson Orr </a:t>
             </a:r>
-            <a:endParaRPr lang="en-US" sz="3000" b="1" dirty="0" smtClean="0"/>
           </a:p>
           <a:p>
             <a:pPr algn="ctr"/>
@@ -7095,49 +7052,36 @@
           <a:p>
             <a:pPr algn="ctr"/>
             <a:r>
-              <a:rPr lang="en-US" sz="3000" b="1" dirty="0" smtClean="0"/>
+              <a:rPr lang="en-US" sz="3000" b="1" dirty="0"/>
               <a:t>Te Kura </a:t>
             </a:r>
             <a:r>
-              <a:rPr lang="en-US" sz="3000" b="1" dirty="0" err="1" smtClean="0"/>
+              <a:rPr lang="en-US" sz="3000" b="1" dirty="0" err="1"/>
               <a:t>Matatiniki</a:t>
             </a:r>
             <a:r>
-              <a:rPr lang="en-US" sz="3000" b="1" dirty="0" smtClean="0"/>
-              <a:t> Otago, O </a:t>
-            </a:r>
-            <a:r>
               <a:rPr lang="en-US" sz="3000" b="1" dirty="0"/>
-              <a:t>̄</a:t>
+              <a:t> Otago, O ̄</a:t>
             </a:r>
             <a:r>
               <a:rPr lang="en-US" sz="3000" b="1" dirty="0" err="1"/>
               <a:t>tepoti</a:t>
             </a:r>
             <a:r>
-              <a:rPr lang="en-US" sz="3000" b="1" dirty="0" smtClean="0"/>
+              <a:rPr lang="en-US" sz="3000" b="1" dirty="0"/>
               <a:t>, Aotearoa </a:t>
             </a:r>
           </a:p>
           <a:p>
             <a:pPr algn="ctr"/>
-            <a:endParaRPr lang="en-US" sz="1000" b="1" dirty="0" smtClean="0"/>
+            <a:endParaRPr lang="en-US" sz="1000" b="1" dirty="0"/>
           </a:p>
           <a:p>
             <a:pPr algn="ctr"/>
             <a:r>
-              <a:rPr lang="en-US" sz="3000" b="1" smtClean="0"/>
-              <a:t>Friday, </a:t>
-            </a:r>
-            <a:r>
-              <a:rPr lang="en-US" sz="3000" b="1" dirty="0" smtClean="0"/>
-              <a:t>13 </a:t>
-            </a:r>
-            <a:r>
-              <a:rPr lang="en-US" sz="3000" b="1" dirty="0" smtClean="0"/>
-              <a:t>March </a:t>
-            </a:r>
-            <a:endParaRPr lang="en-US" sz="3000" b="1" dirty="0"/>
+              <a:rPr lang="en-US" sz="3000" b="1" dirty="0"/>
+              <a:t>Friday, 13 March </a:t>
+            </a:r>
           </a:p>
         </p:txBody>
       </p:sp>
@@ -7151,13 +7095,6 @@
   <p:clrMapOvr>
     <a:masterClrMapping/>
   </p:clrMapOvr>
-  <p:timing>
-    <p:tnLst>
-      <p:par>
-        <p:cTn id="1" dur="indefinite" restart="never" nodeType="tmRoot"/>
-      </p:par>
-    </p:tnLst>
-  </p:timing>
 </p:sld>
 </file>
 
@@ -7212,18 +7149,18 @@
           <a:lstStyle/>
           <a:p>
             <a:pPr algn="ctr"/>
-            <a:endParaRPr lang="en-US" sz="4000" b="1" dirty="0" smtClean="0"/>
+            <a:endParaRPr lang="en-US" sz="4000" b="1" dirty="0"/>
           </a:p>
           <a:p>
             <a:pPr lvl="1"/>
             <a:r>
-              <a:rPr lang="en-US" sz="3500" b="1" dirty="0" smtClean="0"/>
+              <a:rPr lang="en-US" sz="3500" b="1" dirty="0"/>
               <a:t>Moving sprite</a:t>
             </a:r>
           </a:p>
           <a:p>
             <a:pPr lvl="1"/>
-            <a:endParaRPr lang="en-US" sz="2500" dirty="0" smtClean="0"/>
+            <a:endParaRPr lang="en-US" sz="2500" dirty="0"/>
           </a:p>
           <a:p>
             <a:pPr marL="1657350" lvl="2" indent="-742950">
@@ -7231,7 +7168,7 @@
               <a:buChar char="•"/>
             </a:pPr>
             <a:r>
-              <a:rPr lang="en-NZ" sz="2500" dirty="0" smtClean="0"/>
+              <a:rPr lang="en-NZ" sz="2500" dirty="0"/>
               <a:t>Velocities need to be separated into a magnitude </a:t>
             </a:r>
           </a:p>
@@ -7239,11 +7176,7 @@
             <a:pPr lvl="2"/>
             <a:r>
               <a:rPr lang="en-NZ" sz="2500" dirty="0"/>
-              <a:t>	</a:t>
-            </a:r>
-            <a:r>
-              <a:rPr lang="en-NZ" sz="2500" dirty="0" smtClean="0"/>
-              <a:t>and a direction</a:t>
+              <a:t>	and a direction</a:t>
             </a:r>
           </a:p>
           <a:p>
@@ -7252,7 +7185,7 @@
               <a:buChar char="•"/>
             </a:pPr>
             <a:r>
-              <a:rPr lang="en-NZ" sz="2500" dirty="0" smtClean="0"/>
+              <a:rPr lang="en-NZ" sz="2500" dirty="0"/>
               <a:t>Let xVel and yVel now represent the magnitude of </a:t>
             </a:r>
           </a:p>
@@ -7260,11 +7193,7 @@
             <a:pPr lvl="2"/>
             <a:r>
               <a:rPr lang="en-NZ" sz="2500" dirty="0"/>
-              <a:t>	</a:t>
-            </a:r>
-            <a:r>
-              <a:rPr lang="en-NZ" sz="2500" dirty="0" smtClean="0"/>
-              <a:t>a single step</a:t>
+              <a:t>	a single step</a:t>
             </a:r>
           </a:p>
           <a:p>
@@ -7273,7 +7202,7 @@
               <a:buChar char="•"/>
             </a:pPr>
             <a:r>
-              <a:rPr lang="en-NZ" sz="2500" dirty="0" smtClean="0"/>
+              <a:rPr lang="en-NZ" sz="2500" dirty="0"/>
               <a:t>Add direction properties to control the x and y </a:t>
             </a:r>
           </a:p>
@@ -7281,11 +7210,7 @@
             <a:pPr lvl="2"/>
             <a:r>
               <a:rPr lang="en-NZ" sz="2500" dirty="0"/>
-              <a:t>	</a:t>
-            </a:r>
-            <a:r>
-              <a:rPr lang="en-NZ" sz="2500" dirty="0" smtClean="0"/>
-              <a:t>direction of movement</a:t>
+              <a:t>	direction of movement</a:t>
             </a:r>
           </a:p>
           <a:p>
@@ -7294,7 +7219,7 @@
               <a:buChar char="•"/>
             </a:pPr>
             <a:r>
-              <a:rPr lang="en-NZ" sz="2500" dirty="0" smtClean="0"/>
+              <a:rPr lang="en-NZ" sz="2500" dirty="0"/>
               <a:t>Direction values  = {-1, 0, 1}</a:t>
             </a:r>
           </a:p>
@@ -7304,7 +7229,7 @@
               <a:buChar char="•"/>
             </a:pPr>
             <a:r>
-              <a:rPr lang="en-NZ" sz="2500" dirty="0" smtClean="0"/>
+              <a:rPr lang="en-NZ" sz="2500" dirty="0"/>
               <a:t>One direction value for x/horizontal movement </a:t>
             </a:r>
           </a:p>
@@ -7312,11 +7237,7 @@
             <a:pPr lvl="2"/>
             <a:r>
               <a:rPr lang="en-NZ" sz="2500" dirty="0"/>
-              <a:t>	</a:t>
-            </a:r>
-            <a:r>
-              <a:rPr lang="en-NZ" sz="2500" dirty="0" smtClean="0"/>
-              <a:t>and one for y/vertical movement</a:t>
+              <a:t>	and one for y/vertical movement</a:t>
             </a:r>
           </a:p>
           <a:p>
@@ -7325,7 +7246,7 @@
               <a:buChar char="•"/>
             </a:pPr>
             <a:r>
-              <a:rPr lang="en-NZ" sz="2500" dirty="0" smtClean="0"/>
+              <a:rPr lang="en-NZ" sz="2500" dirty="0"/>
               <a:t>To control the axis (direction) of movement, multiply </a:t>
             </a:r>
           </a:p>
@@ -7333,11 +7254,7 @@
             <a:pPr lvl="2"/>
             <a:r>
               <a:rPr lang="en-NZ" sz="2500" dirty="0"/>
-              <a:t>	</a:t>
-            </a:r>
-            <a:r>
-              <a:rPr lang="en-NZ" sz="2500" dirty="0" smtClean="0"/>
-              <a:t>the velocities by their direction values</a:t>
+              <a:t>	the velocities by their direction values</a:t>
             </a:r>
           </a:p>
           <a:p>
@@ -7346,37 +7263,37 @@
               <a:buChar char="•"/>
             </a:pPr>
             <a:r>
-              <a:rPr lang="en-NZ" sz="2500" dirty="0" smtClean="0"/>
+              <a:rPr lang="en-NZ" sz="2500" dirty="0"/>
               <a:t>Add the results to </a:t>
             </a:r>
             <a:r>
-              <a:rPr lang="en-NZ" sz="2500" dirty="0" err="1" smtClean="0"/>
+              <a:rPr lang="en-NZ" sz="2500" dirty="0" err="1"/>
               <a:t>xPos</a:t>
             </a:r>
             <a:r>
-              <a:rPr lang="en-NZ" sz="2500" dirty="0" smtClean="0"/>
+              <a:rPr lang="en-NZ" sz="2500" dirty="0"/>
               <a:t> and </a:t>
             </a:r>
             <a:r>
-              <a:rPr lang="en-NZ" sz="2500" dirty="0" err="1" smtClean="0"/>
+              <a:rPr lang="en-NZ" sz="2500" dirty="0" err="1"/>
               <a:t>yPos</a:t>
             </a:r>
             <a:r>
-              <a:rPr lang="en-NZ" sz="2500" dirty="0" smtClean="0"/>
+              <a:rPr lang="en-NZ" sz="2500" dirty="0"/>
               <a:t> </a:t>
             </a:r>
-            <a:endParaRPr lang="en-NZ" sz="2000" dirty="0" smtClean="0"/>
+            <a:endParaRPr lang="en-NZ" sz="2000" dirty="0"/>
           </a:p>
           <a:p>
             <a:pPr lvl="2"/>
-            <a:endParaRPr lang="en-US" sz="2500" dirty="0" smtClean="0"/>
+            <a:endParaRPr lang="en-US" sz="2500" dirty="0"/>
           </a:p>
           <a:p>
             <a:pPr marL="1657350" lvl="2" indent="-742950">
               <a:buFont typeface="Arial" panose="020B0604020202020204" pitchFamily="34" charset="0"/>
               <a:buChar char="•"/>
             </a:pPr>
-            <a:endParaRPr lang="en-US" sz="2500" dirty="0" smtClean="0"/>
+            <a:endParaRPr lang="en-US" sz="2500" dirty="0"/>
           </a:p>
           <a:p>
             <a:pPr marL="1657350" lvl="2" indent="-742950">
@@ -7390,7 +7307,7 @@
               <a:buFont typeface="Arial" panose="020B0604020202020204" pitchFamily="34" charset="0"/>
               <a:buChar char="•"/>
             </a:pPr>
-            <a:endParaRPr lang="en-US" sz="2500" dirty="0" smtClean="0"/>
+            <a:endParaRPr lang="en-US" sz="2500" dirty="0"/>
           </a:p>
         </p:txBody>
       </p:sp>
@@ -7404,13 +7321,6 @@
   <p:clrMapOvr>
     <a:masterClrMapping/>
   </p:clrMapOvr>
-  <p:timing>
-    <p:tnLst>
-      <p:par>
-        <p:cTn id="1" dur="indefinite" restart="never" nodeType="tmRoot"/>
-      </p:par>
-    </p:tnLst>
-  </p:timing>
 </p:sld>
 </file>
 
@@ -7465,18 +7375,18 @@
           <a:lstStyle/>
           <a:p>
             <a:pPr algn="ctr"/>
-            <a:endParaRPr lang="en-US" sz="4000" b="1" dirty="0" smtClean="0"/>
+            <a:endParaRPr lang="en-US" sz="4000" b="1" dirty="0"/>
           </a:p>
           <a:p>
             <a:pPr lvl="1"/>
             <a:r>
-              <a:rPr lang="en-US" sz="3500" b="1" dirty="0" smtClean="0"/>
+              <a:rPr lang="en-US" sz="3500" b="1" dirty="0"/>
               <a:t>Moving sprite</a:t>
             </a:r>
           </a:p>
           <a:p>
             <a:pPr lvl="1"/>
-            <a:endParaRPr lang="en-US" sz="2500" dirty="0" smtClean="0"/>
+            <a:endParaRPr lang="en-US" sz="2500" dirty="0"/>
           </a:p>
           <a:p>
             <a:pPr marL="1657350" lvl="2" indent="-742950">
@@ -7484,7 +7394,7 @@
               <a:buChar char="•"/>
             </a:pPr>
             <a:r>
-              <a:rPr lang="en-NZ" sz="2500" dirty="0" smtClean="0"/>
+              <a:rPr lang="en-NZ" sz="2500" dirty="0"/>
               <a:t>Example:</a:t>
             </a:r>
           </a:p>
@@ -7494,23 +7404,23 @@
               <a:buChar char="•"/>
             </a:pPr>
             <a:r>
-              <a:rPr lang="en-NZ" sz="2500" dirty="0" smtClean="0"/>
+              <a:rPr lang="en-NZ" sz="2500" dirty="0"/>
               <a:t>Assume </a:t>
             </a:r>
             <a:r>
-              <a:rPr lang="en-NZ" sz="2500" dirty="0" err="1" smtClean="0"/>
+              <a:rPr lang="en-NZ" sz="2500" dirty="0" err="1"/>
               <a:t>xVel</a:t>
             </a:r>
             <a:r>
-              <a:rPr lang="en-NZ" sz="2500" dirty="0" smtClean="0"/>
+              <a:rPr lang="en-NZ" sz="2500" dirty="0"/>
               <a:t> = 5 and </a:t>
             </a:r>
             <a:r>
-              <a:rPr lang="en-NZ" sz="2500" dirty="0" err="1" smtClean="0"/>
+              <a:rPr lang="en-NZ" sz="2500" dirty="0" err="1"/>
               <a:t>yVel</a:t>
             </a:r>
             <a:r>
-              <a:rPr lang="en-NZ" sz="2500" dirty="0" smtClean="0"/>
+              <a:rPr lang="en-NZ" sz="2500" dirty="0"/>
               <a:t> = 5</a:t>
             </a:r>
           </a:p>
@@ -7520,23 +7430,23 @@
               <a:buChar char="•"/>
             </a:pPr>
             <a:r>
-              <a:rPr lang="en-NZ" sz="2500" dirty="0" smtClean="0"/>
+              <a:rPr lang="en-NZ" sz="2500" dirty="0"/>
               <a:t>What are the </a:t>
             </a:r>
             <a:r>
-              <a:rPr lang="en-NZ" sz="2500" dirty="0" err="1" smtClean="0"/>
+              <a:rPr lang="en-NZ" sz="2500" dirty="0" err="1"/>
               <a:t>xDirection</a:t>
             </a:r>
             <a:r>
-              <a:rPr lang="en-NZ" sz="2500" dirty="0" smtClean="0"/>
+              <a:rPr lang="en-NZ" sz="2500" dirty="0"/>
               <a:t> and </a:t>
             </a:r>
             <a:r>
-              <a:rPr lang="en-NZ" sz="2500" dirty="0" err="1" smtClean="0"/>
+              <a:rPr lang="en-NZ" sz="2500" dirty="0" err="1"/>
               <a:t>yDirection</a:t>
             </a:r>
             <a:r>
-              <a:rPr lang="en-NZ" sz="2500" dirty="0" smtClean="0"/>
+              <a:rPr lang="en-NZ" sz="2500" dirty="0"/>
               <a:t> values </a:t>
             </a:r>
           </a:p>
@@ -7544,11 +7454,7 @@
             <a:pPr lvl="2"/>
             <a:r>
               <a:rPr lang="en-NZ" sz="2500" dirty="0"/>
-              <a:t>	</a:t>
-            </a:r>
-            <a:r>
-              <a:rPr lang="en-NZ" sz="2500" dirty="0" smtClean="0"/>
-              <a:t>to move:</a:t>
+              <a:t>	to move:</a:t>
             </a:r>
           </a:p>
           <a:p>
@@ -7557,7 +7463,7 @@
               <a:buChar char="•"/>
             </a:pPr>
             <a:r>
-              <a:rPr lang="en-NZ" sz="2000" dirty="0" smtClean="0"/>
+              <a:rPr lang="en-NZ" sz="2000" dirty="0"/>
               <a:t>East?</a:t>
             </a:r>
           </a:p>
@@ -7567,7 +7473,7 @@
               <a:buChar char="•"/>
             </a:pPr>
             <a:r>
-              <a:rPr lang="en-NZ" sz="2000" dirty="0" smtClean="0"/>
+              <a:rPr lang="en-NZ" sz="2000" dirty="0"/>
               <a:t>South?</a:t>
             </a:r>
           </a:p>
@@ -7577,7 +7483,7 @@
               <a:buChar char="•"/>
             </a:pPr>
             <a:r>
-              <a:rPr lang="en-NZ" sz="2000" dirty="0" smtClean="0"/>
+              <a:rPr lang="en-NZ" sz="2000" dirty="0"/>
               <a:t>West?</a:t>
             </a:r>
           </a:p>
@@ -7587,7 +7493,7 @@
               <a:buChar char="•"/>
             </a:pPr>
             <a:r>
-              <a:rPr lang="en-NZ" sz="2000" dirty="0" smtClean="0"/>
+              <a:rPr lang="en-NZ" sz="2000" dirty="0"/>
               <a:t>North?</a:t>
             </a:r>
           </a:p>
@@ -7597,7 +7503,7 @@
               <a:buChar char="•"/>
             </a:pPr>
             <a:r>
-              <a:rPr lang="en-NZ" sz="2500" dirty="0" smtClean="0"/>
+              <a:rPr lang="en-NZ" sz="2500" dirty="0"/>
               <a:t>In each case we would compute:</a:t>
             </a:r>
           </a:p>
@@ -7607,27 +7513,27 @@
               <a:buChar char="•"/>
             </a:pPr>
             <a:r>
-              <a:rPr lang="en-NZ" sz="2000" dirty="0" err="1" smtClean="0"/>
+              <a:rPr lang="en-NZ" sz="2000" dirty="0" err="1"/>
               <a:t>xPos</a:t>
             </a:r>
             <a:r>
-              <a:rPr lang="en-NZ" sz="2000" dirty="0" smtClean="0"/>
+              <a:rPr lang="en-NZ" sz="2000" dirty="0"/>
               <a:t> += (</a:t>
             </a:r>
             <a:r>
-              <a:rPr lang="en-NZ" sz="2000" dirty="0" err="1" smtClean="0"/>
+              <a:rPr lang="en-NZ" sz="2000" dirty="0" err="1"/>
               <a:t>xVel</a:t>
             </a:r>
             <a:r>
-              <a:rPr lang="en-NZ" sz="2000" dirty="0" smtClean="0"/>
+              <a:rPr lang="en-NZ" sz="2000" dirty="0"/>
               <a:t> * </a:t>
             </a:r>
             <a:r>
-              <a:rPr lang="en-NZ" sz="2000" dirty="0" err="1" smtClean="0"/>
+              <a:rPr lang="en-NZ" sz="2000" dirty="0" err="1"/>
               <a:t>xDirection</a:t>
             </a:r>
             <a:r>
-              <a:rPr lang="en-NZ" sz="2000" dirty="0" smtClean="0"/>
+              <a:rPr lang="en-NZ" sz="2000" dirty="0"/>
               <a:t>)</a:t>
             </a:r>
           </a:p>
@@ -7637,40 +7543,40 @@
               <a:buChar char="•"/>
             </a:pPr>
             <a:r>
-              <a:rPr lang="en-NZ" sz="2000" dirty="0" err="1" smtClean="0"/>
+              <a:rPr lang="en-NZ" sz="2000" dirty="0" err="1"/>
               <a:t>yPos</a:t>
             </a:r>
             <a:r>
-              <a:rPr lang="en-NZ" sz="2000" dirty="0" smtClean="0"/>
+              <a:rPr lang="en-NZ" sz="2000" dirty="0"/>
               <a:t> += (</a:t>
             </a:r>
             <a:r>
-              <a:rPr lang="en-NZ" sz="2000" dirty="0" err="1" smtClean="0"/>
+              <a:rPr lang="en-NZ" sz="2000" dirty="0" err="1"/>
               <a:t>yVel</a:t>
             </a:r>
             <a:r>
-              <a:rPr lang="en-NZ" sz="2000" dirty="0" smtClean="0"/>
+              <a:rPr lang="en-NZ" sz="2000" dirty="0"/>
               <a:t> * </a:t>
             </a:r>
             <a:r>
-              <a:rPr lang="en-NZ" sz="2000" dirty="0" err="1" smtClean="0"/>
+              <a:rPr lang="en-NZ" sz="2000" dirty="0" err="1"/>
               <a:t>yDirection</a:t>
             </a:r>
             <a:r>
-              <a:rPr lang="en-NZ" sz="2000" dirty="0" smtClean="0"/>
+              <a:rPr lang="en-NZ" sz="2000" dirty="0"/>
               <a:t>)</a:t>
             </a:r>
           </a:p>
           <a:p>
             <a:pPr lvl="2"/>
-            <a:endParaRPr lang="en-US" sz="2500" dirty="0" smtClean="0"/>
+            <a:endParaRPr lang="en-US" sz="2500" dirty="0"/>
           </a:p>
           <a:p>
             <a:pPr marL="1657350" lvl="2" indent="-742950">
               <a:buFont typeface="Arial" panose="020B0604020202020204" pitchFamily="34" charset="0"/>
               <a:buChar char="•"/>
             </a:pPr>
-            <a:endParaRPr lang="en-US" sz="2500" dirty="0" smtClean="0"/>
+            <a:endParaRPr lang="en-US" sz="2500" dirty="0"/>
           </a:p>
           <a:p>
             <a:pPr marL="1657350" lvl="2" indent="-742950">
@@ -7684,7 +7590,7 @@
               <a:buFont typeface="Arial" panose="020B0604020202020204" pitchFamily="34" charset="0"/>
               <a:buChar char="•"/>
             </a:pPr>
-            <a:endParaRPr lang="en-US" sz="2500" dirty="0" smtClean="0"/>
+            <a:endParaRPr lang="en-US" sz="2500" dirty="0"/>
           </a:p>
         </p:txBody>
       </p:sp>
@@ -7698,13 +7604,6 @@
   <p:clrMapOvr>
     <a:masterClrMapping/>
   </p:clrMapOvr>
-  <p:timing>
-    <p:tnLst>
-      <p:par>
-        <p:cTn id="1" dur="indefinite" restart="never" nodeType="tmRoot"/>
-      </p:par>
-    </p:tnLst>
-  </p:timing>
 </p:sld>
 </file>
 
@@ -7759,29 +7658,29 @@
           <a:lstStyle/>
           <a:p>
             <a:pPr algn="ctr"/>
-            <a:endParaRPr lang="en-US" sz="4000" b="1" dirty="0" smtClean="0"/>
+            <a:endParaRPr lang="en-US" sz="4000" b="1" dirty="0"/>
           </a:p>
           <a:p>
             <a:pPr lvl="1"/>
             <a:r>
-              <a:rPr lang="en-US" sz="3500" b="1" dirty="0" smtClean="0"/>
+              <a:rPr lang="en-US" sz="3500" b="1" dirty="0"/>
               <a:t>Moving sprite</a:t>
             </a:r>
           </a:p>
           <a:p>
             <a:pPr lvl="1"/>
-            <a:endParaRPr lang="en-US" sz="2500" dirty="0" smtClean="0"/>
+            <a:endParaRPr lang="en-US" sz="2500" dirty="0"/>
           </a:p>
           <a:p>
             <a:pPr lvl="2"/>
-            <a:endParaRPr lang="en-US" sz="2500" dirty="0" smtClean="0"/>
+            <a:endParaRPr lang="en-US" sz="2500" dirty="0"/>
           </a:p>
           <a:p>
             <a:pPr marL="1657350" lvl="2" indent="-742950">
               <a:buFont typeface="Arial" panose="020B0604020202020204" pitchFamily="34" charset="0"/>
               <a:buChar char="•"/>
             </a:pPr>
-            <a:endParaRPr lang="en-US" sz="2500" dirty="0" smtClean="0"/>
+            <a:endParaRPr lang="en-US" sz="2500" dirty="0"/>
           </a:p>
           <a:p>
             <a:pPr marL="1657350" lvl="2" indent="-742950">
@@ -7795,7 +7694,7 @@
               <a:buFont typeface="Arial" panose="020B0604020202020204" pitchFamily="34" charset="0"/>
               <a:buChar char="•"/>
             </a:pPr>
-            <a:endParaRPr lang="en-US" sz="2500" dirty="0" smtClean="0"/>
+            <a:endParaRPr lang="en-US" sz="2500" dirty="0"/>
           </a:p>
         </p:txBody>
       </p:sp>
@@ -7827,21 +7726,21 @@
                 <a:gridCol w="2505205">
                   <a:extLst>
                     <a:ext uri="{9D8B030D-6E8A-4147-A177-3AD203B41FA5}">
-                      <a16:colId xmlns:a16="http://schemas.microsoft.com/office/drawing/2014/main" xmlns="" val="4216884713"/>
+                      <a16:colId xmlns:a16="http://schemas.microsoft.com/office/drawing/2014/main" val="4216884713"/>
                     </a:ext>
                   </a:extLst>
                 </a:gridCol>
                 <a:gridCol w="2505205">
                   <a:extLst>
                     <a:ext uri="{9D8B030D-6E8A-4147-A177-3AD203B41FA5}">
-                      <a16:colId xmlns:a16="http://schemas.microsoft.com/office/drawing/2014/main" xmlns="" val="3045886549"/>
+                      <a16:colId xmlns:a16="http://schemas.microsoft.com/office/drawing/2014/main" val="3045886549"/>
                     </a:ext>
                   </a:extLst>
                 </a:gridCol>
                 <a:gridCol w="2505205">
                   <a:extLst>
                     <a:ext uri="{9D8B030D-6E8A-4147-A177-3AD203B41FA5}">
-                      <a16:colId xmlns:a16="http://schemas.microsoft.com/office/drawing/2014/main" xmlns="" val="4115596541"/>
+                      <a16:colId xmlns:a16="http://schemas.microsoft.com/office/drawing/2014/main" val="4115596541"/>
                     </a:ext>
                   </a:extLst>
                 </a:gridCol>
@@ -7854,10 +7753,9 @@
                     <a:p>
                       <a:pPr algn="ctr"/>
                       <a:r>
-                        <a:rPr lang="en-NZ" sz="2200" dirty="0" smtClean="0"/>
+                        <a:rPr lang="en-NZ" sz="2200" dirty="0"/>
                         <a:t>If direction is</a:t>
                       </a:r>
-                      <a:endParaRPr lang="en-NZ" sz="2200" dirty="0"/>
                     </a:p>
                   </a:txBody>
                   <a:tcPr marL="112734" marR="112734" marT="56367" marB="56367"/>
@@ -7869,18 +7767,17 @@
                     <a:p>
                       <a:pPr algn="ctr"/>
                       <a:r>
-                        <a:rPr lang="en-NZ" sz="2200" dirty="0" smtClean="0"/>
+                        <a:rPr lang="en-NZ" sz="2200" dirty="0"/>
                         <a:t>Multiply </a:t>
                       </a:r>
                       <a:r>
-                        <a:rPr lang="en-NZ" sz="2200" dirty="0" err="1" smtClean="0"/>
+                        <a:rPr lang="en-NZ" sz="2200" dirty="0" err="1"/>
                         <a:t>xVel</a:t>
                       </a:r>
                       <a:r>
-                        <a:rPr lang="en-NZ" sz="2200" dirty="0" smtClean="0"/>
+                        <a:rPr lang="en-NZ" sz="2200" dirty="0"/>
                         <a:t> by</a:t>
                       </a:r>
-                      <a:endParaRPr lang="en-NZ" sz="2200" dirty="0"/>
                     </a:p>
                   </a:txBody>
                   <a:tcPr marL="112734" marR="112734" marT="56367" marB="56367"/>
@@ -7892,25 +7789,24 @@
                     <a:p>
                       <a:pPr algn="ctr"/>
                       <a:r>
-                        <a:rPr lang="en-NZ" sz="2200" dirty="0" smtClean="0"/>
+                        <a:rPr lang="en-NZ" sz="2200" dirty="0"/>
                         <a:t>Multiply </a:t>
                       </a:r>
                       <a:r>
-                        <a:rPr lang="en-NZ" sz="2200" dirty="0" err="1" smtClean="0"/>
+                        <a:rPr lang="en-NZ" sz="2200" dirty="0" err="1"/>
                         <a:t>yVel</a:t>
                       </a:r>
                       <a:r>
-                        <a:rPr lang="en-NZ" sz="2200" dirty="0" smtClean="0"/>
+                        <a:rPr lang="en-NZ" sz="2200" dirty="0"/>
                         <a:t> by</a:t>
                       </a:r>
-                      <a:endParaRPr lang="en-NZ" sz="2200" dirty="0"/>
                     </a:p>
                   </a:txBody>
                   <a:tcPr marL="112734" marR="112734" marT="56367" marB="56367"/>
                 </a:tc>
                 <a:extLst>
                   <a:ext uri="{0D108BD9-81ED-4DB2-BD59-A6C34878D82A}">
-                    <a16:rowId xmlns:a16="http://schemas.microsoft.com/office/drawing/2014/main" xmlns="" val="754703717"/>
+                    <a16:rowId xmlns:a16="http://schemas.microsoft.com/office/drawing/2014/main" val="754703717"/>
                   </a:ext>
                 </a:extLst>
               </a:tr>
@@ -7922,10 +7818,9 @@
                     <a:p>
                       <a:pPr algn="ctr"/>
                       <a:r>
-                        <a:rPr lang="en-NZ" sz="2200" dirty="0" smtClean="0"/>
+                        <a:rPr lang="en-NZ" sz="2200" dirty="0"/>
                         <a:t>EAST</a:t>
                       </a:r>
-                      <a:endParaRPr lang="en-NZ" sz="2200" dirty="0"/>
                     </a:p>
                   </a:txBody>
                   <a:tcPr marL="112734" marR="112734" marT="56367" marB="56367"/>
@@ -7937,10 +7832,9 @@
                     <a:p>
                       <a:pPr algn="ctr"/>
                       <a:r>
-                        <a:rPr lang="en-NZ" sz="2200" dirty="0" smtClean="0"/>
+                        <a:rPr lang="en-NZ" sz="2200" dirty="0"/>
                         <a:t>1</a:t>
                       </a:r>
-                      <a:endParaRPr lang="en-NZ" sz="2200" dirty="0"/>
                     </a:p>
                   </a:txBody>
                   <a:tcPr marL="112734" marR="112734" marT="56367" marB="56367"/>
@@ -7952,17 +7846,16 @@
                     <a:p>
                       <a:pPr algn="ctr"/>
                       <a:r>
-                        <a:rPr lang="en-NZ" sz="2200" dirty="0" smtClean="0"/>
+                        <a:rPr lang="en-NZ" sz="2200" dirty="0"/>
                         <a:t>0</a:t>
                       </a:r>
-                      <a:endParaRPr lang="en-NZ" sz="2200" dirty="0"/>
                     </a:p>
                   </a:txBody>
                   <a:tcPr marL="112734" marR="112734" marT="56367" marB="56367"/>
                 </a:tc>
                 <a:extLst>
                   <a:ext uri="{0D108BD9-81ED-4DB2-BD59-A6C34878D82A}">
-                    <a16:rowId xmlns:a16="http://schemas.microsoft.com/office/drawing/2014/main" xmlns="" val="3809389524"/>
+                    <a16:rowId xmlns:a16="http://schemas.microsoft.com/office/drawing/2014/main" val="3809389524"/>
                   </a:ext>
                 </a:extLst>
               </a:tr>
@@ -7974,10 +7867,9 @@
                     <a:p>
                       <a:pPr algn="ctr"/>
                       <a:r>
-                        <a:rPr lang="en-NZ" sz="2200" dirty="0" smtClean="0"/>
+                        <a:rPr lang="en-NZ" sz="2200" dirty="0"/>
                         <a:t>SOUTH</a:t>
                       </a:r>
-                      <a:endParaRPr lang="en-NZ" sz="2200" dirty="0"/>
                     </a:p>
                   </a:txBody>
                   <a:tcPr marL="112734" marR="112734" marT="56367" marB="56367"/>
@@ -7989,10 +7881,9 @@
                     <a:p>
                       <a:pPr algn="ctr"/>
                       <a:r>
-                        <a:rPr lang="en-NZ" sz="2200" dirty="0" smtClean="0"/>
+                        <a:rPr lang="en-NZ" sz="2200" dirty="0"/>
                         <a:t>0</a:t>
                       </a:r>
-                      <a:endParaRPr lang="en-NZ" sz="2200" dirty="0"/>
                     </a:p>
                   </a:txBody>
                   <a:tcPr marL="112734" marR="112734" marT="56367" marB="56367"/>
@@ -8004,17 +7895,16 @@
                     <a:p>
                       <a:pPr algn="ctr"/>
                       <a:r>
-                        <a:rPr lang="en-NZ" sz="2200" dirty="0" smtClean="0"/>
+                        <a:rPr lang="en-NZ" sz="2200" dirty="0"/>
                         <a:t>1</a:t>
                       </a:r>
-                      <a:endParaRPr lang="en-NZ" sz="2200" dirty="0"/>
                     </a:p>
                   </a:txBody>
                   <a:tcPr marL="112734" marR="112734" marT="56367" marB="56367"/>
                 </a:tc>
                 <a:extLst>
                   <a:ext uri="{0D108BD9-81ED-4DB2-BD59-A6C34878D82A}">
-                    <a16:rowId xmlns:a16="http://schemas.microsoft.com/office/drawing/2014/main" xmlns="" val="1967603967"/>
+                    <a16:rowId xmlns:a16="http://schemas.microsoft.com/office/drawing/2014/main" val="1967603967"/>
                   </a:ext>
                 </a:extLst>
               </a:tr>
@@ -8026,10 +7916,9 @@
                     <a:p>
                       <a:pPr algn="ctr"/>
                       <a:r>
-                        <a:rPr lang="en-NZ" sz="2200" dirty="0" smtClean="0"/>
+                        <a:rPr lang="en-NZ" sz="2200" dirty="0"/>
                         <a:t>WEST</a:t>
                       </a:r>
-                      <a:endParaRPr lang="en-NZ" sz="2200" dirty="0"/>
                     </a:p>
                   </a:txBody>
                   <a:tcPr marL="112734" marR="112734" marT="56367" marB="56367"/>
@@ -8041,10 +7930,9 @@
                     <a:p>
                       <a:pPr algn="ctr"/>
                       <a:r>
-                        <a:rPr lang="en-NZ" sz="2200" dirty="0" smtClean="0"/>
+                        <a:rPr lang="en-NZ" sz="2200" dirty="0"/>
                         <a:t>-1</a:t>
                       </a:r>
-                      <a:endParaRPr lang="en-NZ" sz="2200" dirty="0"/>
                     </a:p>
                   </a:txBody>
                   <a:tcPr marL="112734" marR="112734" marT="56367" marB="56367"/>
@@ -8056,17 +7944,16 @@
                     <a:p>
                       <a:pPr algn="ctr"/>
                       <a:r>
-                        <a:rPr lang="en-NZ" sz="2200" dirty="0" smtClean="0"/>
+                        <a:rPr lang="en-NZ" sz="2200" dirty="0"/>
                         <a:t>0</a:t>
                       </a:r>
-                      <a:endParaRPr lang="en-NZ" sz="2200" dirty="0"/>
                     </a:p>
                   </a:txBody>
                   <a:tcPr marL="112734" marR="112734" marT="56367" marB="56367"/>
                 </a:tc>
                 <a:extLst>
                   <a:ext uri="{0D108BD9-81ED-4DB2-BD59-A6C34878D82A}">
-                    <a16:rowId xmlns:a16="http://schemas.microsoft.com/office/drawing/2014/main" xmlns="" val="2976321143"/>
+                    <a16:rowId xmlns:a16="http://schemas.microsoft.com/office/drawing/2014/main" val="2976321143"/>
                   </a:ext>
                 </a:extLst>
               </a:tr>
@@ -8078,10 +7965,9 @@
                     <a:p>
                       <a:pPr algn="ctr"/>
                       <a:r>
-                        <a:rPr lang="en-NZ" sz="2200" dirty="0" smtClean="0"/>
+                        <a:rPr lang="en-NZ" sz="2200" dirty="0"/>
                         <a:t>NORTH</a:t>
                       </a:r>
-                      <a:endParaRPr lang="en-NZ" sz="2200" dirty="0"/>
                     </a:p>
                   </a:txBody>
                   <a:tcPr marL="112734" marR="112734" marT="56367" marB="56367"/>
@@ -8093,10 +7979,9 @@
                     <a:p>
                       <a:pPr algn="ctr"/>
                       <a:r>
-                        <a:rPr lang="en-NZ" sz="2200" dirty="0" smtClean="0"/>
+                        <a:rPr lang="en-NZ" sz="2200" dirty="0"/>
                         <a:t>0</a:t>
                       </a:r>
-                      <a:endParaRPr lang="en-NZ" sz="2200" dirty="0"/>
                     </a:p>
                   </a:txBody>
                   <a:tcPr marL="112734" marR="112734" marT="56367" marB="56367"/>
@@ -8108,17 +7993,16 @@
                     <a:p>
                       <a:pPr algn="ctr"/>
                       <a:r>
-                        <a:rPr lang="en-NZ" sz="2200" dirty="0" smtClean="0"/>
+                        <a:rPr lang="en-NZ" sz="2200" dirty="0"/>
                         <a:t>-1</a:t>
                       </a:r>
-                      <a:endParaRPr lang="en-NZ" sz="2200" dirty="0"/>
                     </a:p>
                   </a:txBody>
                   <a:tcPr marL="112734" marR="112734" marT="56367" marB="56367"/>
                 </a:tc>
                 <a:extLst>
                   <a:ext uri="{0D108BD9-81ED-4DB2-BD59-A6C34878D82A}">
-                    <a16:rowId xmlns:a16="http://schemas.microsoft.com/office/drawing/2014/main" xmlns="" val="284325855"/>
+                    <a16:rowId xmlns:a16="http://schemas.microsoft.com/office/drawing/2014/main" val="284325855"/>
                   </a:ext>
                 </a:extLst>
               </a:tr>
@@ -8136,13 +8020,6 @@
   <p:clrMapOvr>
     <a:masterClrMapping/>
   </p:clrMapOvr>
-  <p:timing>
-    <p:tnLst>
-      <p:par>
-        <p:cTn id="1" dur="indefinite" restart="never" nodeType="tmRoot"/>
-      </p:par>
-    </p:tnLst>
-  </p:timing>
 </p:sld>
 </file>
 
@@ -8197,18 +8074,18 @@
           <a:lstStyle/>
           <a:p>
             <a:pPr algn="ctr"/>
-            <a:endParaRPr lang="en-US" sz="4000" b="1" dirty="0" smtClean="0"/>
+            <a:endParaRPr lang="en-US" sz="4000" b="1" dirty="0"/>
           </a:p>
           <a:p>
             <a:pPr lvl="1"/>
             <a:r>
-              <a:rPr lang="en-US" sz="3500" b="1" dirty="0" smtClean="0"/>
+              <a:rPr lang="en-US" sz="3500" b="1" dirty="0"/>
               <a:t>Moving sprite</a:t>
             </a:r>
           </a:p>
           <a:p>
             <a:pPr lvl="1"/>
-            <a:endParaRPr lang="en-US" sz="2500" dirty="0" smtClean="0"/>
+            <a:endParaRPr lang="en-US" sz="2500" dirty="0"/>
           </a:p>
           <a:p>
             <a:pPr marL="1257300" lvl="2" indent="-342900">
@@ -8216,15 +8093,15 @@
               <a:buChar char="•"/>
             </a:pPr>
             <a:r>
-              <a:rPr lang="en-US" sz="2500" dirty="0" smtClean="0"/>
+              <a:rPr lang="en-US" sz="2500" dirty="0"/>
               <a:t>Assume an array&lt;Point&gt;^ </a:t>
             </a:r>
             <a:r>
-              <a:rPr lang="en-US" sz="2500" dirty="0" err="1" smtClean="0"/>
+              <a:rPr lang="en-US" sz="2500" dirty="0" err="1"/>
               <a:t>velocityDirections</a:t>
             </a:r>
             <a:r>
-              <a:rPr lang="en-US" sz="2500" dirty="0" smtClean="0"/>
+              <a:rPr lang="en-US" sz="2500" dirty="0"/>
               <a:t> represents this table:</a:t>
             </a:r>
           </a:p>
@@ -8233,7 +8110,7 @@
               <a:buFont typeface="Arial" panose="020B0604020202020204" pitchFamily="34" charset="0"/>
               <a:buChar char="•"/>
             </a:pPr>
-            <a:endParaRPr lang="en-US" sz="2500" dirty="0" smtClean="0"/>
+            <a:endParaRPr lang="en-US" sz="2500" dirty="0"/>
           </a:p>
           <a:p>
             <a:pPr marL="1657350" lvl="2" indent="-742950">
@@ -8247,7 +8124,7 @@
               <a:buFont typeface="Arial" panose="020B0604020202020204" pitchFamily="34" charset="0"/>
               <a:buChar char="•"/>
             </a:pPr>
-            <a:endParaRPr lang="en-US" sz="2500" dirty="0" smtClean="0"/>
+            <a:endParaRPr lang="en-US" sz="2500" dirty="0"/>
           </a:p>
         </p:txBody>
       </p:sp>
@@ -8279,21 +8156,21 @@
                 <a:gridCol w="2505205">
                   <a:extLst>
                     <a:ext uri="{9D8B030D-6E8A-4147-A177-3AD203B41FA5}">
-                      <a16:colId xmlns:a16="http://schemas.microsoft.com/office/drawing/2014/main" xmlns="" val="4216884713"/>
+                      <a16:colId xmlns:a16="http://schemas.microsoft.com/office/drawing/2014/main" val="4216884713"/>
                     </a:ext>
                   </a:extLst>
                 </a:gridCol>
                 <a:gridCol w="2505205">
                   <a:extLst>
                     <a:ext uri="{9D8B030D-6E8A-4147-A177-3AD203B41FA5}">
-                      <a16:colId xmlns:a16="http://schemas.microsoft.com/office/drawing/2014/main" xmlns="" val="3045886549"/>
+                      <a16:colId xmlns:a16="http://schemas.microsoft.com/office/drawing/2014/main" val="3045886549"/>
                     </a:ext>
                   </a:extLst>
                 </a:gridCol>
                 <a:gridCol w="2505205">
                   <a:extLst>
                     <a:ext uri="{9D8B030D-6E8A-4147-A177-3AD203B41FA5}">
-                      <a16:colId xmlns:a16="http://schemas.microsoft.com/office/drawing/2014/main" xmlns="" val="4115596541"/>
+                      <a16:colId xmlns:a16="http://schemas.microsoft.com/office/drawing/2014/main" val="4115596541"/>
                     </a:ext>
                   </a:extLst>
                 </a:gridCol>
@@ -8306,10 +8183,9 @@
                     <a:p>
                       <a:pPr algn="ctr"/>
                       <a:r>
-                        <a:rPr lang="en-NZ" sz="2200" dirty="0" smtClean="0"/>
+                        <a:rPr lang="en-NZ" sz="2200" dirty="0"/>
                         <a:t>If direction is</a:t>
                       </a:r>
-                      <a:endParaRPr lang="en-NZ" sz="2200" dirty="0"/>
                     </a:p>
                   </a:txBody>
                   <a:tcPr marL="112734" marR="112734" marT="56367" marB="56367"/>
@@ -8321,18 +8197,17 @@
                     <a:p>
                       <a:pPr algn="ctr"/>
                       <a:r>
-                        <a:rPr lang="en-NZ" sz="2200" dirty="0" smtClean="0"/>
+                        <a:rPr lang="en-NZ" sz="2200" dirty="0"/>
                         <a:t>Multiply </a:t>
                       </a:r>
                       <a:r>
-                        <a:rPr lang="en-NZ" sz="2200" dirty="0" err="1" smtClean="0"/>
+                        <a:rPr lang="en-NZ" sz="2200" dirty="0" err="1"/>
                         <a:t>xVel</a:t>
                       </a:r>
                       <a:r>
-                        <a:rPr lang="en-NZ" sz="2200" dirty="0" smtClean="0"/>
+                        <a:rPr lang="en-NZ" sz="2200" dirty="0"/>
                         <a:t> by</a:t>
                       </a:r>
-                      <a:endParaRPr lang="en-NZ" sz="2200" dirty="0"/>
                     </a:p>
                   </a:txBody>
                   <a:tcPr marL="112734" marR="112734" marT="56367" marB="56367"/>
@@ -8344,25 +8219,24 @@
                     <a:p>
                       <a:pPr algn="ctr"/>
                       <a:r>
-                        <a:rPr lang="en-NZ" sz="2200" dirty="0" smtClean="0"/>
+                        <a:rPr lang="en-NZ" sz="2200" dirty="0"/>
                         <a:t>Multiply </a:t>
                       </a:r>
                       <a:r>
-                        <a:rPr lang="en-NZ" sz="2200" dirty="0" err="1" smtClean="0"/>
+                        <a:rPr lang="en-NZ" sz="2200" dirty="0" err="1"/>
                         <a:t>yVel</a:t>
                       </a:r>
                       <a:r>
-                        <a:rPr lang="en-NZ" sz="2200" dirty="0" smtClean="0"/>
+                        <a:rPr lang="en-NZ" sz="2200" dirty="0"/>
                         <a:t> by</a:t>
                       </a:r>
-                      <a:endParaRPr lang="en-NZ" sz="2200" dirty="0"/>
                     </a:p>
                   </a:txBody>
                   <a:tcPr marL="112734" marR="112734" marT="56367" marB="56367"/>
                 </a:tc>
                 <a:extLst>
                   <a:ext uri="{0D108BD9-81ED-4DB2-BD59-A6C34878D82A}">
-                    <a16:rowId xmlns:a16="http://schemas.microsoft.com/office/drawing/2014/main" xmlns="" val="754703717"/>
+                    <a16:rowId xmlns:a16="http://schemas.microsoft.com/office/drawing/2014/main" val="754703717"/>
                   </a:ext>
                 </a:extLst>
               </a:tr>
@@ -8374,10 +8248,9 @@
                     <a:p>
                       <a:pPr algn="ctr"/>
                       <a:r>
-                        <a:rPr lang="en-NZ" sz="2200" dirty="0" smtClean="0"/>
+                        <a:rPr lang="en-NZ" sz="2200" dirty="0"/>
                         <a:t>EAST</a:t>
                       </a:r>
-                      <a:endParaRPr lang="en-NZ" sz="2200" dirty="0"/>
                     </a:p>
                   </a:txBody>
                   <a:tcPr marL="112734" marR="112734" marT="56367" marB="56367"/>
@@ -8389,10 +8262,9 @@
                     <a:p>
                       <a:pPr algn="ctr"/>
                       <a:r>
-                        <a:rPr lang="en-NZ" sz="2200" dirty="0" smtClean="0"/>
+                        <a:rPr lang="en-NZ" sz="2200" dirty="0"/>
                         <a:t>1</a:t>
                       </a:r>
-                      <a:endParaRPr lang="en-NZ" sz="2200" dirty="0"/>
                     </a:p>
                   </a:txBody>
                   <a:tcPr marL="112734" marR="112734" marT="56367" marB="56367"/>
@@ -8404,17 +8276,16 @@
                     <a:p>
                       <a:pPr algn="ctr"/>
                       <a:r>
-                        <a:rPr lang="en-NZ" sz="2200" dirty="0" smtClean="0"/>
+                        <a:rPr lang="en-NZ" sz="2200" dirty="0"/>
                         <a:t>0</a:t>
                       </a:r>
-                      <a:endParaRPr lang="en-NZ" sz="2200" dirty="0"/>
                     </a:p>
                   </a:txBody>
                   <a:tcPr marL="112734" marR="112734" marT="56367" marB="56367"/>
                 </a:tc>
                 <a:extLst>
                   <a:ext uri="{0D108BD9-81ED-4DB2-BD59-A6C34878D82A}">
-                    <a16:rowId xmlns:a16="http://schemas.microsoft.com/office/drawing/2014/main" xmlns="" val="3809389524"/>
+                    <a16:rowId xmlns:a16="http://schemas.microsoft.com/office/drawing/2014/main" val="3809389524"/>
                   </a:ext>
                 </a:extLst>
               </a:tr>
@@ -8426,10 +8297,9 @@
                     <a:p>
                       <a:pPr algn="ctr"/>
                       <a:r>
-                        <a:rPr lang="en-NZ" sz="2200" dirty="0" smtClean="0"/>
+                        <a:rPr lang="en-NZ" sz="2200" dirty="0"/>
                         <a:t>SOUTH</a:t>
                       </a:r>
-                      <a:endParaRPr lang="en-NZ" sz="2200" dirty="0"/>
                     </a:p>
                   </a:txBody>
                   <a:tcPr marL="112734" marR="112734" marT="56367" marB="56367"/>
@@ -8441,10 +8311,9 @@
                     <a:p>
                       <a:pPr algn="ctr"/>
                       <a:r>
-                        <a:rPr lang="en-NZ" sz="2200" dirty="0" smtClean="0"/>
+                        <a:rPr lang="en-NZ" sz="2200" dirty="0"/>
                         <a:t>0</a:t>
                       </a:r>
-                      <a:endParaRPr lang="en-NZ" sz="2200" dirty="0"/>
                     </a:p>
                   </a:txBody>
                   <a:tcPr marL="112734" marR="112734" marT="56367" marB="56367"/>
@@ -8456,17 +8325,16 @@
                     <a:p>
                       <a:pPr algn="ctr"/>
                       <a:r>
-                        <a:rPr lang="en-NZ" sz="2200" dirty="0" smtClean="0"/>
+                        <a:rPr lang="en-NZ" sz="2200" dirty="0"/>
                         <a:t>1</a:t>
                       </a:r>
-                      <a:endParaRPr lang="en-NZ" sz="2200" dirty="0"/>
                     </a:p>
                   </a:txBody>
                   <a:tcPr marL="112734" marR="112734" marT="56367" marB="56367"/>
                 </a:tc>
                 <a:extLst>
                   <a:ext uri="{0D108BD9-81ED-4DB2-BD59-A6C34878D82A}">
-                    <a16:rowId xmlns:a16="http://schemas.microsoft.com/office/drawing/2014/main" xmlns="" val="1967603967"/>
+                    <a16:rowId xmlns:a16="http://schemas.microsoft.com/office/drawing/2014/main" val="1967603967"/>
                   </a:ext>
                 </a:extLst>
               </a:tr>
@@ -8478,10 +8346,9 @@
                     <a:p>
                       <a:pPr algn="ctr"/>
                       <a:r>
-                        <a:rPr lang="en-NZ" sz="2200" dirty="0" smtClean="0"/>
+                        <a:rPr lang="en-NZ" sz="2200" dirty="0"/>
                         <a:t>WEST</a:t>
                       </a:r>
-                      <a:endParaRPr lang="en-NZ" sz="2200" dirty="0"/>
                     </a:p>
                   </a:txBody>
                   <a:tcPr marL="112734" marR="112734" marT="56367" marB="56367"/>
@@ -8493,10 +8360,9 @@
                     <a:p>
                       <a:pPr algn="ctr"/>
                       <a:r>
-                        <a:rPr lang="en-NZ" sz="2200" dirty="0" smtClean="0"/>
+                        <a:rPr lang="en-NZ" sz="2200" dirty="0"/>
                         <a:t>-1</a:t>
                       </a:r>
-                      <a:endParaRPr lang="en-NZ" sz="2200" dirty="0"/>
                     </a:p>
                   </a:txBody>
                   <a:tcPr marL="112734" marR="112734" marT="56367" marB="56367"/>
@@ -8508,17 +8374,16 @@
                     <a:p>
                       <a:pPr algn="ctr"/>
                       <a:r>
-                        <a:rPr lang="en-NZ" sz="2200" dirty="0" smtClean="0"/>
+                        <a:rPr lang="en-NZ" sz="2200" dirty="0"/>
                         <a:t>0</a:t>
                       </a:r>
-                      <a:endParaRPr lang="en-NZ" sz="2200" dirty="0"/>
                     </a:p>
                   </a:txBody>
                   <a:tcPr marL="112734" marR="112734" marT="56367" marB="56367"/>
                 </a:tc>
                 <a:extLst>
                   <a:ext uri="{0D108BD9-81ED-4DB2-BD59-A6C34878D82A}">
-                    <a16:rowId xmlns:a16="http://schemas.microsoft.com/office/drawing/2014/main" xmlns="" val="2976321143"/>
+                    <a16:rowId xmlns:a16="http://schemas.microsoft.com/office/drawing/2014/main" val="2976321143"/>
                   </a:ext>
                 </a:extLst>
               </a:tr>
@@ -8530,10 +8395,9 @@
                     <a:p>
                       <a:pPr algn="ctr"/>
                       <a:r>
-                        <a:rPr lang="en-NZ" sz="2200" dirty="0" smtClean="0"/>
+                        <a:rPr lang="en-NZ" sz="2200" dirty="0"/>
                         <a:t>NORTH</a:t>
                       </a:r>
-                      <a:endParaRPr lang="en-NZ" sz="2200" dirty="0"/>
                     </a:p>
                   </a:txBody>
                   <a:tcPr marL="112734" marR="112734" marT="56367" marB="56367"/>
@@ -8545,10 +8409,9 @@
                     <a:p>
                       <a:pPr algn="ctr"/>
                       <a:r>
-                        <a:rPr lang="en-NZ" sz="2200" dirty="0" smtClean="0"/>
+                        <a:rPr lang="en-NZ" sz="2200" dirty="0"/>
                         <a:t>0</a:t>
                       </a:r>
-                      <a:endParaRPr lang="en-NZ" sz="2200" dirty="0"/>
                     </a:p>
                   </a:txBody>
                   <a:tcPr marL="112734" marR="112734" marT="56367" marB="56367"/>
@@ -8560,17 +8423,16 @@
                     <a:p>
                       <a:pPr algn="ctr"/>
                       <a:r>
-                        <a:rPr lang="en-NZ" sz="2200" dirty="0" smtClean="0"/>
+                        <a:rPr lang="en-NZ" sz="2200" dirty="0"/>
                         <a:t>-1</a:t>
                       </a:r>
-                      <a:endParaRPr lang="en-NZ" sz="2200" dirty="0"/>
                     </a:p>
                   </a:txBody>
                   <a:tcPr marL="112734" marR="112734" marT="56367" marB="56367"/>
                 </a:tc>
                 <a:extLst>
                   <a:ext uri="{0D108BD9-81ED-4DB2-BD59-A6C34878D82A}">
-                    <a16:rowId xmlns:a16="http://schemas.microsoft.com/office/drawing/2014/main" xmlns="" val="284325855"/>
+                    <a16:rowId xmlns:a16="http://schemas.microsoft.com/office/drawing/2014/main" val="284325855"/>
                   </a:ext>
                 </a:extLst>
               </a:tr>
@@ -8618,13 +8480,6 @@
   <p:clrMapOvr>
     <a:masterClrMapping/>
   </p:clrMapOvr>
-  <p:timing>
-    <p:tnLst>
-      <p:par>
-        <p:cTn id="1" dur="indefinite" restart="never" nodeType="tmRoot"/>
-      </p:par>
-    </p:tnLst>
-  </p:timing>
 </p:sld>
 </file>
 
@@ -8679,18 +8534,18 @@
           <a:lstStyle/>
           <a:p>
             <a:pPr algn="ctr"/>
-            <a:endParaRPr lang="en-US" sz="4000" b="1" dirty="0" smtClean="0"/>
+            <a:endParaRPr lang="en-US" sz="4000" b="1" dirty="0"/>
           </a:p>
           <a:p>
             <a:pPr lvl="1"/>
             <a:r>
-              <a:rPr lang="en-US" sz="3500" b="1" dirty="0" smtClean="0"/>
+              <a:rPr lang="en-US" sz="3500" b="1" dirty="0"/>
               <a:t>Velocity directions</a:t>
             </a:r>
           </a:p>
           <a:p>
             <a:pPr lvl="1"/>
-            <a:endParaRPr lang="en-US" sz="2500" dirty="0" smtClean="0"/>
+            <a:endParaRPr lang="en-US" sz="2500" dirty="0"/>
           </a:p>
           <a:p>
             <a:pPr marL="1257300" lvl="2" indent="-342900">
@@ -8698,15 +8553,15 @@
               <a:buChar char="•"/>
             </a:pPr>
             <a:r>
-              <a:rPr lang="en-US" sz="2500" dirty="0" smtClean="0"/>
+              <a:rPr lang="en-US" sz="2500" dirty="0"/>
               <a:t>Declare </a:t>
             </a:r>
             <a:r>
-              <a:rPr lang="en-US" sz="2500" dirty="0" err="1" smtClean="0"/>
+              <a:rPr lang="en-US" sz="2500" dirty="0" err="1"/>
               <a:t>velocityDirections</a:t>
             </a:r>
             <a:r>
-              <a:rPr lang="en-US" sz="2500" dirty="0" smtClean="0"/>
+              <a:rPr lang="en-US" sz="2500" dirty="0"/>
               <a:t> in Sprite.h</a:t>
             </a:r>
           </a:p>
@@ -8716,15 +8571,15 @@
               <a:buChar char="•"/>
             </a:pPr>
             <a:r>
-              <a:rPr lang="en-US" sz="2500" dirty="0" smtClean="0"/>
+              <a:rPr lang="en-US" sz="2500" dirty="0"/>
               <a:t>Instantiate </a:t>
             </a:r>
             <a:r>
-              <a:rPr lang="en-US" sz="2500" dirty="0" err="1" smtClean="0"/>
+              <a:rPr lang="en-US" sz="2500" dirty="0" err="1"/>
               <a:t>velocityDirections</a:t>
             </a:r>
             <a:r>
-              <a:rPr lang="en-US" sz="2500" dirty="0" smtClean="0"/>
+              <a:rPr lang="en-US" sz="2500" dirty="0"/>
               <a:t> in Sprite.cpp</a:t>
             </a:r>
           </a:p>
@@ -8733,7 +8588,7 @@
               <a:buFont typeface="Arial" panose="020B0604020202020204" pitchFamily="34" charset="0"/>
               <a:buChar char="•"/>
             </a:pPr>
-            <a:endParaRPr lang="en-US" sz="2500" dirty="0" smtClean="0"/>
+            <a:endParaRPr lang="en-US" sz="2500" dirty="0"/>
           </a:p>
           <a:p>
             <a:pPr marL="1657350" lvl="2" indent="-742950">
@@ -8747,7 +8602,7 @@
               <a:buFont typeface="Arial" panose="020B0604020202020204" pitchFamily="34" charset="0"/>
               <a:buChar char="•"/>
             </a:pPr>
-            <a:endParaRPr lang="en-US" sz="2500" dirty="0" smtClean="0"/>
+            <a:endParaRPr lang="en-US" sz="2500" dirty="0"/>
           </a:p>
         </p:txBody>
       </p:sp>
@@ -8791,13 +8646,6 @@
   <p:clrMapOvr>
     <a:masterClrMapping/>
   </p:clrMapOvr>
-  <p:timing>
-    <p:tnLst>
-      <p:par>
-        <p:cTn id="1" dur="indefinite" restart="never" nodeType="tmRoot"/>
-      </p:par>
-    </p:tnLst>
-  </p:timing>
 </p:sld>
 </file>
 
@@ -8852,18 +8700,18 @@
           <a:lstStyle/>
           <a:p>
             <a:pPr algn="ctr"/>
-            <a:endParaRPr lang="en-US" sz="4000" b="1" dirty="0" smtClean="0"/>
+            <a:endParaRPr lang="en-US" sz="4000" b="1" dirty="0"/>
           </a:p>
           <a:p>
             <a:pPr lvl="1"/>
             <a:r>
-              <a:rPr lang="en-US" sz="3500" b="1" dirty="0" smtClean="0"/>
+              <a:rPr lang="en-US" sz="3500" b="1" dirty="0"/>
               <a:t>Controlling sprite</a:t>
             </a:r>
           </a:p>
           <a:p>
             <a:pPr lvl="1"/>
-            <a:endParaRPr lang="en-US" sz="2500" dirty="0" smtClean="0"/>
+            <a:endParaRPr lang="en-US" sz="2500" dirty="0"/>
           </a:p>
           <a:p>
             <a:pPr marL="1257300" lvl="2" indent="-342900">
@@ -8871,21 +8719,21 @@
               <a:buChar char="•"/>
             </a:pPr>
             <a:r>
-              <a:rPr lang="en-US" sz="2500" dirty="0" smtClean="0"/>
+              <a:rPr lang="en-US" sz="2500" dirty="0"/>
               <a:t>Key down event in </a:t>
             </a:r>
             <a:r>
-              <a:rPr lang="en-US" sz="2500" dirty="0" err="1" smtClean="0"/>
+              <a:rPr lang="en-US" sz="2500" dirty="0" err="1"/>
               <a:t>MyForm.h</a:t>
             </a:r>
-            <a:endParaRPr lang="en-US" sz="2500" dirty="0" smtClean="0"/>
+            <a:endParaRPr lang="en-US" sz="2500" dirty="0"/>
           </a:p>
           <a:p>
             <a:pPr marL="1657350" lvl="2" indent="-742950">
               <a:buFont typeface="Arial" panose="020B0604020202020204" pitchFamily="34" charset="0"/>
               <a:buChar char="•"/>
             </a:pPr>
-            <a:endParaRPr lang="en-US" sz="2500" dirty="0" smtClean="0"/>
+            <a:endParaRPr lang="en-US" sz="2500" dirty="0"/>
           </a:p>
           <a:p>
             <a:pPr marL="1657350" lvl="2" indent="-742950">
@@ -8899,7 +8747,7 @@
               <a:buFont typeface="Arial" panose="020B0604020202020204" pitchFamily="34" charset="0"/>
               <a:buChar char="•"/>
             </a:pPr>
-            <a:endParaRPr lang="en-US" sz="2500" dirty="0" smtClean="0"/>
+            <a:endParaRPr lang="en-US" sz="2500" dirty="0"/>
           </a:p>
         </p:txBody>
       </p:sp>
@@ -8943,13 +8791,6 @@
   <p:clrMapOvr>
     <a:masterClrMapping/>
   </p:clrMapOvr>
-  <p:timing>
-    <p:tnLst>
-      <p:par>
-        <p:cTn id="1" dur="indefinite" restart="never" nodeType="tmRoot"/>
-      </p:par>
-    </p:tnLst>
-  </p:timing>
 </p:sld>
 </file>
 
@@ -9004,18 +8845,18 @@
           <a:lstStyle/>
           <a:p>
             <a:pPr algn="ctr"/>
-            <a:endParaRPr lang="en-US" sz="4000" b="1" dirty="0" smtClean="0"/>
+            <a:endParaRPr lang="en-US" sz="4000" b="1" dirty="0"/>
           </a:p>
           <a:p>
             <a:pPr lvl="1"/>
             <a:r>
-              <a:rPr lang="en-US" sz="3500" b="1" dirty="0" smtClean="0"/>
+              <a:rPr lang="en-US" sz="3500" b="1" dirty="0"/>
               <a:t>Creating sprite</a:t>
             </a:r>
           </a:p>
           <a:p>
             <a:pPr lvl="1"/>
-            <a:endParaRPr lang="en-US" sz="2500" dirty="0" smtClean="0"/>
+            <a:endParaRPr lang="en-US" sz="2500" dirty="0"/>
           </a:p>
           <a:p>
             <a:pPr marL="1257300" lvl="2" indent="-342900">
@@ -9023,15 +8864,15 @@
               <a:buChar char="•"/>
             </a:pPr>
             <a:r>
-              <a:rPr lang="en-US" sz="2500" dirty="0" smtClean="0"/>
+              <a:rPr lang="en-US" sz="2500" dirty="0"/>
               <a:t>Create a method called </a:t>
             </a:r>
             <a:r>
-              <a:rPr lang="en-US" sz="2500" dirty="0" err="1" smtClean="0"/>
+              <a:rPr lang="en-US" sz="2500" dirty="0" err="1"/>
               <a:t>generateKnightSprite</a:t>
             </a:r>
             <a:r>
-              <a:rPr lang="en-US" sz="2500" dirty="0" smtClean="0"/>
+              <a:rPr lang="en-US" sz="2500" dirty="0"/>
               <a:t>()</a:t>
             </a:r>
           </a:p>
@@ -9040,7 +8881,7 @@
               <a:buFont typeface="Arial" panose="020B0604020202020204" pitchFamily="34" charset="0"/>
               <a:buChar char="•"/>
             </a:pPr>
-            <a:endParaRPr lang="en-US" sz="2500" dirty="0" smtClean="0"/>
+            <a:endParaRPr lang="en-US" sz="2500" dirty="0"/>
           </a:p>
           <a:p>
             <a:pPr marL="1657350" lvl="2" indent="-742950">
@@ -9054,7 +8895,7 @@
               <a:buFont typeface="Arial" panose="020B0604020202020204" pitchFamily="34" charset="0"/>
               <a:buChar char="•"/>
             </a:pPr>
-            <a:endParaRPr lang="en-US" sz="2500" dirty="0" smtClean="0"/>
+            <a:endParaRPr lang="en-US" sz="2500" dirty="0"/>
           </a:p>
         </p:txBody>
       </p:sp>
@@ -9098,13 +8939,6 @@
   <p:clrMapOvr>
     <a:masterClrMapping/>
   </p:clrMapOvr>
-  <p:timing>
-    <p:tnLst>
-      <p:par>
-        <p:cTn id="1" dur="indefinite" restart="never" nodeType="tmRoot"/>
-      </p:par>
-    </p:tnLst>
-  </p:timing>
 </p:sld>
 </file>
 
@@ -9159,18 +8993,18 @@
           <a:lstStyle/>
           <a:p>
             <a:pPr algn="ctr"/>
-            <a:endParaRPr lang="en-US" sz="4000" b="1" dirty="0" smtClean="0"/>
+            <a:endParaRPr lang="en-US" sz="4000" b="1" dirty="0"/>
           </a:p>
           <a:p>
             <a:pPr lvl="1"/>
             <a:r>
-              <a:rPr lang="en-US" sz="3500" b="1" dirty="0" smtClean="0"/>
+              <a:rPr lang="en-US" sz="3500" b="1" dirty="0"/>
               <a:t>Initialisation</a:t>
             </a:r>
           </a:p>
           <a:p>
             <a:pPr lvl="2"/>
-            <a:endParaRPr lang="en-US" sz="2500" dirty="0" smtClean="0"/>
+            <a:endParaRPr lang="en-US" sz="2500" dirty="0"/>
           </a:p>
           <a:p>
             <a:pPr marL="1657350" lvl="2" indent="-742950">
@@ -9184,7 +9018,7 @@
               <a:buFont typeface="Arial" panose="020B0604020202020204" pitchFamily="34" charset="0"/>
               <a:buChar char="•"/>
             </a:pPr>
-            <a:endParaRPr lang="en-US" sz="2500" dirty="0" smtClean="0"/>
+            <a:endParaRPr lang="en-US" sz="2500" dirty="0"/>
           </a:p>
         </p:txBody>
       </p:sp>
@@ -9228,13 +9062,6 @@
   <p:clrMapOvr>
     <a:masterClrMapping/>
   </p:clrMapOvr>
-  <p:timing>
-    <p:tnLst>
-      <p:par>
-        <p:cTn id="1" dur="indefinite" restart="never" nodeType="tmRoot"/>
-      </p:par>
-    </p:tnLst>
-  </p:timing>
 </p:sld>
 </file>
 
@@ -9289,12 +9116,12 @@
           <a:lstStyle/>
           <a:p>
             <a:pPr algn="ctr"/>
-            <a:endParaRPr lang="en-US" sz="4000" b="1" dirty="0" smtClean="0"/>
+            <a:endParaRPr lang="en-US" sz="4000" b="1" dirty="0"/>
           </a:p>
           <a:p>
             <a:pPr lvl="1"/>
             <a:r>
-              <a:rPr lang="en-US" sz="3500" b="1" dirty="0" smtClean="0"/>
+              <a:rPr lang="en-US" sz="3500" b="1" dirty="0"/>
               <a:t>God object</a:t>
             </a:r>
           </a:p>
@@ -9308,7 +9135,7 @@
               <a:buChar char="•"/>
             </a:pPr>
             <a:r>
-              <a:rPr lang="en-US" sz="2500" dirty="0" smtClean="0"/>
+              <a:rPr lang="en-US" sz="2500" dirty="0"/>
               <a:t>Anti-pattern</a:t>
             </a:r>
           </a:p>
@@ -9318,7 +9145,7 @@
               <a:buChar char="•"/>
             </a:pPr>
             <a:r>
-              <a:rPr lang="en-US" sz="2500" dirty="0" smtClean="0"/>
+              <a:rPr lang="en-US" sz="2500" dirty="0"/>
               <a:t>Single “all-knowing” object</a:t>
             </a:r>
           </a:p>
@@ -9328,7 +9155,7 @@
               <a:buChar char="•"/>
             </a:pPr>
             <a:r>
-              <a:rPr lang="en-US" sz="2500" dirty="0" smtClean="0"/>
+              <a:rPr lang="en-US" sz="2500" dirty="0"/>
               <a:t>Object that knows too much or does too much</a:t>
             </a:r>
           </a:p>
@@ -9338,7 +9165,7 @@
               <a:buChar char="•"/>
             </a:pPr>
             <a:r>
-              <a:rPr lang="en-US" sz="2500" dirty="0" smtClean="0"/>
+              <a:rPr lang="en-US" sz="2500" dirty="0"/>
               <a:t>Create user-defined objects in MyForm.h</a:t>
             </a:r>
           </a:p>
@@ -9354,13 +9181,6 @@
   <p:clrMapOvr>
     <a:masterClrMapping/>
   </p:clrMapOvr>
-  <p:timing>
-    <p:tnLst>
-      <p:par>
-        <p:cTn id="1" dur="indefinite" restart="never" nodeType="tmRoot"/>
-      </p:par>
-    </p:tnLst>
-  </p:timing>
 </p:sld>
 </file>
 
@@ -9415,12 +9235,12 @@
           <a:lstStyle/>
           <a:p>
             <a:pPr algn="ctr"/>
-            <a:endParaRPr lang="en-US" sz="4000" b="1" dirty="0" smtClean="0"/>
+            <a:endParaRPr lang="en-US" sz="4000" b="1" dirty="0"/>
           </a:p>
           <a:p>
             <a:pPr lvl="1"/>
             <a:r>
-              <a:rPr lang="en-US" sz="3500" b="1" dirty="0" smtClean="0"/>
+              <a:rPr lang="en-US" sz="3500" b="1" dirty="0"/>
               <a:t>Directional movement</a:t>
             </a:r>
             <a:endParaRPr lang="en-US" sz="2500" dirty="0"/>
@@ -9430,7 +9250,7 @@
               <a:buFont typeface="Arial" panose="020B0604020202020204" pitchFamily="34" charset="0"/>
               <a:buChar char="•"/>
             </a:pPr>
-            <a:endParaRPr lang="en-US" sz="2500" dirty="0" smtClean="0"/>
+            <a:endParaRPr lang="en-US" sz="2500" dirty="0"/>
           </a:p>
         </p:txBody>
       </p:sp>
@@ -9505,13 +9325,6 @@
   <p:clrMapOvr>
     <a:masterClrMapping/>
   </p:clrMapOvr>
-  <p:timing>
-    <p:tnLst>
-      <p:par>
-        <p:cTn id="1" dur="indefinite" restart="never" nodeType="tmRoot"/>
-      </p:par>
-    </p:tnLst>
-  </p:timing>
 </p:sld>
 </file>
 
@@ -9566,18 +9379,18 @@
           <a:lstStyle/>
           <a:p>
             <a:pPr algn="ctr"/>
-            <a:endParaRPr lang="en-US" sz="4000" b="1" dirty="0" smtClean="0"/>
+            <a:endParaRPr lang="en-US" sz="4000" b="1" dirty="0"/>
           </a:p>
           <a:p>
             <a:pPr lvl="1"/>
             <a:r>
-              <a:rPr lang="en-US" sz="3500" b="1" dirty="0" smtClean="0"/>
+              <a:rPr lang="en-US" sz="3500" b="1" dirty="0"/>
               <a:t>Multiple sprite sheets</a:t>
             </a:r>
           </a:p>
           <a:p>
             <a:pPr lvl="1"/>
-            <a:endParaRPr lang="en-US" sz="2500" dirty="0" smtClean="0"/>
+            <a:endParaRPr lang="en-US" sz="2500" dirty="0"/>
           </a:p>
           <a:p>
             <a:pPr marL="1657350" lvl="2" indent="-742950">
@@ -9585,14 +9398,14 @@
               <a:buChar char="•"/>
             </a:pPr>
             <a:r>
-              <a:rPr lang="en-US" sz="2500" dirty="0" smtClean="0"/>
+              <a:rPr lang="en-US" sz="2500" dirty="0"/>
               <a:t>We will being multiple sprite sheets for our </a:t>
             </a:r>
           </a:p>
           <a:p>
             <a:pPr lvl="2"/>
             <a:r>
-              <a:rPr lang="en-US" sz="2500" dirty="0" smtClean="0"/>
+              <a:rPr lang="en-US" sz="2500" dirty="0"/>
               <a:t>	practical</a:t>
             </a:r>
           </a:p>
@@ -9601,7 +9414,7 @@
               <a:buFont typeface="Arial" panose="020B0604020202020204" pitchFamily="34" charset="0"/>
               <a:buChar char="•"/>
             </a:pPr>
-            <a:endParaRPr lang="en-US" sz="2500" dirty="0" smtClean="0"/>
+            <a:endParaRPr lang="en-US" sz="2500" dirty="0"/>
           </a:p>
           <a:p>
             <a:pPr marL="1657350" lvl="2" indent="-742950">
@@ -9615,7 +9428,7 @@
               <a:buFont typeface="Arial" panose="020B0604020202020204" pitchFamily="34" charset="0"/>
               <a:buChar char="•"/>
             </a:pPr>
-            <a:endParaRPr lang="en-US" sz="2500" dirty="0" smtClean="0"/>
+            <a:endParaRPr lang="en-US" sz="2500" dirty="0"/>
           </a:p>
         </p:txBody>
       </p:sp>
@@ -9740,13 +9553,6 @@
   <p:clrMapOvr>
     <a:masterClrMapping/>
   </p:clrMapOvr>
-  <p:timing>
-    <p:tnLst>
-      <p:par>
-        <p:cTn id="1" dur="indefinite" restart="never" nodeType="tmRoot"/>
-      </p:par>
-    </p:tnLst>
-  </p:timing>
 </p:sld>
 </file>
 
@@ -9801,18 +9607,18 @@
           <a:lstStyle/>
           <a:p>
             <a:pPr algn="ctr"/>
-            <a:endParaRPr lang="en-US" sz="4000" b="1" dirty="0" smtClean="0"/>
+            <a:endParaRPr lang="en-US" sz="4000" b="1" dirty="0"/>
           </a:p>
           <a:p>
             <a:pPr lvl="1"/>
             <a:r>
-              <a:rPr lang="en-US" sz="3500" b="1" dirty="0" smtClean="0"/>
+              <a:rPr lang="en-US" sz="3500" b="1" dirty="0"/>
               <a:t>Multiple sprite sheets</a:t>
             </a:r>
           </a:p>
           <a:p>
             <a:pPr lvl="1"/>
-            <a:endParaRPr lang="en-US" sz="2500" dirty="0" smtClean="0"/>
+            <a:endParaRPr lang="en-US" sz="2500" dirty="0"/>
           </a:p>
           <a:p>
             <a:pPr marL="1657350" lvl="2" indent="-742950">
@@ -9820,7 +9626,7 @@
               <a:buChar char="•"/>
             </a:pPr>
             <a:r>
-              <a:rPr lang="en-US" sz="2500" dirty="0" smtClean="0"/>
+              <a:rPr lang="en-US" sz="2500" dirty="0"/>
               <a:t>Think of this as an array of four bitmaps</a:t>
             </a:r>
           </a:p>
@@ -9830,7 +9636,7 @@
               <a:buChar char="•"/>
             </a:pPr>
             <a:r>
-              <a:rPr lang="en-US" sz="2500" dirty="0" smtClean="0"/>
+              <a:rPr lang="en-US" sz="2500" dirty="0"/>
               <a:t>Each with a direction of either 0, 1, 2, 3</a:t>
             </a:r>
           </a:p>
@@ -9840,7 +9646,7 @@
               <a:buChar char="•"/>
             </a:pPr>
             <a:r>
-              <a:rPr lang="en-US" sz="2500" dirty="0" smtClean="0"/>
+              <a:rPr lang="en-US" sz="2500" dirty="0"/>
               <a:t>What changes do we need to make to the </a:t>
             </a:r>
           </a:p>
@@ -9848,20 +9654,15 @@
             <a:pPr lvl="2"/>
             <a:r>
               <a:rPr lang="en-US" sz="2500" dirty="0"/>
-              <a:t>	</a:t>
-            </a:r>
-            <a:r>
-              <a:rPr lang="en-US" sz="2500" dirty="0" smtClean="0"/>
-              <a:t>Sprite class?</a:t>
-            </a:r>
+              <a:t>	Sprite class?</a:t>
+            </a:r>
+          </a:p>
+          <a:p>
+            <a:pPr marL="1657350" lvl="2" indent="-742950">
+              <a:buFont typeface="Arial" panose="020B0604020202020204" pitchFamily="34" charset="0"/>
+              <a:buChar char="•"/>
+            </a:pPr>
             <a:endParaRPr lang="en-US" sz="2500" dirty="0"/>
-          </a:p>
-          <a:p>
-            <a:pPr marL="1657350" lvl="2" indent="-742950">
-              <a:buFont typeface="Arial" panose="020B0604020202020204" pitchFamily="34" charset="0"/>
-              <a:buChar char="•"/>
-            </a:pPr>
-            <a:endParaRPr lang="en-US" sz="2500" dirty="0" smtClean="0"/>
           </a:p>
         </p:txBody>
       </p:sp>
@@ -9875,13 +9676,6 @@
   <p:clrMapOvr>
     <a:masterClrMapping/>
   </p:clrMapOvr>
-  <p:timing>
-    <p:tnLst>
-      <p:par>
-        <p:cTn id="1" dur="indefinite" restart="never" nodeType="tmRoot"/>
-      </p:par>
-    </p:tnLst>
-  </p:timing>
 </p:sld>
 </file>
 
@@ -9936,18 +9730,18 @@
           <a:lstStyle/>
           <a:p>
             <a:pPr algn="ctr"/>
-            <a:endParaRPr lang="en-US" sz="4000" b="1" dirty="0" smtClean="0"/>
+            <a:endParaRPr lang="en-US" sz="4000" b="1" dirty="0"/>
           </a:p>
           <a:p>
             <a:pPr lvl="1"/>
             <a:r>
-              <a:rPr lang="en-US" sz="3500" b="1" dirty="0" smtClean="0"/>
+              <a:rPr lang="en-US" sz="3500" b="1" dirty="0"/>
               <a:t>Direction constants</a:t>
             </a:r>
           </a:p>
           <a:p>
             <a:pPr lvl="1"/>
-            <a:endParaRPr lang="en-US" sz="2500" dirty="0" smtClean="0"/>
+            <a:endParaRPr lang="en-US" sz="2500" dirty="0"/>
           </a:p>
           <a:p>
             <a:pPr marL="1657350" lvl="2" indent="-742950">
@@ -9955,7 +9749,7 @@
               <a:buChar char="•"/>
             </a:pPr>
             <a:r>
-              <a:rPr lang="en-NZ" sz="2500" dirty="0" smtClean="0"/>
+              <a:rPr lang="en-NZ" sz="2500" dirty="0"/>
               <a:t>Two ways you can create a sprite direction:</a:t>
             </a:r>
           </a:p>
@@ -9965,12 +9759,8 @@
               <a:buChar char="•"/>
             </a:pPr>
             <a:r>
-              <a:rPr lang="en-NZ" sz="2000" dirty="0" smtClean="0"/>
-              <a:t>#</a:t>
-            </a:r>
-            <a:r>
               <a:rPr lang="en-NZ" sz="2000" dirty="0"/>
-              <a:t>define EAST 0</a:t>
+              <a:t>#define EAST 0</a:t>
             </a:r>
           </a:p>
           <a:p>
@@ -10005,14 +9795,14 @@
           </a:p>
           <a:p>
             <a:pPr lvl="2"/>
-            <a:endParaRPr lang="en-US" sz="2500" dirty="0" smtClean="0"/>
+            <a:endParaRPr lang="en-US" sz="2500" dirty="0"/>
           </a:p>
           <a:p>
             <a:pPr marL="1657350" lvl="2" indent="-742950">
               <a:buFont typeface="Arial" panose="020B0604020202020204" pitchFamily="34" charset="0"/>
               <a:buChar char="•"/>
             </a:pPr>
-            <a:endParaRPr lang="en-US" sz="2500" dirty="0" smtClean="0"/>
+            <a:endParaRPr lang="en-US" sz="2500" dirty="0"/>
           </a:p>
           <a:p>
             <a:pPr marL="1657350" lvl="2" indent="-742950">
@@ -10026,7 +9816,7 @@
               <a:buFont typeface="Arial" panose="020B0604020202020204" pitchFamily="34" charset="0"/>
               <a:buChar char="•"/>
             </a:pPr>
-            <a:endParaRPr lang="en-US" sz="2500" dirty="0" smtClean="0"/>
+            <a:endParaRPr lang="en-US" sz="2500" dirty="0"/>
           </a:p>
         </p:txBody>
       </p:sp>
@@ -10070,13 +9860,6 @@
   <p:clrMapOvr>
     <a:masterClrMapping/>
   </p:clrMapOvr>
-  <p:timing>
-    <p:tnLst>
-      <p:par>
-        <p:cTn id="1" dur="indefinite" restart="never" nodeType="tmRoot"/>
-      </p:par>
-    </p:tnLst>
-  </p:timing>
 </p:sld>
 </file>
 
@@ -10131,18 +9914,18 @@
           <a:lstStyle/>
           <a:p>
             <a:pPr algn="ctr"/>
-            <a:endParaRPr lang="en-US" sz="4000" b="1" dirty="0" smtClean="0"/>
+            <a:endParaRPr lang="en-US" sz="4000" b="1" dirty="0"/>
           </a:p>
           <a:p>
             <a:pPr lvl="1"/>
             <a:r>
-              <a:rPr lang="en-US" sz="3500" b="1" dirty="0" smtClean="0"/>
+              <a:rPr lang="en-US" sz="3500" b="1" dirty="0"/>
               <a:t>Modify Sprite.h</a:t>
             </a:r>
           </a:p>
           <a:p>
             <a:pPr lvl="1"/>
-            <a:endParaRPr lang="en-US" sz="2500" dirty="0" smtClean="0"/>
+            <a:endParaRPr lang="en-US" sz="2500" dirty="0"/>
           </a:p>
           <a:p>
             <a:pPr marL="1657350" lvl="2" indent="-742950">
@@ -10150,21 +9933,21 @@
               <a:buChar char="•"/>
             </a:pPr>
             <a:r>
-              <a:rPr lang="en-NZ" sz="2500" dirty="0" smtClean="0"/>
+              <a:rPr lang="en-NZ" sz="2500" dirty="0"/>
               <a:t>Modify your Sprite class (in the .h)</a:t>
             </a:r>
             <a:endParaRPr lang="en-NZ" sz="2000" dirty="0"/>
           </a:p>
           <a:p>
             <a:pPr lvl="2"/>
-            <a:endParaRPr lang="en-US" sz="2500" dirty="0" smtClean="0"/>
+            <a:endParaRPr lang="en-US" sz="2500" dirty="0"/>
           </a:p>
           <a:p>
             <a:pPr marL="1657350" lvl="2" indent="-742950">
               <a:buFont typeface="Arial" panose="020B0604020202020204" pitchFamily="34" charset="0"/>
               <a:buChar char="•"/>
             </a:pPr>
-            <a:endParaRPr lang="en-US" sz="2500" dirty="0" smtClean="0"/>
+            <a:endParaRPr lang="en-US" sz="2500" dirty="0"/>
           </a:p>
           <a:p>
             <a:pPr marL="1657350" lvl="2" indent="-742950">
@@ -10178,7 +9961,7 @@
               <a:buFont typeface="Arial" panose="020B0604020202020204" pitchFamily="34" charset="0"/>
               <a:buChar char="•"/>
             </a:pPr>
-            <a:endParaRPr lang="en-US" sz="2500" dirty="0" smtClean="0"/>
+            <a:endParaRPr lang="en-US" sz="2500" dirty="0"/>
           </a:p>
         </p:txBody>
       </p:sp>
@@ -10222,13 +10005,6 @@
   <p:clrMapOvr>
     <a:masterClrMapping/>
   </p:clrMapOvr>
-  <p:timing>
-    <p:tnLst>
-      <p:par>
-        <p:cTn id="1" dur="indefinite" restart="never" nodeType="tmRoot"/>
-      </p:par>
-    </p:tnLst>
-  </p:timing>
 </p:sld>
 </file>
 
@@ -10283,18 +10059,18 @@
           <a:lstStyle/>
           <a:p>
             <a:pPr algn="ctr"/>
-            <a:endParaRPr lang="en-US" sz="4000" b="1" dirty="0" smtClean="0"/>
+            <a:endParaRPr lang="en-US" sz="4000" b="1" dirty="0"/>
           </a:p>
           <a:p>
             <a:pPr lvl="1"/>
             <a:r>
-              <a:rPr lang="en-US" sz="3500" b="1" dirty="0" smtClean="0"/>
+              <a:rPr lang="en-US" sz="3500" b="1" dirty="0"/>
               <a:t>Modify Sprite.cpp </a:t>
             </a:r>
           </a:p>
           <a:p>
             <a:pPr lvl="1"/>
-            <a:endParaRPr lang="en-US" sz="2500" dirty="0" smtClean="0"/>
+            <a:endParaRPr lang="en-US" sz="2500" dirty="0"/>
           </a:p>
           <a:p>
             <a:pPr marL="1657350" lvl="2" indent="-742950">
@@ -10302,17 +10078,17 @@
               <a:buChar char="•"/>
             </a:pPr>
             <a:r>
-              <a:rPr lang="en-NZ" sz="2500" dirty="0" smtClean="0"/>
+              <a:rPr lang="en-NZ" sz="2500" dirty="0"/>
               <a:t>Modify your Sprite constructor</a:t>
             </a:r>
-            <a:endParaRPr lang="en-US" sz="2500" dirty="0" smtClean="0"/>
+            <a:endParaRPr lang="en-US" sz="2500" dirty="0"/>
           </a:p>
           <a:p>
             <a:pPr marL="1657350" lvl="2" indent="-742950">
               <a:buFont typeface="Arial" panose="020B0604020202020204" pitchFamily="34" charset="0"/>
               <a:buChar char="•"/>
             </a:pPr>
-            <a:endParaRPr lang="en-US" sz="2500" dirty="0" smtClean="0"/>
+            <a:endParaRPr lang="en-US" sz="2500" dirty="0"/>
           </a:p>
           <a:p>
             <a:pPr marL="1657350" lvl="2" indent="-742950">
@@ -10326,7 +10102,7 @@
               <a:buFont typeface="Arial" panose="020B0604020202020204" pitchFamily="34" charset="0"/>
               <a:buChar char="•"/>
             </a:pPr>
-            <a:endParaRPr lang="en-US" sz="2500" dirty="0" smtClean="0"/>
+            <a:endParaRPr lang="en-US" sz="2500" dirty="0"/>
           </a:p>
         </p:txBody>
       </p:sp>
@@ -10370,13 +10146,6 @@
   <p:clrMapOvr>
     <a:masterClrMapping/>
   </p:clrMapOvr>
-  <p:timing>
-    <p:tnLst>
-      <p:par>
-        <p:cTn id="1" dur="indefinite" restart="never" nodeType="tmRoot"/>
-      </p:par>
-    </p:tnLst>
-  </p:timing>
 </p:sld>
 </file>
 
@@ -10431,18 +10200,18 @@
           <a:lstStyle/>
           <a:p>
             <a:pPr algn="ctr"/>
-            <a:endParaRPr lang="en-US" sz="4000" b="1" dirty="0" smtClean="0"/>
+            <a:endParaRPr lang="en-US" sz="4000" b="1" dirty="0"/>
           </a:p>
           <a:p>
             <a:pPr lvl="1"/>
             <a:r>
-              <a:rPr lang="en-US" sz="3500" b="1" dirty="0" smtClean="0"/>
+              <a:rPr lang="en-US" sz="3500" b="1" dirty="0"/>
               <a:t>Modify Sprite.cpp </a:t>
             </a:r>
           </a:p>
           <a:p>
             <a:pPr lvl="1"/>
-            <a:endParaRPr lang="en-US" sz="2500" dirty="0" smtClean="0"/>
+            <a:endParaRPr lang="en-US" sz="2500" dirty="0"/>
           </a:p>
           <a:p>
             <a:pPr marL="1657350" lvl="2" indent="-742950">
@@ -10450,21 +10219,21 @@
               <a:buChar char="•"/>
             </a:pPr>
             <a:r>
-              <a:rPr lang="en-NZ" sz="2500" dirty="0" smtClean="0"/>
+              <a:rPr lang="en-NZ" sz="2500" dirty="0"/>
               <a:t>Give the sprite’s direction a default value</a:t>
             </a:r>
             <a:endParaRPr lang="en-NZ" sz="2000" dirty="0"/>
           </a:p>
           <a:p>
             <a:pPr lvl="2"/>
-            <a:endParaRPr lang="en-US" sz="2500" dirty="0" smtClean="0"/>
+            <a:endParaRPr lang="en-US" sz="2500" dirty="0"/>
           </a:p>
           <a:p>
             <a:pPr marL="1657350" lvl="2" indent="-742950">
               <a:buFont typeface="Arial" panose="020B0604020202020204" pitchFamily="34" charset="0"/>
               <a:buChar char="•"/>
             </a:pPr>
-            <a:endParaRPr lang="en-US" sz="2500" dirty="0" smtClean="0"/>
+            <a:endParaRPr lang="en-US" sz="2500" dirty="0"/>
           </a:p>
           <a:p>
             <a:pPr marL="1657350" lvl="2" indent="-742950">
@@ -10478,7 +10247,7 @@
               <a:buFont typeface="Arial" panose="020B0604020202020204" pitchFamily="34" charset="0"/>
               <a:buChar char="•"/>
             </a:pPr>
-            <a:endParaRPr lang="en-US" sz="2500" dirty="0" smtClean="0"/>
+            <a:endParaRPr lang="en-US" sz="2500" dirty="0"/>
           </a:p>
         </p:txBody>
       </p:sp>
@@ -10522,13 +10291,6 @@
   <p:clrMapOvr>
     <a:masterClrMapping/>
   </p:clrMapOvr>
-  <p:timing>
-    <p:tnLst>
-      <p:par>
-        <p:cTn id="1" dur="indefinite" restart="never" nodeType="tmRoot"/>
-      </p:par>
-    </p:tnLst>
-  </p:timing>
 </p:sld>
 </file>
 
@@ -10583,18 +10345,18 @@
           <a:lstStyle/>
           <a:p>
             <a:pPr algn="ctr"/>
-            <a:endParaRPr lang="en-US" sz="4000" b="1" dirty="0" smtClean="0"/>
+            <a:endParaRPr lang="en-US" sz="4000" b="1" dirty="0"/>
           </a:p>
           <a:p>
             <a:pPr lvl="1"/>
             <a:r>
-              <a:rPr lang="en-US" sz="3500" b="1" dirty="0" smtClean="0"/>
+              <a:rPr lang="en-US" sz="3500" b="1" dirty="0"/>
               <a:t>Drawing sprite</a:t>
             </a:r>
           </a:p>
           <a:p>
             <a:pPr lvl="1"/>
-            <a:endParaRPr lang="en-US" sz="2500" dirty="0" smtClean="0"/>
+            <a:endParaRPr lang="en-US" sz="2500" dirty="0"/>
           </a:p>
           <a:p>
             <a:pPr marL="1657350" lvl="2" indent="-742950">
@@ -10602,7 +10364,7 @@
               <a:buChar char="•"/>
             </a:pPr>
             <a:r>
-              <a:rPr lang="en-NZ" sz="2500" dirty="0" smtClean="0"/>
+              <a:rPr lang="en-NZ" sz="2500" dirty="0"/>
               <a:t>We should think about writing maintainable code</a:t>
             </a:r>
           </a:p>
@@ -10612,7 +10374,7 @@
               <a:buChar char="•"/>
             </a:pPr>
             <a:r>
-              <a:rPr lang="en-NZ" sz="2500" dirty="0" smtClean="0"/>
+              <a:rPr lang="en-NZ" sz="2500" dirty="0"/>
               <a:t>Make use of intermediate variables</a:t>
             </a:r>
           </a:p>
@@ -10622,21 +10384,21 @@
               <a:buChar char="•"/>
             </a:pPr>
             <a:r>
-              <a:rPr lang="en-NZ" sz="2500" dirty="0" smtClean="0"/>
+              <a:rPr lang="en-NZ" sz="2500" dirty="0"/>
               <a:t>Note my X and Y position are properties</a:t>
             </a:r>
-            <a:endParaRPr lang="en-NZ" sz="2000" dirty="0" smtClean="0"/>
+            <a:endParaRPr lang="en-NZ" sz="2000" dirty="0"/>
           </a:p>
           <a:p>
             <a:pPr lvl="2"/>
-            <a:endParaRPr lang="en-US" sz="2500" dirty="0" smtClean="0"/>
+            <a:endParaRPr lang="en-US" sz="2500" dirty="0"/>
           </a:p>
           <a:p>
             <a:pPr marL="1657350" lvl="2" indent="-742950">
               <a:buFont typeface="Arial" panose="020B0604020202020204" pitchFamily="34" charset="0"/>
               <a:buChar char="•"/>
             </a:pPr>
-            <a:endParaRPr lang="en-US" sz="2500" dirty="0" smtClean="0"/>
+            <a:endParaRPr lang="en-US" sz="2500" dirty="0"/>
           </a:p>
           <a:p>
             <a:pPr marL="1657350" lvl="2" indent="-742950">
@@ -10650,7 +10412,7 @@
               <a:buFont typeface="Arial" panose="020B0604020202020204" pitchFamily="34" charset="0"/>
               <a:buChar char="•"/>
             </a:pPr>
-            <a:endParaRPr lang="en-US" sz="2500" dirty="0" smtClean="0"/>
+            <a:endParaRPr lang="en-US" sz="2500" dirty="0"/>
           </a:p>
         </p:txBody>
       </p:sp>
@@ -10694,13 +10456,6 @@
   <p:clrMapOvr>
     <a:masterClrMapping/>
   </p:clrMapOvr>
-  <p:timing>
-    <p:tnLst>
-      <p:par>
-        <p:cTn id="1" dur="indefinite" restart="never" nodeType="tmRoot"/>
-      </p:par>
-    </p:tnLst>
-  </p:timing>
 </p:sld>
 </file>
 
